--- a/pptx_source/03-What-is-ABM.pptx
+++ b/pptx_source/03-What-is-ABM.pptx
@@ -3380,7 +3380,7 @@
               </a14:hiddenLine>
             </a:ext>
             <a:ext uri="{FAA26D3D-D897-4be2-8F04-BA451C77F1D7}">
-              <ma14:placeholderFlag xmlns:ma14="http://schemas.microsoft.com/office/mac/drawingml/2011/main" xmlns="" val="1"/>
+              <ma14:placeholderFlag xmlns="" xmlns:ma14="http://schemas.microsoft.com/office/mac/drawingml/2011/main" val="1"/>
             </a:ext>
           </a:extLst>
         </p:spPr>
@@ -4135,7 +4135,7 @@
                 <a14:useLocalDpi xmlns:a14="http://schemas.microsoft.com/office/drawing/2010/main" val="0"/>
               </a:ext>
               <a:ext uri="{96DAC541-7B7A-43D3-8B79-37D633B846F1}">
-                <asvg:svgBlip xmlns:asvg="http://schemas.microsoft.com/office/drawing/2016/SVG/main" xmlns="" r:embed="rId3"/>
+                <asvg:svgBlip xmlns="" xmlns:asvg="http://schemas.microsoft.com/office/drawing/2016/SVG/main" r:embed="rId3"/>
               </a:ext>
             </a:extLst>
           </a:blip>
@@ -4484,11 +4484,7 @@
             </a:r>
             <a:r>
               <a:rPr lang="en-US" dirty="0"/>
-              <a:t> 	Please proceed to </a:t>
-            </a:r>
-            <a:r>
-              <a:rPr lang="en-US" dirty="0"/>
-              <a:t>04 (Introduction to </a:t>
+              <a:t> 	Please proceed to 04 (Introduction to </a:t>
             </a:r>
             <a:r>
               <a:rPr lang="en-US" dirty="0" err="1"/>

--- a/pptx_source/03-What-is-ABM.pptx
+++ b/pptx_source/03-What-is-ABM.pptx
@@ -3990,12 +3990,12 @@
           <a:lstStyle/>
           <a:p>
             <a:r>
-              <a:rPr lang="en-US" dirty="0">
+              <a:rPr lang="en-US" smtClean="0">
                 <a:solidFill>
                   <a:schemeClr val="tx1"/>
                 </a:solidFill>
               </a:rPr>
-              <a:t>Module </a:t>
+              <a:t>Lesson </a:t>
             </a:r>
             <a:r>
               <a:rPr lang="en-US" dirty="0" smtClean="0">

--- a/pptx_source/03-What-is-ABM.pptx
+++ b/pptx_source/03-What-is-ABM.pptx
@@ -280,7 +280,7 @@
               <a:pPr>
                 <a:defRPr/>
               </a:pPr>
-              <a:t>11/13/2019</a:t>
+              <a:t>11/24/2019</a:t>
             </a:fld>
             <a:endParaRPr lang="en-US" dirty="0"/>
           </a:p>
@@ -3380,7 +3380,7 @@
               </a14:hiddenLine>
             </a:ext>
             <a:ext uri="{FAA26D3D-D897-4be2-8F04-BA451C77F1D7}">
-              <ma14:placeholderFlag xmlns="" xmlns:ma14="http://schemas.microsoft.com/office/mac/drawingml/2011/main" val="1"/>
+              <ma14:placeholderFlag xmlns:ma14="http://schemas.microsoft.com/office/mac/drawingml/2011/main" xmlns="" val="1"/>
             </a:ext>
           </a:extLst>
         </p:spPr>
@@ -3990,26 +3990,17 @@
           <a:lstStyle/>
           <a:p>
             <a:r>
-              <a:rPr lang="en-US" smtClean="0">
+              <a:rPr lang="en-US" dirty="0">
                 <a:solidFill>
                   <a:schemeClr val="tx1"/>
                 </a:solidFill>
               </a:rPr>
-              <a:t>Lesson </a:t>
-            </a:r>
-            <a:r>
-              <a:rPr lang="en-US" dirty="0" smtClean="0">
-                <a:solidFill>
-                  <a:schemeClr val="tx1"/>
-                </a:solidFill>
-              </a:rPr>
-              <a:t>03:</a:t>
-            </a:r>
-            <a:r>
-              <a:rPr lang="en-US" dirty="0" smtClean="0"/>
+              <a:t>Lesson 3:</a:t>
+            </a:r>
+            <a:r>
+              <a:rPr lang="en-US" dirty="0"/>
               <a:t> What is an agent-based model?</a:t>
             </a:r>
-            <a:endParaRPr lang="en-US" dirty="0"/>
           </a:p>
         </p:txBody>
       </p:sp>
@@ -4101,11 +4092,7 @@
             </a:r>
             <a:r>
               <a:rPr lang="en-US" sz="1800"/>
-              <a:t>November </a:t>
-            </a:r>
-            <a:r>
-              <a:rPr lang="en-US" sz="1800" smtClean="0"/>
-              <a:t>13, </a:t>
+              <a:t>November 13, </a:t>
             </a:r>
             <a:r>
               <a:rPr lang="en-US" sz="1800" dirty="0"/>
@@ -4135,7 +4122,7 @@
                 <a14:useLocalDpi xmlns:a14="http://schemas.microsoft.com/office/drawing/2010/main" val="0"/>
               </a:ext>
               <a:ext uri="{96DAC541-7B7A-43D3-8B79-37D633B846F1}">
-                <asvg:svgBlip xmlns="" xmlns:asvg="http://schemas.microsoft.com/office/drawing/2016/SVG/main" r:embed="rId3"/>
+                <asvg:svgBlip xmlns:asvg="http://schemas.microsoft.com/office/drawing/2016/SVG/main" r:embed="rId3"/>
               </a:ext>
             </a:extLst>
           </a:blip>
@@ -4176,18 +4163,18 @@
           <a:lstStyle/>
           <a:p>
             <a:r>
-              <a:rPr lang="en-US" b="1" dirty="0" smtClean="0"/>
+              <a:rPr lang="en-US" b="1" dirty="0"/>
               <a:t>Slides, videos, links and more:</a:t>
             </a:r>
           </a:p>
           <a:p>
             <a:r>
-              <a:rPr lang="en-US" dirty="0" smtClean="0">
+              <a:rPr lang="en-US" dirty="0">
                 <a:hlinkClick r:id="rId4"/>
               </a:rPr>
               <a:t>https://github.com/physicell-training/03-What-is-ABM</a:t>
             </a:r>
-            <a:endParaRPr lang="en-US" dirty="0" smtClean="0"/>
+            <a:endParaRPr lang="en-US" dirty="0"/>
           </a:p>
         </p:txBody>
       </p:sp>
@@ -4255,13 +4242,6 @@
   <p:clrMapOvr>
     <a:masterClrMapping/>
   </p:clrMapOvr>
-  <p:timing>
-    <p:tnLst>
-      <p:par>
-        <p:cTn id="1" dur="indefinite" restart="never" nodeType="tmRoot"/>
-      </p:par>
-    </p:tnLst>
-  </p:timing>
 </p:sld>
 </file>
 
@@ -4335,6 +4315,9 @@
           <a:p>
             <a:pPr marL="0" indent="0">
               <a:buNone/>
+              <a:tabLst>
+                <a:tab pos="1828800" algn="l"/>
+              </a:tabLst>
             </a:pPr>
             <a:r>
               <a:rPr lang="en-US" b="1" dirty="0">
@@ -4346,30 +4329,10 @@
             </a:r>
             <a:r>
               <a:rPr lang="en-US" dirty="0"/>
-              <a:t> 	</a:t>
-            </a:r>
-            <a:r>
-              <a:rPr lang="en-US" dirty="0" smtClean="0"/>
-              <a:t>	Please </a:t>
-            </a:r>
-            <a:r>
-              <a:rPr lang="en-US" dirty="0"/>
-              <a:t>proceed to </a:t>
-            </a:r>
-            <a:r>
-              <a:rPr lang="en-US" dirty="0" smtClean="0"/>
-              <a:t>04 (Introduction to </a:t>
-            </a:r>
-            <a:r>
-              <a:rPr lang="en-US" dirty="0" err="1" smtClean="0"/>
-              <a:t>PhysiCell</a:t>
-            </a:r>
-            <a:r>
-              <a:rPr lang="en-US" dirty="0" smtClean="0"/>
-              <a:t>)</a:t>
+              <a:t> 	Please proceed to 4 (Introduction to PhysiCell)</a:t>
             </a:r>
             <a:br>
-              <a:rPr lang="en-US" dirty="0" smtClean="0"/>
+              <a:rPr lang="en-US" dirty="0"/>
             </a:br>
             <a:r>
               <a:rPr lang="en-US" b="1" dirty="0"/>
@@ -4377,31 +4340,31 @@
             </a:r>
             <a:r>
               <a:rPr lang="en-US" dirty="0"/>
-              <a:t> 		</a:t>
+              <a:t> 	</a:t>
             </a:r>
             <a:r>
               <a:rPr lang="en-US" dirty="0">
                 <a:hlinkClick r:id="rId2"/>
               </a:rPr>
-              <a:t>https://</a:t>
-            </a:r>
-            <a:r>
-              <a:rPr lang="en-US" dirty="0" smtClean="0">
-                <a:hlinkClick r:id="rId2"/>
-              </a:rPr>
-              <a:t>github.com/physicell-training/04-PhysiCell-intro</a:t>
-            </a:r>
-            <a:endParaRPr lang="en-US" dirty="0" smtClean="0"/>
+              <a:t>https://github.com/physicell-training/04-PhysiCell-intro</a:t>
+            </a:r>
+            <a:endParaRPr lang="en-US" dirty="0"/>
           </a:p>
           <a:p>
             <a:pPr marL="0" indent="0">
               <a:buNone/>
+              <a:tabLst>
+                <a:tab pos="1828800" algn="l"/>
+              </a:tabLst>
             </a:pPr>
             <a:endParaRPr lang="en-US" dirty="0"/>
           </a:p>
           <a:p>
             <a:pPr marL="0" indent="0">
               <a:buNone/>
+              <a:tabLst>
+                <a:tab pos="1828800" algn="l"/>
+              </a:tabLst>
             </a:pPr>
             <a:r>
               <a:rPr lang="en-US" b="1" dirty="0">
@@ -4425,22 +4388,10 @@
             </a:r>
             <a:r>
               <a:rPr lang="en-US" dirty="0"/>
-              <a:t>	Please proceed to </a:t>
-            </a:r>
-            <a:r>
-              <a:rPr lang="en-US" dirty="0" smtClean="0"/>
-              <a:t>04 (Introduction to </a:t>
-            </a:r>
-            <a:r>
-              <a:rPr lang="en-US" dirty="0" err="1" smtClean="0"/>
-              <a:t>PhysiCell</a:t>
-            </a:r>
-            <a:r>
-              <a:rPr lang="en-US" dirty="0" smtClean="0"/>
-              <a:t>)</a:t>
+              <a:t>	Please proceed to 4 (Introduction to PhysiCell)</a:t>
             </a:r>
             <a:br>
-              <a:rPr lang="en-US" dirty="0" smtClean="0"/>
+              <a:rPr lang="en-US" dirty="0"/>
             </a:br>
             <a:r>
               <a:rPr lang="en-US" b="1" dirty="0"/>
@@ -4448,31 +4399,31 @@
             </a:r>
             <a:r>
               <a:rPr lang="en-US" dirty="0"/>
-              <a:t> 		</a:t>
+              <a:t> 	</a:t>
             </a:r>
             <a:r>
               <a:rPr lang="en-US" dirty="0">
                 <a:hlinkClick r:id="rId2"/>
               </a:rPr>
-              <a:t>https://</a:t>
-            </a:r>
-            <a:r>
-              <a:rPr lang="en-US" dirty="0" smtClean="0">
-                <a:hlinkClick r:id="rId2"/>
-              </a:rPr>
-              <a:t>github.com/physicell-training/04-PhysiCell-intro</a:t>
-            </a:r>
-            <a:endParaRPr lang="en-US" dirty="0" smtClean="0"/>
+              <a:t>https://github.com/physicell-training/04-PhysiCell-intro</a:t>
+            </a:r>
+            <a:endParaRPr lang="en-US" dirty="0"/>
           </a:p>
           <a:p>
             <a:pPr marL="0" indent="0">
               <a:buNone/>
+              <a:tabLst>
+                <a:tab pos="1828800" algn="l"/>
+              </a:tabLst>
             </a:pPr>
             <a:endParaRPr lang="en-US" dirty="0"/>
           </a:p>
           <a:p>
             <a:pPr marL="0" indent="0">
               <a:buNone/>
+              <a:tabLst>
+                <a:tab pos="1828800" algn="l"/>
+              </a:tabLst>
             </a:pPr>
             <a:r>
               <a:rPr lang="en-US" b="1" dirty="0">
@@ -4484,30 +4435,26 @@
             </a:r>
             <a:r>
               <a:rPr lang="en-US" dirty="0"/>
-              <a:t> 	Please proceed to 04 (Introduction to </a:t>
-            </a:r>
-            <a:r>
-              <a:rPr lang="en-US" dirty="0" err="1"/>
-              <a:t>PhysiCell</a:t>
-            </a:r>
-            <a:r>
-              <a:rPr lang="en-US" dirty="0"/>
-              <a:t>)</a:t>
+              <a:t> 	Please proceed </a:t>
+            </a:r>
+            <a:r>
+              <a:rPr lang="en-US"/>
+              <a:t>to 4 </a:t>
+            </a:r>
+            <a:r>
+              <a:rPr lang="en-US" dirty="0"/>
+              <a:t>(Introduction to PhysiCell)</a:t>
             </a:r>
             <a:br>
               <a:rPr lang="en-US" dirty="0"/>
             </a:br>
             <a:r>
-              <a:rPr lang="en-US" b="1" dirty="0" smtClean="0"/>
-              <a:t>link</a:t>
-            </a:r>
-            <a:r>
               <a:rPr lang="en-US" b="1" dirty="0"/>
-              <a:t>:</a:t>
-            </a:r>
-            <a:r>
-              <a:rPr lang="en-US" dirty="0"/>
-              <a:t> 		</a:t>
+              <a:t>link:</a:t>
+            </a:r>
+            <a:r>
+              <a:rPr lang="en-US" dirty="0"/>
+              <a:t> 	</a:t>
             </a:r>
             <a:r>
               <a:rPr lang="en-US" dirty="0">
@@ -4520,38 +4467,37 @@
           <a:p>
             <a:pPr marL="0" indent="0">
               <a:buNone/>
+              <a:tabLst>
+                <a:tab pos="1828800" algn="l"/>
+              </a:tabLst>
             </a:pPr>
             <a:endParaRPr lang="en-US" b="1" dirty="0"/>
           </a:p>
           <a:p>
             <a:pPr marL="0" indent="0">
               <a:buNone/>
+              <a:tabLst>
+                <a:tab pos="1828800" algn="l"/>
+              </a:tabLst>
             </a:pPr>
             <a:r>
-              <a:rPr lang="en-US" b="1" dirty="0" smtClean="0"/>
+              <a:rPr lang="en-US" b="1" dirty="0"/>
               <a:t>More materials:</a:t>
             </a:r>
             <a:r>
-              <a:rPr lang="en-US" dirty="0" smtClean="0"/>
+              <a:rPr lang="en-US" dirty="0"/>
               <a:t> 	</a:t>
             </a:r>
             <a:r>
               <a:rPr lang="en-US" dirty="0">
                 <a:hlinkClick r:id="rId3"/>
               </a:rPr>
-              <a:t>https://</a:t>
-            </a:r>
-            <a:r>
-              <a:rPr lang="en-US" dirty="0" smtClean="0">
-                <a:hlinkClick r:id="rId3"/>
-              </a:rPr>
-              <a:t>github.com/physicell-training/master-list</a:t>
-            </a:r>
-            <a:r>
-              <a:rPr lang="en-US" dirty="0" smtClean="0"/>
+              <a:t>https://github.com/physicell-training/master-list</a:t>
+            </a:r>
+            <a:r>
+              <a:rPr lang="en-US" dirty="0"/>
               <a:t> </a:t>
             </a:r>
-            <a:endParaRPr lang="en-US" dirty="0"/>
           </a:p>
         </p:txBody>
       </p:sp>
@@ -4607,10 +4553,9 @@
           <a:lstStyle/>
           <a:p>
             <a:r>
-              <a:rPr lang="en-US" dirty="0" smtClean="0"/>
+              <a:rPr lang="en-US" dirty="0"/>
               <a:t>Credits</a:t>
             </a:r>
-            <a:endParaRPr lang="en-US" dirty="0"/>
           </a:p>
         </p:txBody>
       </p:sp>
@@ -4645,17 +4590,12 @@
             </a:pPr>
             <a:r>
               <a:rPr lang="en-US" b="1" dirty="0"/>
-              <a:t>Module Planning:</a:t>
-            </a:r>
-            <a:r>
-              <a:rPr lang="en-US" dirty="0"/>
-              <a:t>	Paul </a:t>
-            </a:r>
-            <a:r>
-              <a:rPr lang="en-US" dirty="0" smtClean="0"/>
-              <a:t>Macklin</a:t>
-            </a:r>
-            <a:endParaRPr lang="en-US" dirty="0"/>
+              <a:t>Lesson Planning:</a:t>
+            </a:r>
+            <a:r>
+              <a:rPr lang="en-US" dirty="0"/>
+              <a:t>	Paul Macklin</a:t>
+            </a:r>
           </a:p>
           <a:p>
             <a:pPr marL="0" indent="0">
@@ -4670,13 +4610,8 @@
             </a:r>
             <a:r>
               <a:rPr lang="en-US" dirty="0"/>
-              <a:t>	Paul </a:t>
-            </a:r>
-            <a:r>
-              <a:rPr lang="en-US" dirty="0" smtClean="0"/>
-              <a:t>Macklin</a:t>
-            </a:r>
-            <a:endParaRPr lang="en-US" dirty="0"/>
+              <a:t>	Paul Macklin</a:t>
+            </a:r>
           </a:p>
           <a:p>
             <a:pPr marL="0" indent="0">
@@ -4691,13 +4626,8 @@
             </a:r>
             <a:r>
               <a:rPr lang="en-US" dirty="0"/>
-              <a:t>	Paul </a:t>
-            </a:r>
-            <a:r>
-              <a:rPr lang="en-US" dirty="0" smtClean="0"/>
-              <a:t>Macklin</a:t>
-            </a:r>
-            <a:endParaRPr lang="en-US" dirty="0"/>
+              <a:t>	Paul Macklin</a:t>
+            </a:r>
           </a:p>
           <a:p>
             <a:pPr marL="0" indent="0">
@@ -4747,16 +4677,15 @@
               <a:t> 	</a:t>
             </a:r>
             <a:r>
-              <a:rPr lang="en-US" dirty="0" smtClean="0">
+              <a:rPr lang="en-US" dirty="0">
                 <a:hlinkClick r:id="rId2"/>
               </a:rPr>
               <a:t>https://www.nanohub.org/tools/</a:t>
             </a:r>
             <a:r>
-              <a:rPr lang="en-US" dirty="0" smtClean="0"/>
+              <a:rPr lang="en-US" dirty="0"/>
               <a:t>??? </a:t>
             </a:r>
-            <a:endParaRPr lang="en-US" dirty="0"/>
           </a:p>
           <a:p>
             <a:pPr marL="171450" lvl="1" indent="0">

--- a/pptx_source/03-What-is-ABM.pptx
+++ b/pptx_source/03-What-is-ABM.pptx
@@ -5,12 +5,23 @@
     <p:sldMasterId id="2147483660" r:id="rId1"/>
   </p:sldMasterIdLst>
   <p:notesMasterIdLst>
-    <p:notesMasterId r:id="rId5"/>
+    <p:notesMasterId r:id="rId16"/>
   </p:notesMasterIdLst>
   <p:sldIdLst>
     <p:sldId id="257" r:id="rId2"/>
-    <p:sldId id="266" r:id="rId3"/>
-    <p:sldId id="267" r:id="rId4"/>
+    <p:sldId id="268" r:id="rId3"/>
+    <p:sldId id="270" r:id="rId4"/>
+    <p:sldId id="271" r:id="rId5"/>
+    <p:sldId id="272" r:id="rId6"/>
+    <p:sldId id="273" r:id="rId7"/>
+    <p:sldId id="274" r:id="rId8"/>
+    <p:sldId id="275" r:id="rId9"/>
+    <p:sldId id="269" r:id="rId10"/>
+    <p:sldId id="276" r:id="rId11"/>
+    <p:sldId id="277" r:id="rId12"/>
+    <p:sldId id="278" r:id="rId13"/>
+    <p:sldId id="266" r:id="rId14"/>
+    <p:sldId id="267" r:id="rId15"/>
   </p:sldIdLst>
   <p:sldSz cx="9144000" cy="5143500" type="screen16x9"/>
   <p:notesSz cx="6858000" cy="9144000"/>
@@ -173,6 +184,66 @@
 </p:cmAuthorLst>
 </file>
 
+<file path=ppt/ink/ink1.xml><?xml version="1.0" encoding="utf-8"?>
+<inkml:ink xmlns:inkml="http://www.w3.org/2003/InkML">
+  <inkml:definitions>
+    <inkml:context xml:id="ctx0">
+      <inkml:inkSource xml:id="inkSrc0">
+        <inkml:traceFormat>
+          <inkml:channel name="X" type="integer" max="32767" units="cm"/>
+          <inkml:channel name="Y" type="integer" max="32767" units="cm"/>
+          <inkml:channel name="F" type="integer" max="2047" units="deg"/>
+          <inkml:channel name="T" type="integer" max="2.14748E9" units="dev"/>
+        </inkml:traceFormat>
+        <inkml:channelProperties>
+          <inkml:channelProperty channel="X" name="resolution" value="1516.99072" units="1/cm"/>
+          <inkml:channelProperty channel="Y" name="resolution" value="2427.1853" units="1/cm"/>
+          <inkml:channelProperty channel="F" name="resolution" value="5.68611" units="1/deg"/>
+          <inkml:channelProperty channel="T" name="resolution" value="1" units="1/dev"/>
+        </inkml:channelProperties>
+      </inkml:inkSource>
+      <inkml:timestamp xml:id="ts0" timeString="2018-02-12T05:58:28.007"/>
+    </inkml:context>
+    <inkml:brush xml:id="br0">
+      <inkml:brushProperty name="width" value="0.03528" units="cm"/>
+      <inkml:brushProperty name="height" value="0.03528" units="cm"/>
+      <inkml:brushProperty name="fitToCurve" value="1"/>
+    </inkml:brush>
+  </inkml:definitions>
+  <inkml:trace contextRef="#ctx0" brushRef="#br0">107 97 8 0,'0'0'70'16,"0"0"-27"-16,0 0 2 16,0 0-24-16,0 0 9 15,0 0-14-15,-44-52 17 16,40 47-17-16,0-1-6 16,-3 3 5-16,3 0 5 0,-3-1 12 15,2 1-27-15,1-1-4 16,-2 1 18-16,2 1-11 15,-1-1 2-15,2-1 4 16,-3 1-5-16,5 1-4 16,-3 1 1-16,4 1-4 15,0 0-2-15,0 0 0 16,0 0-28-16,0 1-66 16,0 10 17-16,0 1 16 15,0-4 23-15,0-6-3 16,0-1-16-16</inkml:trace>
+</inkml:ink>
+</file>
+
+<file path=ppt/ink/ink2.xml><?xml version="1.0" encoding="utf-8"?>
+<inkml:ink xmlns:inkml="http://www.w3.org/2003/InkML">
+  <inkml:definitions>
+    <inkml:context xml:id="ctx0">
+      <inkml:inkSource xml:id="inkSrc0">
+        <inkml:traceFormat>
+          <inkml:channel name="X" type="integer" max="32767" units="cm"/>
+          <inkml:channel name="Y" type="integer" max="32767" units="cm"/>
+          <inkml:channel name="F" type="integer" max="2047" units="deg"/>
+          <inkml:channel name="T" type="integer" max="2.14748E9" units="dev"/>
+        </inkml:traceFormat>
+        <inkml:channelProperties>
+          <inkml:channelProperty channel="X" name="resolution" value="1516.99072" units="1/cm"/>
+          <inkml:channelProperty channel="Y" name="resolution" value="2427.1853" units="1/cm"/>
+          <inkml:channelProperty channel="F" name="resolution" value="5.68611" units="1/deg"/>
+          <inkml:channelProperty channel="T" name="resolution" value="1" units="1/dev"/>
+        </inkml:channelProperties>
+      </inkml:inkSource>
+      <inkml:timestamp xml:id="ts0" timeString="2018-02-12T06:07:36.620"/>
+    </inkml:context>
+    <inkml:brush xml:id="br0">
+      <inkml:brushProperty name="width" value="0.03528" units="cm"/>
+      <inkml:brushProperty name="height" value="0.03528" units="cm"/>
+      <inkml:brushProperty name="fitToCurve" value="1"/>
+    </inkml:brush>
+  </inkml:definitions>
+  <inkml:trace contextRef="#ctx0" brushRef="#br0">107 98 8 0,'0'0'70'16,"0"0"-27"-16,0 0 2 16,0 0-24-16,0 0 9 15,0 0-14-15,-44-53 17 16,40 49-17-16,0-2-6 16,-3 2 5-16,3 1 5 0,-3 0 12 15,2-1-27-15,1 0-4 16,-2 1 18-16,2 2-11 15,-1-3 2-15,2 0 4 16,-3 1-5-16,5 1-4 16,-3 1 1-16,4 1-4 15,0 0-2-15,0 0 0 16,0 0-28-16,0 1-66 16,0 10 17-16,0 1 16 15,0-4 23-15,0-6-3 16,0 0-16-16</inkml:trace>
+</inkml:ink>
+</file>
+
 <file path=ppt/notesMasters/notesMaster1.xml><?xml version="1.0" encoding="utf-8"?>
 <p:notesMaster xmlns:a="http://schemas.openxmlformats.org/drawingml/2006/main" xmlns:r="http://schemas.openxmlformats.org/officeDocument/2006/relationships" xmlns:p="http://schemas.openxmlformats.org/presentationml/2006/main">
   <p:cSld>
@@ -280,7 +351,7 @@
               <a:pPr>
                 <a:defRPr/>
               </a:pPr>
-              <a:t>11/24/2019</a:t>
+              <a:t>1/25/2020</a:t>
             </a:fld>
             <a:endParaRPr lang="en-US" dirty="0"/>
           </a:p>
@@ -601,6 +672,186 @@
     </a:lvl9pPr>
   </p:notesStyle>
 </p:notesMaster>
+</file>
+
+<file path=ppt/notesSlides/notesSlide1.xml><?xml version="1.0" encoding="utf-8"?>
+<p:notes xmlns:a="http://schemas.openxmlformats.org/drawingml/2006/main" xmlns:r="http://schemas.openxmlformats.org/officeDocument/2006/relationships" xmlns:p="http://schemas.openxmlformats.org/presentationml/2006/main">
+  <p:cSld>
+    <p:spTree>
+      <p:nvGrpSpPr>
+        <p:cNvPr id="1" name=""/>
+        <p:cNvGrpSpPr/>
+        <p:nvPr/>
+      </p:nvGrpSpPr>
+      <p:grpSpPr>
+        <a:xfrm>
+          <a:off x="0" y="0"/>
+          <a:ext cx="0" cy="0"/>
+          <a:chOff x="0" y="0"/>
+          <a:chExt cx="0" cy="0"/>
+        </a:xfrm>
+      </p:grpSpPr>
+      <p:sp>
+        <p:nvSpPr>
+          <p:cNvPr id="2" name="Slide Image Placeholder 1"/>
+          <p:cNvSpPr>
+            <a:spLocks noGrp="1" noRot="1" noChangeAspect="1"/>
+          </p:cNvSpPr>
+          <p:nvPr>
+            <p:ph type="sldImg"/>
+          </p:nvPr>
+        </p:nvSpPr>
+        <p:spPr/>
+      </p:sp>
+      <p:sp>
+        <p:nvSpPr>
+          <p:cNvPr id="3" name="Notes Placeholder 2"/>
+          <p:cNvSpPr>
+            <a:spLocks noGrp="1"/>
+          </p:cNvSpPr>
+          <p:nvPr>
+            <p:ph type="body" idx="1"/>
+          </p:nvPr>
+        </p:nvSpPr>
+        <p:spPr/>
+        <p:txBody>
+          <a:bodyPr/>
+          <a:lstStyle/>
+          <a:p>
+            <a:endParaRPr lang="en-US" dirty="0"/>
+          </a:p>
+        </p:txBody>
+      </p:sp>
+      <p:sp>
+        <p:nvSpPr>
+          <p:cNvPr id="4" name="Slide Number Placeholder 3"/>
+          <p:cNvSpPr>
+            <a:spLocks noGrp="1"/>
+          </p:cNvSpPr>
+          <p:nvPr>
+            <p:ph type="sldNum" sz="quarter" idx="10"/>
+          </p:nvPr>
+        </p:nvSpPr>
+        <p:spPr/>
+        <p:txBody>
+          <a:bodyPr/>
+          <a:lstStyle/>
+          <a:p>
+            <a:pPr>
+              <a:defRPr/>
+            </a:pPr>
+            <a:fld id="{BB8F4D65-DA9C-4D5C-ACB8-C3CBB5D3F128}" type="slidenum">
+              <a:rPr lang="en-US" smtClean="0"/>
+              <a:pPr>
+                <a:defRPr/>
+              </a:pPr>
+              <a:t>6</a:t>
+            </a:fld>
+            <a:endParaRPr lang="en-US"/>
+          </a:p>
+        </p:txBody>
+      </p:sp>
+    </p:spTree>
+    <p:extLst>
+      <p:ext uri="{BB962C8B-B14F-4D97-AF65-F5344CB8AC3E}">
+        <p14:creationId xmlns:p14="http://schemas.microsoft.com/office/powerpoint/2010/main" val="2958015461"/>
+      </p:ext>
+    </p:extLst>
+  </p:cSld>
+  <p:clrMapOvr>
+    <a:masterClrMapping/>
+  </p:clrMapOvr>
+</p:notes>
+</file>
+
+<file path=ppt/notesSlides/notesSlide2.xml><?xml version="1.0" encoding="utf-8"?>
+<p:notes xmlns:a="http://schemas.openxmlformats.org/drawingml/2006/main" xmlns:r="http://schemas.openxmlformats.org/officeDocument/2006/relationships" xmlns:p="http://schemas.openxmlformats.org/presentationml/2006/main">
+  <p:cSld>
+    <p:spTree>
+      <p:nvGrpSpPr>
+        <p:cNvPr id="1" name=""/>
+        <p:cNvGrpSpPr/>
+        <p:nvPr/>
+      </p:nvGrpSpPr>
+      <p:grpSpPr>
+        <a:xfrm>
+          <a:off x="0" y="0"/>
+          <a:ext cx="0" cy="0"/>
+          <a:chOff x="0" y="0"/>
+          <a:chExt cx="0" cy="0"/>
+        </a:xfrm>
+      </p:grpSpPr>
+      <p:sp>
+        <p:nvSpPr>
+          <p:cNvPr id="2" name="Slide Image Placeholder 1"/>
+          <p:cNvSpPr>
+            <a:spLocks noGrp="1" noRot="1" noChangeAspect="1"/>
+          </p:cNvSpPr>
+          <p:nvPr>
+            <p:ph type="sldImg"/>
+          </p:nvPr>
+        </p:nvSpPr>
+        <p:spPr/>
+      </p:sp>
+      <p:sp>
+        <p:nvSpPr>
+          <p:cNvPr id="3" name="Notes Placeholder 2"/>
+          <p:cNvSpPr>
+            <a:spLocks noGrp="1"/>
+          </p:cNvSpPr>
+          <p:nvPr>
+            <p:ph type="body" idx="1"/>
+          </p:nvPr>
+        </p:nvSpPr>
+        <p:spPr/>
+        <p:txBody>
+          <a:bodyPr/>
+          <a:lstStyle/>
+          <a:p>
+            <a:endParaRPr lang="en-US" dirty="0"/>
+          </a:p>
+        </p:txBody>
+      </p:sp>
+      <p:sp>
+        <p:nvSpPr>
+          <p:cNvPr id="4" name="Slide Number Placeholder 3"/>
+          <p:cNvSpPr>
+            <a:spLocks noGrp="1"/>
+          </p:cNvSpPr>
+          <p:nvPr>
+            <p:ph type="sldNum" sz="quarter" idx="10"/>
+          </p:nvPr>
+        </p:nvSpPr>
+        <p:spPr/>
+        <p:txBody>
+          <a:bodyPr/>
+          <a:lstStyle/>
+          <a:p>
+            <a:pPr>
+              <a:defRPr/>
+            </a:pPr>
+            <a:fld id="{D85F35A6-42B8-4D93-8810-66EDA7932597}" type="slidenum">
+              <a:rPr lang="en-US" altLang="en-US" smtClean="0"/>
+              <a:pPr>
+                <a:defRPr/>
+              </a:pPr>
+              <a:t>8</a:t>
+            </a:fld>
+            <a:endParaRPr lang="en-US" altLang="en-US"/>
+          </a:p>
+        </p:txBody>
+      </p:sp>
+    </p:spTree>
+    <p:extLst>
+      <p:ext uri="{BB962C8B-B14F-4D97-AF65-F5344CB8AC3E}">
+        <p14:creationId xmlns:p14="http://schemas.microsoft.com/office/powerpoint/2010/main" val="2521548636"/>
+      </p:ext>
+    </p:extLst>
+  </p:cSld>
+  <p:clrMapOvr>
+    <a:masterClrMapping/>
+  </p:clrMapOvr>
+</p:notes>
 </file>
 
 <file path=ppt/slideLayouts/slideLayout1.xml><?xml version="1.0" encoding="utf-8"?>
@@ -3380,7 +3631,7 @@
               </a14:hiddenLine>
             </a:ext>
             <a:ext uri="{FAA26D3D-D897-4be2-8F04-BA451C77F1D7}">
-              <ma14:placeholderFlag xmlns:ma14="http://schemas.microsoft.com/office/mac/drawingml/2011/main" xmlns="" val="1"/>
+              <ma14:placeholderFlag xmlns="" xmlns:ma14="http://schemas.microsoft.com/office/mac/drawingml/2011/main" val="1"/>
             </a:ext>
           </a:extLst>
         </p:spPr>
@@ -4106,7 +4357,7 @@
           <p:cNvPr id="5" name="Graphic 4">
             <a:extLst>
               <a:ext uri="{FF2B5EF4-FFF2-40B4-BE49-F238E27FC236}">
-                <a16:creationId xmlns:a16="http://schemas.microsoft.com/office/drawing/2014/main" id="{734F3219-C3E5-4037-A29B-5892A640AF97}"/>
+                <a16:creationId xmlns:a16="http://schemas.microsoft.com/office/drawing/2014/main" xmlns="" id="{734F3219-C3E5-4037-A29B-5892A640AF97}"/>
               </a:ext>
             </a:extLst>
           </p:cNvPr>
@@ -4122,7 +4373,7 @@
                 <a14:useLocalDpi xmlns:a14="http://schemas.microsoft.com/office/drawing/2010/main" val="0"/>
               </a:ext>
               <a:ext uri="{96DAC541-7B7A-43D3-8B79-37D633B846F1}">
-                <asvg:svgBlip xmlns:asvg="http://schemas.microsoft.com/office/drawing/2016/SVG/main" r:embed="rId3"/>
+                <asvg:svgBlip xmlns:asvg="http://schemas.microsoft.com/office/drawing/2016/SVG/main" xmlns="" r:embed="rId3"/>
               </a:ext>
             </a:extLst>
           </a:blip>
@@ -4245,7 +4496,472 @@
 </p:sld>
 </file>
 
-<file path=ppt/slides/slide2.xml><?xml version="1.0" encoding="utf-8"?>
+<file path=ppt/slides/slide10.xml><?xml version="1.0" encoding="utf-8"?>
+<p:sld xmlns:a="http://schemas.openxmlformats.org/drawingml/2006/main" xmlns:r="http://schemas.openxmlformats.org/officeDocument/2006/relationships" xmlns:p="http://schemas.openxmlformats.org/presentationml/2006/main">
+  <p:cSld>
+    <p:spTree>
+      <p:nvGrpSpPr>
+        <p:cNvPr id="1" name=""/>
+        <p:cNvGrpSpPr/>
+        <p:nvPr/>
+      </p:nvGrpSpPr>
+      <p:grpSpPr>
+        <a:xfrm>
+          <a:off x="0" y="0"/>
+          <a:ext cx="0" cy="0"/>
+          <a:chOff x="0" y="0"/>
+          <a:chExt cx="0" cy="0"/>
+        </a:xfrm>
+      </p:grpSpPr>
+      <p:sp>
+        <p:nvSpPr>
+          <p:cNvPr id="3" name="Title 2">
+            <a:extLst>
+              <a:ext uri="{FF2B5EF4-FFF2-40B4-BE49-F238E27FC236}">
+                <a16:creationId xmlns:a16="http://schemas.microsoft.com/office/drawing/2014/main" xmlns="" id="{56685F81-5590-41EE-9377-0E9D7A857621}"/>
+              </a:ext>
+            </a:extLst>
+          </p:cNvPr>
+          <p:cNvSpPr>
+            <a:spLocks noGrp="1"/>
+          </p:cNvSpPr>
+          <p:nvPr>
+            <p:ph type="title"/>
+          </p:nvPr>
+        </p:nvSpPr>
+        <p:spPr/>
+        <p:txBody>
+          <a:bodyPr/>
+          <a:lstStyle/>
+          <a:p>
+            <a:r>
+              <a:rPr lang="en-US" dirty="0"/>
+              <a:t>What is agent-based modeling?</a:t>
+            </a:r>
+          </a:p>
+        </p:txBody>
+      </p:sp>
+      <p:sp>
+        <p:nvSpPr>
+          <p:cNvPr id="4" name="Content Placeholder 3">
+            <a:extLst>
+              <a:ext uri="{FF2B5EF4-FFF2-40B4-BE49-F238E27FC236}">
+                <a16:creationId xmlns:a16="http://schemas.microsoft.com/office/drawing/2014/main" xmlns="" id="{90F4ABE2-1AB1-4B94-9120-5FCE6AAF60DB}"/>
+              </a:ext>
+            </a:extLst>
+          </p:cNvPr>
+          <p:cNvSpPr>
+            <a:spLocks noGrp="1"/>
+          </p:cNvSpPr>
+          <p:nvPr>
+            <p:ph idx="1"/>
+          </p:nvPr>
+        </p:nvSpPr>
+        <p:spPr/>
+        <p:txBody>
+          <a:bodyPr>
+            <a:normAutofit fontScale="70000" lnSpcReduction="20000"/>
+          </a:bodyPr>
+          <a:lstStyle/>
+          <a:p>
+            <a:r>
+              <a:rPr lang="en-US" dirty="0"/>
+              <a:t>Each cell is treated as a separate software object (an </a:t>
+            </a:r>
+            <a:r>
+              <a:rPr lang="en-US" b="1" dirty="0"/>
+              <a:t>agent</a:t>
+            </a:r>
+            <a:r>
+              <a:rPr lang="en-US" dirty="0"/>
+              <a:t>)</a:t>
+            </a:r>
+          </a:p>
+          <a:p>
+            <a:pPr lvl="1"/>
+            <a:r>
+              <a:rPr lang="en-US" dirty="0"/>
+              <a:t>Internal data (an internal state)	</a:t>
+            </a:r>
+          </a:p>
+          <a:p>
+            <a:pPr lvl="2"/>
+            <a:r>
+              <a:rPr lang="en-US" dirty="0"/>
+              <a:t>Position, Size, Cycle State, molecular variables, …. </a:t>
+            </a:r>
+          </a:p>
+          <a:p>
+            <a:pPr lvl="1"/>
+            <a:r>
+              <a:rPr lang="en-US" dirty="0"/>
+              <a:t>Cellular processes </a:t>
+            </a:r>
+          </a:p>
+          <a:p>
+            <a:pPr lvl="2"/>
+            <a:r>
+              <a:rPr lang="en-US" dirty="0"/>
+              <a:t>Cycling, Death, Motility, Growth, Adhesion, … </a:t>
+            </a:r>
+          </a:p>
+          <a:p>
+            <a:pPr lvl="1"/>
+            <a:endParaRPr lang="en-US" dirty="0"/>
+          </a:p>
+          <a:p>
+            <a:r>
+              <a:rPr lang="en-US" dirty="0"/>
+              <a:t>Virtual cells move a simulated virtual </a:t>
+            </a:r>
+            <a:r>
+              <a:rPr lang="en-US" b="1" dirty="0"/>
+              <a:t>(micro)environment</a:t>
+            </a:r>
+          </a:p>
+          <a:p>
+            <a:pPr lvl="1"/>
+            <a:r>
+              <a:rPr lang="en-US" dirty="0"/>
+              <a:t>Generally liquid (e.g., water or interstitial fluid)</a:t>
+            </a:r>
+          </a:p>
+          <a:p>
+            <a:pPr lvl="1"/>
+            <a:r>
+              <a:rPr lang="en-US" dirty="0"/>
+              <a:t>Chemical movement (oxygen, glucose, signaling factors)</a:t>
+            </a:r>
+          </a:p>
+          <a:p>
+            <a:pPr lvl="2"/>
+            <a:r>
+              <a:rPr lang="en-US" dirty="0"/>
+              <a:t>Typically diffusion -- solve partial differential equations (PDEs)</a:t>
+            </a:r>
+          </a:p>
+          <a:p>
+            <a:pPr lvl="2"/>
+            <a:r>
+              <a:rPr lang="en-US" dirty="0"/>
+              <a:t>May also require advection for environments with flow </a:t>
+            </a:r>
+          </a:p>
+          <a:p>
+            <a:pPr lvl="1"/>
+            <a:r>
+              <a:rPr lang="en-US" dirty="0"/>
+              <a:t>May include mechanical structures like extracellular matrix (ECM)</a:t>
+            </a:r>
+          </a:p>
+          <a:p>
+            <a:pPr lvl="2"/>
+            <a:r>
+              <a:rPr lang="en-US" dirty="0"/>
+              <a:t>Finite element methods or related methods</a:t>
+            </a:r>
+          </a:p>
+          <a:p>
+            <a:pPr lvl="2"/>
+            <a:endParaRPr lang="en-US" dirty="0"/>
+          </a:p>
+          <a:p>
+            <a:r>
+              <a:rPr lang="en-US" dirty="0"/>
+              <a:t>This fits the classic definition of an </a:t>
+            </a:r>
+            <a:r>
+              <a:rPr lang="en-US" b="1" dirty="0"/>
+              <a:t>intelligent system</a:t>
+            </a:r>
+          </a:p>
+          <a:p>
+            <a:pPr lvl="1"/>
+            <a:r>
+              <a:rPr lang="en-US" dirty="0"/>
+              <a:t>Autonomous cell agents sense their (virtual) environment, make decisions based on the signals, and change behavior (cycle, remodel, …)</a:t>
+            </a:r>
+          </a:p>
+          <a:p>
+            <a:endParaRPr lang="en-US" dirty="0"/>
+          </a:p>
+        </p:txBody>
+      </p:sp>
+    </p:spTree>
+    <p:extLst>
+      <p:ext uri="{BB962C8B-B14F-4D97-AF65-F5344CB8AC3E}">
+        <p14:creationId xmlns:p14="http://schemas.microsoft.com/office/powerpoint/2010/main" val="3732136018"/>
+      </p:ext>
+    </p:extLst>
+  </p:cSld>
+  <p:clrMapOvr>
+    <a:masterClrMapping/>
+  </p:clrMapOvr>
+</p:sld>
+</file>
+
+<file path=ppt/slides/slide11.xml><?xml version="1.0" encoding="utf-8"?>
+<p:sld xmlns:a="http://schemas.openxmlformats.org/drawingml/2006/main" xmlns:r="http://schemas.openxmlformats.org/officeDocument/2006/relationships" xmlns:p="http://schemas.openxmlformats.org/presentationml/2006/main">
+  <p:cSld>
+    <p:spTree>
+      <p:nvGrpSpPr>
+        <p:cNvPr id="1" name=""/>
+        <p:cNvGrpSpPr/>
+        <p:nvPr/>
+      </p:nvGrpSpPr>
+      <p:grpSpPr>
+        <a:xfrm>
+          <a:off x="0" y="0"/>
+          <a:ext cx="0" cy="0"/>
+          <a:chOff x="0" y="0"/>
+          <a:chExt cx="0" cy="0"/>
+        </a:xfrm>
+      </p:grpSpPr>
+      <p:sp>
+        <p:nvSpPr>
+          <p:cNvPr id="2" name="Title 1">
+            <a:extLst>
+              <a:ext uri="{FF2B5EF4-FFF2-40B4-BE49-F238E27FC236}">
+                <a16:creationId xmlns:a16="http://schemas.microsoft.com/office/drawing/2014/main" xmlns="" id="{321A753A-1618-4DA6-AE16-126CB7976ECC}"/>
+              </a:ext>
+            </a:extLst>
+          </p:cNvPr>
+          <p:cNvSpPr>
+            <a:spLocks noGrp="1"/>
+          </p:cNvSpPr>
+          <p:nvPr>
+            <p:ph type="title"/>
+          </p:nvPr>
+        </p:nvSpPr>
+        <p:spPr/>
+        <p:txBody>
+          <a:bodyPr/>
+          <a:lstStyle/>
+          <a:p>
+            <a:r>
+              <a:rPr lang="en-US" dirty="0"/>
+              <a:t>Typical program flow</a:t>
+            </a:r>
+          </a:p>
+        </p:txBody>
+      </p:sp>
+      <p:sp>
+        <p:nvSpPr>
+          <p:cNvPr id="3" name="Content Placeholder 2">
+            <a:extLst>
+              <a:ext uri="{FF2B5EF4-FFF2-40B4-BE49-F238E27FC236}">
+                <a16:creationId xmlns:a16="http://schemas.microsoft.com/office/drawing/2014/main" xmlns="" id="{C51D41EF-77C9-4EDA-B2A4-FEF815B9F617}"/>
+              </a:ext>
+            </a:extLst>
+          </p:cNvPr>
+          <p:cNvSpPr>
+            <a:spLocks noGrp="1"/>
+          </p:cNvSpPr>
+          <p:nvPr>
+            <p:ph idx="1"/>
+          </p:nvPr>
+        </p:nvSpPr>
+        <p:spPr/>
+        <p:txBody>
+          <a:bodyPr>
+            <a:normAutofit fontScale="62500" lnSpcReduction="20000"/>
+          </a:bodyPr>
+          <a:lstStyle/>
+          <a:p>
+            <a:r>
+              <a:rPr lang="en-US" dirty="0"/>
+              <a:t>Read parameters</a:t>
+            </a:r>
+          </a:p>
+          <a:p>
+            <a:r>
+              <a:rPr lang="en-US" dirty="0"/>
+              <a:t>Set up microenvironment</a:t>
+            </a:r>
+          </a:p>
+          <a:p>
+            <a:pPr lvl="1"/>
+            <a:r>
+              <a:rPr lang="en-US" dirty="0"/>
+              <a:t>Create meshes, initialize chemical substrates, diffusion solvers, etc. </a:t>
+            </a:r>
+          </a:p>
+          <a:p>
+            <a:r>
+              <a:rPr lang="en-US" dirty="0"/>
+              <a:t>Set up cell agents</a:t>
+            </a:r>
+          </a:p>
+          <a:p>
+            <a:pPr lvl="1"/>
+            <a:r>
+              <a:rPr lang="en-US" dirty="0"/>
+              <a:t>Define all cell types</a:t>
+            </a:r>
+          </a:p>
+          <a:p>
+            <a:pPr lvl="1"/>
+            <a:r>
+              <a:rPr lang="en-US" dirty="0"/>
+              <a:t>Instantiate cells</a:t>
+            </a:r>
+          </a:p>
+          <a:p>
+            <a:r>
+              <a:rPr lang="en-US" dirty="0"/>
+              <a:t>For each time:</a:t>
+            </a:r>
+          </a:p>
+          <a:p>
+            <a:pPr lvl="1"/>
+            <a:r>
+              <a:rPr lang="en-US" dirty="0"/>
+              <a:t>Update microenvironment</a:t>
+            </a:r>
+          </a:p>
+          <a:p>
+            <a:pPr lvl="2"/>
+            <a:r>
+              <a:rPr lang="en-US" dirty="0"/>
+              <a:t>Solve reaction-diffusion equations (as needed)</a:t>
+            </a:r>
+          </a:p>
+          <a:p>
+            <a:pPr lvl="2"/>
+            <a:r>
+              <a:rPr lang="en-US" dirty="0"/>
+              <a:t>Solve tissue mechanics (as needed)</a:t>
+            </a:r>
+          </a:p>
+          <a:p>
+            <a:pPr lvl="1"/>
+            <a:r>
+              <a:rPr lang="en-US" dirty="0"/>
+              <a:t>Update each cell's state</a:t>
+            </a:r>
+          </a:p>
+          <a:p>
+            <a:pPr lvl="2"/>
+            <a:r>
+              <a:rPr lang="en-US" dirty="0"/>
+              <a:t>Sample environment</a:t>
+            </a:r>
+          </a:p>
+          <a:p>
+            <a:pPr lvl="2"/>
+            <a:r>
+              <a:rPr lang="en-US" dirty="0"/>
+              <a:t>Run signaling model (as needed)</a:t>
+            </a:r>
+          </a:p>
+          <a:p>
+            <a:pPr lvl="2"/>
+            <a:r>
+              <a:rPr lang="en-US" dirty="0"/>
+              <a:t>Update behavioral parameters based on signaling model and sampled environment</a:t>
+            </a:r>
+          </a:p>
+          <a:p>
+            <a:pPr lvl="2"/>
+            <a:r>
+              <a:rPr lang="en-US" dirty="0"/>
+              <a:t>Run cell process models (growth, cycling, death, …)</a:t>
+            </a:r>
+          </a:p>
+          <a:p>
+            <a:pPr lvl="1"/>
+            <a:r>
+              <a:rPr lang="en-US" dirty="0"/>
+              <a:t>Calculate cell velocities</a:t>
+            </a:r>
+          </a:p>
+          <a:p>
+            <a:pPr lvl="1"/>
+            <a:r>
+              <a:rPr lang="en-US" dirty="0"/>
+              <a:t>Update cell positions </a:t>
+            </a:r>
+          </a:p>
+          <a:p>
+            <a:pPr lvl="1"/>
+            <a:r>
+              <a:rPr lang="en-US" dirty="0"/>
+              <a:t>Advance time</a:t>
+            </a:r>
+          </a:p>
+          <a:p>
+            <a:pPr lvl="2"/>
+            <a:endParaRPr lang="en-US" dirty="0"/>
+          </a:p>
+        </p:txBody>
+      </p:sp>
+    </p:spTree>
+    <p:extLst>
+      <p:ext uri="{BB962C8B-B14F-4D97-AF65-F5344CB8AC3E}">
+        <p14:creationId xmlns:p14="http://schemas.microsoft.com/office/powerpoint/2010/main" val="1157285301"/>
+      </p:ext>
+    </p:extLst>
+  </p:cSld>
+  <p:clrMapOvr>
+    <a:masterClrMapping/>
+  </p:clrMapOvr>
+</p:sld>
+</file>
+
+<file path=ppt/slides/slide12.xml><?xml version="1.0" encoding="utf-8"?>
+<p:sld xmlns:a="http://schemas.openxmlformats.org/drawingml/2006/main" xmlns:r="http://schemas.openxmlformats.org/officeDocument/2006/relationships" xmlns:p="http://schemas.openxmlformats.org/presentationml/2006/main">
+  <p:cSld>
+    <p:spTree>
+      <p:nvGrpSpPr>
+        <p:cNvPr id="1" name=""/>
+        <p:cNvGrpSpPr/>
+        <p:nvPr/>
+      </p:nvGrpSpPr>
+      <p:grpSpPr>
+        <a:xfrm>
+          <a:off x="0" y="0"/>
+          <a:ext cx="0" cy="0"/>
+          <a:chOff x="0" y="0"/>
+          <a:chExt cx="0" cy="0"/>
+        </a:xfrm>
+      </p:grpSpPr>
+      <p:sp>
+        <p:nvSpPr>
+          <p:cNvPr id="4" name="Text Placeholder 3"/>
+          <p:cNvSpPr>
+            <a:spLocks noGrp="1"/>
+          </p:cNvSpPr>
+          <p:nvPr>
+            <p:ph type="body" sz="quarter" idx="10"/>
+          </p:nvPr>
+        </p:nvSpPr>
+        <p:spPr/>
+        <p:txBody>
+          <a:bodyPr/>
+          <a:lstStyle/>
+          <a:p>
+            <a:r>
+              <a:rPr lang="en-US" smtClean="0"/>
+              <a:t>standard stuff</a:t>
+            </a:r>
+            <a:endParaRPr lang="en-US"/>
+          </a:p>
+        </p:txBody>
+      </p:sp>
+    </p:spTree>
+    <p:extLst>
+      <p:ext uri="{BB962C8B-B14F-4D97-AF65-F5344CB8AC3E}">
+        <p14:creationId xmlns:p14="http://schemas.microsoft.com/office/powerpoint/2010/main" val="2763984758"/>
+      </p:ext>
+    </p:extLst>
+  </p:cSld>
+  <p:clrMapOvr>
+    <a:masterClrMapping/>
+  </p:clrMapOvr>
+</p:sld>
+</file>
+
+<file path=ppt/slides/slide13.xml><?xml version="1.0" encoding="utf-8"?>
 <p:sld xmlns:a="http://schemas.openxmlformats.org/drawingml/2006/main" xmlns:r="http://schemas.openxmlformats.org/officeDocument/2006/relationships" xmlns:p="http://schemas.openxmlformats.org/presentationml/2006/main">
   <p:cSld>
     <p:spTree>
@@ -4267,7 +4983,7 @@
           <p:cNvPr id="6" name="Title 5">
             <a:extLst>
               <a:ext uri="{FF2B5EF4-FFF2-40B4-BE49-F238E27FC236}">
-                <a16:creationId xmlns:a16="http://schemas.microsoft.com/office/drawing/2014/main" id="{C2B99157-DA0D-4841-A580-62EFB758DA8C}"/>
+                <a16:creationId xmlns:a16="http://schemas.microsoft.com/office/drawing/2014/main" xmlns="" id="{C2B99157-DA0D-4841-A580-62EFB758DA8C}"/>
               </a:ext>
             </a:extLst>
           </p:cNvPr>
@@ -4295,7 +5011,7 @@
           <p:cNvPr id="7" name="Content Placeholder 6">
             <a:extLst>
               <a:ext uri="{FF2B5EF4-FFF2-40B4-BE49-F238E27FC236}">
-                <a16:creationId xmlns:a16="http://schemas.microsoft.com/office/drawing/2014/main" id="{B3307B35-8D84-4BA2-8128-A71EB12F30AE}"/>
+                <a16:creationId xmlns:a16="http://schemas.microsoft.com/office/drawing/2014/main" xmlns="" id="{B3307B35-8D84-4BA2-8128-A71EB12F30AE}"/>
               </a:ext>
             </a:extLst>
           </p:cNvPr>
@@ -4514,7 +5230,7 @@
 </p:sld>
 </file>
 
-<file path=ppt/slides/slide3.xml><?xml version="1.0" encoding="utf-8"?>
+<file path=ppt/slides/slide14.xml><?xml version="1.0" encoding="utf-8"?>
 <p:sld xmlns:a="http://schemas.openxmlformats.org/drawingml/2006/main" xmlns:r="http://schemas.openxmlformats.org/officeDocument/2006/relationships" xmlns:p="http://schemas.openxmlformats.org/presentationml/2006/main">
   <p:cSld>
     <p:spTree>
@@ -4536,7 +5252,7 @@
           <p:cNvPr id="2" name="Title 1">
             <a:extLst>
               <a:ext uri="{FF2B5EF4-FFF2-40B4-BE49-F238E27FC236}">
-                <a16:creationId xmlns:a16="http://schemas.microsoft.com/office/drawing/2014/main" id="{E62D0150-243D-484C-B3C5-3BEC33D63729}"/>
+                <a16:creationId xmlns:a16="http://schemas.microsoft.com/office/drawing/2014/main" xmlns="" id="{E62D0150-243D-484C-B3C5-3BEC33D63729}"/>
               </a:ext>
             </a:extLst>
           </p:cNvPr>
@@ -4564,7 +5280,7 @@
           <p:cNvPr id="3" name="Content Placeholder 2">
             <a:extLst>
               <a:ext uri="{FF2B5EF4-FFF2-40B4-BE49-F238E27FC236}">
-                <a16:creationId xmlns:a16="http://schemas.microsoft.com/office/drawing/2014/main" id="{78ABF795-1A2F-4998-9877-A5DD4373521C}"/>
+                <a16:creationId xmlns:a16="http://schemas.microsoft.com/office/drawing/2014/main" xmlns="" id="{78ABF795-1A2F-4998-9877-A5DD4373521C}"/>
               </a:ext>
             </a:extLst>
           </p:cNvPr>
@@ -4819,7 +5535,7 @@
           <p:cNvPr id="4" name="Group 3">
             <a:extLst>
               <a:ext uri="{FF2B5EF4-FFF2-40B4-BE49-F238E27FC236}">
-                <a16:creationId xmlns:a16="http://schemas.microsoft.com/office/drawing/2014/main" id="{22174695-89D4-40D3-8FD9-E53B4CA5967B}"/>
+                <a16:creationId xmlns:a16="http://schemas.microsoft.com/office/drawing/2014/main" xmlns="" id="{22174695-89D4-40D3-8FD9-E53B4CA5967B}"/>
               </a:ext>
             </a:extLst>
           </p:cNvPr>
@@ -4839,7 +5555,7 @@
             <p:cNvPr id="5" name="Picture 4">
               <a:extLst>
                 <a:ext uri="{FF2B5EF4-FFF2-40B4-BE49-F238E27FC236}">
-                  <a16:creationId xmlns:a16="http://schemas.microsoft.com/office/drawing/2014/main" id="{A9CB15AE-9E04-4752-9F7A-E88C96D20BF7}"/>
+                  <a16:creationId xmlns:a16="http://schemas.microsoft.com/office/drawing/2014/main" xmlns="" id="{A9CB15AE-9E04-4752-9F7A-E88C96D20BF7}"/>
                 </a:ext>
               </a:extLst>
             </p:cNvPr>
@@ -4869,7 +5585,7 @@
             <p:cNvPr id="6" name="Picture 2" descr="https://sbtc.org/wp-content/uploads/2019/03/nci_case_logo_314056_284_5_v1-1200x600-1200x500.jpg">
               <a:extLst>
                 <a:ext uri="{FF2B5EF4-FFF2-40B4-BE49-F238E27FC236}">
-                  <a16:creationId xmlns:a16="http://schemas.microsoft.com/office/drawing/2014/main" id="{6F4A0FA6-7A66-4D0E-9B3D-0EEF8A0C563E}"/>
+                  <a16:creationId xmlns:a16="http://schemas.microsoft.com/office/drawing/2014/main" xmlns="" id="{6F4A0FA6-7A66-4D0E-9B3D-0EEF8A0C563E}"/>
                 </a:ext>
               </a:extLst>
             </p:cNvPr>
@@ -4914,7 +5630,7 @@
             <p:cNvPr id="7" name="Picture 4" descr="https://www.nsf.gov/images/logos/NSF_4-Color_bitmap_Logo.png">
               <a:extLst>
                 <a:ext uri="{FF2B5EF4-FFF2-40B4-BE49-F238E27FC236}">
-                  <a16:creationId xmlns:a16="http://schemas.microsoft.com/office/drawing/2014/main" id="{06FBA1A6-F77B-43D9-8E4D-307AF2C90044}"/>
+                  <a16:creationId xmlns:a16="http://schemas.microsoft.com/office/drawing/2014/main" xmlns="" id="{06FBA1A6-F77B-43D9-8E4D-307AF2C90044}"/>
                 </a:ext>
               </a:extLst>
             </p:cNvPr>
@@ -4961,7 +5677,7 @@
             <p:cNvPr id="8" name="Picture 2" descr="http://jktgfoundation.org/images/common/logo.jpg">
               <a:extLst>
                 <a:ext uri="{FF2B5EF4-FFF2-40B4-BE49-F238E27FC236}">
-                  <a16:creationId xmlns:a16="http://schemas.microsoft.com/office/drawing/2014/main" id="{17D8E991-8BCE-47B3-8B81-EBAD0454B8EA}"/>
+                  <a16:creationId xmlns:a16="http://schemas.microsoft.com/office/drawing/2014/main" xmlns="" id="{17D8E991-8BCE-47B3-8B81-EBAD0454B8EA}"/>
                 </a:ext>
               </a:extLst>
             </p:cNvPr>
@@ -5006,6 +5722,5585 @@
     <p:extLst>
       <p:ext uri="{BB962C8B-B14F-4D97-AF65-F5344CB8AC3E}">
         <p14:creationId xmlns:p14="http://schemas.microsoft.com/office/powerpoint/2010/main" val="1404491895"/>
+      </p:ext>
+    </p:extLst>
+  </p:cSld>
+  <p:clrMapOvr>
+    <a:masterClrMapping/>
+  </p:clrMapOvr>
+</p:sld>
+</file>
+
+<file path=ppt/slides/slide2.xml><?xml version="1.0" encoding="utf-8"?>
+<p:sld xmlns:a="http://schemas.openxmlformats.org/drawingml/2006/main" xmlns:r="http://schemas.openxmlformats.org/officeDocument/2006/relationships" xmlns:p="http://schemas.openxmlformats.org/presentationml/2006/main">
+  <p:cSld>
+    <p:spTree>
+      <p:nvGrpSpPr>
+        <p:cNvPr id="1" name=""/>
+        <p:cNvGrpSpPr/>
+        <p:nvPr/>
+      </p:nvGrpSpPr>
+      <p:grpSpPr>
+        <a:xfrm>
+          <a:off x="0" y="0"/>
+          <a:ext cx="0" cy="0"/>
+          <a:chOff x="0" y="0"/>
+          <a:chExt cx="0" cy="0"/>
+        </a:xfrm>
+      </p:grpSpPr>
+      <p:sp>
+        <p:nvSpPr>
+          <p:cNvPr id="4" name="Text Placeholder 3"/>
+          <p:cNvSpPr>
+            <a:spLocks noGrp="1"/>
+          </p:cNvSpPr>
+          <p:nvPr>
+            <p:ph type="body" sz="quarter" idx="10"/>
+          </p:nvPr>
+        </p:nvSpPr>
+        <p:spPr/>
+        <p:txBody>
+          <a:bodyPr/>
+          <a:lstStyle/>
+          <a:p>
+            <a:r>
+              <a:rPr lang="en-US" dirty="0" smtClean="0"/>
+              <a:t>from 441</a:t>
+            </a:r>
+            <a:endParaRPr lang="en-US" dirty="0"/>
+          </a:p>
+        </p:txBody>
+      </p:sp>
+    </p:spTree>
+    <p:extLst>
+      <p:ext uri="{BB962C8B-B14F-4D97-AF65-F5344CB8AC3E}">
+        <p14:creationId xmlns:p14="http://schemas.microsoft.com/office/powerpoint/2010/main" val="1281373016"/>
+      </p:ext>
+    </p:extLst>
+  </p:cSld>
+  <p:clrMapOvr>
+    <a:masterClrMapping/>
+  </p:clrMapOvr>
+</p:sld>
+</file>
+
+<file path=ppt/slides/slide3.xml><?xml version="1.0" encoding="utf-8"?>
+<p:sld xmlns:a="http://schemas.openxmlformats.org/drawingml/2006/main" xmlns:r="http://schemas.openxmlformats.org/officeDocument/2006/relationships" xmlns:p="http://schemas.openxmlformats.org/presentationml/2006/main">
+  <p:cSld>
+    <p:spTree>
+      <p:nvGrpSpPr>
+        <p:cNvPr id="1" name=""/>
+        <p:cNvGrpSpPr/>
+        <p:nvPr/>
+      </p:nvGrpSpPr>
+      <p:grpSpPr>
+        <a:xfrm>
+          <a:off x="0" y="0"/>
+          <a:ext cx="0" cy="0"/>
+          <a:chOff x="0" y="0"/>
+          <a:chExt cx="0" cy="0"/>
+        </a:xfrm>
+      </p:grpSpPr>
+      <p:sp>
+        <p:nvSpPr>
+          <p:cNvPr id="2" name="Title 1"/>
+          <p:cNvSpPr>
+            <a:spLocks noGrp="1"/>
+          </p:cNvSpPr>
+          <p:nvPr>
+            <p:ph type="title"/>
+          </p:nvPr>
+        </p:nvSpPr>
+        <p:spPr/>
+        <p:txBody>
+          <a:bodyPr/>
+          <a:lstStyle/>
+          <a:p>
+            <a:r>
+              <a:rPr lang="en-US" dirty="0" smtClean="0"/>
+              <a:t>Discrete models</a:t>
+            </a:r>
+            <a:endParaRPr lang="en-US" dirty="0"/>
+          </a:p>
+        </p:txBody>
+      </p:sp>
+      <p:sp>
+        <p:nvSpPr>
+          <p:cNvPr id="3" name="Content Placeholder 2"/>
+          <p:cNvSpPr>
+            <a:spLocks noGrp="1"/>
+          </p:cNvSpPr>
+          <p:nvPr>
+            <p:ph idx="1"/>
+          </p:nvPr>
+        </p:nvSpPr>
+        <p:spPr/>
+        <p:txBody>
+          <a:bodyPr>
+            <a:normAutofit fontScale="85000" lnSpcReduction="20000"/>
+          </a:bodyPr>
+          <a:lstStyle/>
+          <a:p>
+            <a:r>
+              <a:rPr lang="en-US" dirty="0" smtClean="0"/>
+              <a:t>Here, “discrete” applies to discrete mathematics: </a:t>
+            </a:r>
+          </a:p>
+          <a:p>
+            <a:pPr lvl="1"/>
+            <a:r>
+              <a:rPr lang="en-US" b="1" dirty="0" smtClean="0"/>
+              <a:t>ODEs:</a:t>
+            </a:r>
+            <a:r>
+              <a:rPr lang="en-US" dirty="0" smtClean="0"/>
+              <a:t> continuous populations with continuous operations (like a cell population with a birth rate)</a:t>
+            </a:r>
+          </a:p>
+          <a:p>
+            <a:pPr lvl="1"/>
+            <a:r>
+              <a:rPr lang="en-US" b="1" dirty="0" smtClean="0"/>
+              <a:t>discrete:</a:t>
+            </a:r>
+            <a:r>
+              <a:rPr lang="en-US" dirty="0"/>
+              <a:t> </a:t>
+            </a:r>
+            <a:r>
+              <a:rPr lang="en-US" dirty="0" smtClean="0"/>
+              <a:t>distinct individuals with distinct events (like a collection of individual cells, with cell division events)</a:t>
+            </a:r>
+          </a:p>
+          <a:p>
+            <a:pPr lvl="1"/>
+            <a:endParaRPr lang="en-US" b="1" dirty="0" smtClean="0"/>
+          </a:p>
+          <a:p>
+            <a:r>
+              <a:rPr lang="en-US" dirty="0" smtClean="0"/>
+              <a:t>Well-suited </a:t>
+            </a:r>
+            <a:r>
+              <a:rPr lang="en-US" dirty="0"/>
+              <a:t>to agent-based modeling and object-oriented programming: </a:t>
+            </a:r>
+            <a:endParaRPr lang="en-US" dirty="0" smtClean="0"/>
+          </a:p>
+          <a:p>
+            <a:pPr lvl="1"/>
+            <a:r>
+              <a:rPr lang="en-US" dirty="0" smtClean="0"/>
+              <a:t>Modeling work focuses on individual cells</a:t>
+            </a:r>
+          </a:p>
+          <a:p>
+            <a:pPr lvl="1"/>
+            <a:r>
+              <a:rPr lang="en-US" dirty="0" smtClean="0"/>
+              <a:t>Each cell is an independent </a:t>
+            </a:r>
+            <a:r>
+              <a:rPr lang="en-US" i="1" dirty="0" smtClean="0"/>
+              <a:t>agent </a:t>
+            </a:r>
+            <a:r>
+              <a:rPr lang="en-US" dirty="0" smtClean="0"/>
+              <a:t>that carries its own data, and has its own behavioral rules</a:t>
+            </a:r>
+          </a:p>
+          <a:p>
+            <a:pPr lvl="1"/>
+            <a:r>
+              <a:rPr lang="en-US" b="1" dirty="0" smtClean="0"/>
+              <a:t>OOP: </a:t>
+            </a:r>
+            <a:r>
+              <a:rPr lang="en-US" dirty="0" smtClean="0"/>
+              <a:t>Define a cell </a:t>
+            </a:r>
+            <a:r>
+              <a:rPr lang="en-US" i="1" dirty="0" smtClean="0"/>
+              <a:t>class </a:t>
+            </a:r>
+            <a:r>
+              <a:rPr lang="en-US" dirty="0" smtClean="0"/>
+              <a:t>with member data and methods. Each cell is an instance of that class. </a:t>
+            </a:r>
+            <a:endParaRPr lang="en-US" b="1" dirty="0"/>
+          </a:p>
+          <a:p>
+            <a:pPr lvl="1"/>
+            <a:endParaRPr lang="en-US" b="1" dirty="0"/>
+          </a:p>
+          <a:p>
+            <a:r>
+              <a:rPr lang="en-US" dirty="0" smtClean="0"/>
+              <a:t>Agent-based models are a little closer to the biology:</a:t>
+            </a:r>
+          </a:p>
+          <a:p>
+            <a:pPr lvl="1"/>
+            <a:r>
+              <a:rPr lang="en-US" dirty="0" smtClean="0"/>
+              <a:t>Focus on coding cells, and changing their behavior</a:t>
+            </a:r>
+          </a:p>
+          <a:p>
+            <a:pPr lvl="1"/>
+            <a:r>
+              <a:rPr lang="en-US" dirty="0" smtClean="0"/>
+              <a:t>Specific problems are then a matter of choosing the right rules</a:t>
+            </a:r>
+          </a:p>
+          <a:p>
+            <a:pPr lvl="1"/>
+            <a:r>
+              <a:rPr lang="en-US" dirty="0" smtClean="0"/>
+              <a:t>Choose the level of detail: add molecular-scale biology if you need it, etc.</a:t>
+            </a:r>
+            <a:endParaRPr lang="en-US" dirty="0"/>
+          </a:p>
+          <a:p>
+            <a:endParaRPr lang="en-US" dirty="0" smtClean="0"/>
+          </a:p>
+        </p:txBody>
+      </p:sp>
+    </p:spTree>
+    <p:extLst>
+      <p:ext uri="{BB962C8B-B14F-4D97-AF65-F5344CB8AC3E}">
+        <p14:creationId xmlns:p14="http://schemas.microsoft.com/office/powerpoint/2010/main" val="1201674268"/>
+      </p:ext>
+    </p:extLst>
+  </p:cSld>
+  <p:clrMapOvr>
+    <a:masterClrMapping/>
+  </p:clrMapOvr>
+</p:sld>
+</file>
+
+<file path=ppt/slides/slide4.xml><?xml version="1.0" encoding="utf-8"?>
+<p:sld xmlns:a="http://schemas.openxmlformats.org/drawingml/2006/main" xmlns:r="http://schemas.openxmlformats.org/officeDocument/2006/relationships" xmlns:p="http://schemas.openxmlformats.org/presentationml/2006/main">
+  <p:cSld>
+    <p:spTree>
+      <p:nvGrpSpPr>
+        <p:cNvPr id="1" name=""/>
+        <p:cNvGrpSpPr/>
+        <p:nvPr/>
+      </p:nvGrpSpPr>
+      <p:grpSpPr>
+        <a:xfrm>
+          <a:off x="0" y="0"/>
+          <a:ext cx="0" cy="0"/>
+          <a:chOff x="0" y="0"/>
+          <a:chExt cx="0" cy="0"/>
+        </a:xfrm>
+      </p:grpSpPr>
+      <p:sp>
+        <p:nvSpPr>
+          <p:cNvPr id="4" name="Text Placeholder 3"/>
+          <p:cNvSpPr>
+            <a:spLocks noGrp="1"/>
+          </p:cNvSpPr>
+          <p:nvPr>
+            <p:ph type="body" sz="quarter" idx="10"/>
+          </p:nvPr>
+        </p:nvSpPr>
+        <p:spPr/>
+        <p:txBody>
+          <a:bodyPr/>
+          <a:lstStyle/>
+          <a:p>
+            <a:r>
+              <a:rPr lang="en-US" dirty="0" smtClean="0"/>
+              <a:t>Some typical approaches</a:t>
+            </a:r>
+            <a:endParaRPr lang="en-US" dirty="0"/>
+          </a:p>
+        </p:txBody>
+      </p:sp>
+    </p:spTree>
+    <p:extLst>
+      <p:ext uri="{BB962C8B-B14F-4D97-AF65-F5344CB8AC3E}">
+        <p14:creationId xmlns:p14="http://schemas.microsoft.com/office/powerpoint/2010/main" val="2796015588"/>
+      </p:ext>
+    </p:extLst>
+  </p:cSld>
+  <p:clrMapOvr>
+    <a:masterClrMapping/>
+  </p:clrMapOvr>
+  <p:timing>
+    <p:tnLst>
+      <p:par>
+        <p:cTn id="1" dur="indefinite" restart="never" nodeType="tmRoot"/>
+      </p:par>
+    </p:tnLst>
+  </p:timing>
+</p:sld>
+</file>
+
+<file path=ppt/slides/slide5.xml><?xml version="1.0" encoding="utf-8"?>
+<p:sld xmlns:a="http://schemas.openxmlformats.org/drawingml/2006/main" xmlns:r="http://schemas.openxmlformats.org/officeDocument/2006/relationships" xmlns:p="http://schemas.openxmlformats.org/presentationml/2006/main">
+  <p:cSld>
+    <p:spTree>
+      <p:nvGrpSpPr>
+        <p:cNvPr id="1" name=""/>
+        <p:cNvGrpSpPr/>
+        <p:nvPr/>
+      </p:nvGrpSpPr>
+      <p:grpSpPr>
+        <a:xfrm>
+          <a:off x="0" y="0"/>
+          <a:ext cx="0" cy="0"/>
+          <a:chOff x="0" y="0"/>
+          <a:chExt cx="0" cy="0"/>
+        </a:xfrm>
+      </p:grpSpPr>
+      <p:sp>
+        <p:nvSpPr>
+          <p:cNvPr id="3" name="Title 2"/>
+          <p:cNvSpPr>
+            <a:spLocks noGrp="1"/>
+          </p:cNvSpPr>
+          <p:nvPr>
+            <p:ph type="title"/>
+          </p:nvPr>
+        </p:nvSpPr>
+        <p:spPr/>
+        <p:txBody>
+          <a:bodyPr/>
+          <a:lstStyle/>
+          <a:p>
+            <a:r>
+              <a:rPr lang="en-US" dirty="0" smtClean="0"/>
+              <a:t>Cellular Automata</a:t>
+            </a:r>
+            <a:endParaRPr lang="en-US" dirty="0"/>
+          </a:p>
+        </p:txBody>
+      </p:sp>
+      <p:sp>
+        <p:nvSpPr>
+          <p:cNvPr id="4" name="Content Placeholder 3"/>
+          <p:cNvSpPr>
+            <a:spLocks noGrp="1"/>
+          </p:cNvSpPr>
+          <p:nvPr>
+            <p:ph idx="1"/>
+          </p:nvPr>
+        </p:nvSpPr>
+        <p:spPr/>
+        <p:txBody>
+          <a:bodyPr>
+            <a:normAutofit fontScale="40000" lnSpcReduction="20000"/>
+          </a:bodyPr>
+          <a:lstStyle/>
+          <a:p>
+            <a:pPr marL="0" indent="0">
+              <a:buNone/>
+            </a:pPr>
+            <a:r>
+              <a:rPr lang="en-US" b="1" u="sng" dirty="0" smtClean="0"/>
+              <a:t>Approach:</a:t>
+            </a:r>
+          </a:p>
+          <a:p>
+            <a:r>
+              <a:rPr lang="en-US" dirty="0" smtClean="0"/>
+              <a:t>Divide space into a lattice</a:t>
+            </a:r>
+          </a:p>
+          <a:p>
+            <a:r>
+              <a:rPr lang="en-US" dirty="0" smtClean="0"/>
+              <a:t>Each lattice site holds 0 or 1 cell</a:t>
+            </a:r>
+          </a:p>
+          <a:p>
+            <a:r>
+              <a:rPr lang="en-US" dirty="0" smtClean="0"/>
+              <a:t>Update each lattice site based on rules</a:t>
+            </a:r>
+          </a:p>
+          <a:p>
+            <a:pPr marL="0" indent="0">
+              <a:buNone/>
+            </a:pPr>
+            <a:r>
+              <a:rPr lang="en-US" b="1" u="sng" dirty="0" smtClean="0"/>
+              <a:t>Pros:</a:t>
+            </a:r>
+          </a:p>
+          <a:p>
+            <a:r>
+              <a:rPr lang="en-US" dirty="0" smtClean="0"/>
+              <a:t>Easy to program</a:t>
+            </a:r>
+          </a:p>
+          <a:p>
+            <a:r>
+              <a:rPr lang="en-US" dirty="0" smtClean="0"/>
+              <a:t>Very, very fast</a:t>
+            </a:r>
+          </a:p>
+          <a:p>
+            <a:r>
+              <a:rPr lang="en-US" dirty="0" smtClean="0"/>
+              <a:t>Easy to swap in new hypotheses</a:t>
+            </a:r>
+          </a:p>
+          <a:p>
+            <a:pPr marL="0" indent="0">
+              <a:buNone/>
+            </a:pPr>
+            <a:r>
+              <a:rPr lang="en-US" b="1" u="sng" dirty="0" smtClean="0"/>
+              <a:t>Cons:</a:t>
+            </a:r>
+          </a:p>
+          <a:p>
+            <a:r>
+              <a:rPr lang="en-US" dirty="0" smtClean="0"/>
+              <a:t>Lattice effects (&amp; hidden assumptions)</a:t>
+            </a:r>
+          </a:p>
+          <a:p>
+            <a:r>
+              <a:rPr lang="en-US" dirty="0" smtClean="0"/>
+              <a:t>All cells are the same size</a:t>
+            </a:r>
+          </a:p>
+          <a:p>
+            <a:r>
+              <a:rPr lang="en-US" dirty="0" smtClean="0"/>
+              <a:t>No tissue mechanics</a:t>
+            </a:r>
+          </a:p>
+          <a:p>
+            <a:r>
+              <a:rPr lang="en-US" dirty="0" smtClean="0"/>
+              <a:t>Update order biases</a:t>
+            </a:r>
+          </a:p>
+          <a:p>
+            <a:pPr lvl="1"/>
+            <a:r>
+              <a:rPr lang="en-US" dirty="0" smtClean="0"/>
+              <a:t>Usually solved with Monte Carlo (random update ordering)</a:t>
+            </a:r>
+            <a:endParaRPr lang="en-US" dirty="0"/>
+          </a:p>
+          <a:p>
+            <a:pPr marL="0" indent="0">
+              <a:buNone/>
+            </a:pPr>
+            <a:r>
+              <a:rPr lang="en-US" b="1" u="sng" dirty="0" smtClean="0"/>
+              <a:t>Ideal use case: </a:t>
+            </a:r>
+          </a:p>
+          <a:p>
+            <a:r>
+              <a:rPr lang="en-US" dirty="0" smtClean="0"/>
+              <a:t>Early qualitative tests of hypotheses</a:t>
+            </a:r>
+            <a:endParaRPr lang="en-US" b="1" u="sng" dirty="0" smtClean="0"/>
+          </a:p>
+          <a:p>
+            <a:pPr marL="0" indent="0">
+              <a:buNone/>
+            </a:pPr>
+            <a:r>
+              <a:rPr lang="en-US" b="1" u="sng" dirty="0" smtClean="0"/>
+              <a:t>Good examples</a:t>
+            </a:r>
+            <a:r>
+              <a:rPr lang="en-US" b="1" dirty="0" smtClean="0"/>
+              <a:t>:</a:t>
+            </a:r>
+          </a:p>
+          <a:p>
+            <a:r>
+              <a:rPr lang="en-US" dirty="0" err="1" smtClean="0"/>
+              <a:t>Heiko</a:t>
+            </a:r>
+            <a:r>
+              <a:rPr lang="en-US" dirty="0" smtClean="0"/>
+              <a:t> </a:t>
+            </a:r>
+            <a:r>
+              <a:rPr lang="en-US" dirty="0" err="1" smtClean="0"/>
+              <a:t>Enderling</a:t>
+            </a:r>
+            <a:r>
+              <a:rPr lang="en-US" dirty="0" smtClean="0"/>
+              <a:t>, ARA Anderson, … </a:t>
+            </a:r>
+            <a:endParaRPr lang="en-US" b="1" dirty="0" smtClean="0"/>
+          </a:p>
+        </p:txBody>
+      </p:sp>
+      <p:pic>
+        <p:nvPicPr>
+          <p:cNvPr id="5122" name="Picture 2" descr="C:\Users\Paul Macklin\Dropbox (USC WCC-CAMM)\talks\2015\LLNL Feb 2015\matlab\output00000000.jpg"/>
+          <p:cNvPicPr>
+            <a:picLocks noChangeAspect="1" noChangeArrowheads="1"/>
+          </p:cNvPicPr>
+          <p:nvPr/>
+        </p:nvPicPr>
+        <p:blipFill rotWithShape="1">
+          <a:blip r:embed="rId4" cstate="print">
+            <a:extLst>
+              <a:ext uri="{28A0092B-C50C-407E-A947-70E740481C1C}">
+                <a14:useLocalDpi xmlns:a14="http://schemas.microsoft.com/office/drawing/2010/main" val="0"/>
+              </a:ext>
+            </a:extLst>
+          </a:blip>
+          <a:srcRect l="10208" r="8958" b="5000"/>
+          <a:stretch/>
+        </p:blipFill>
+        <p:spPr bwMode="auto">
+          <a:xfrm>
+            <a:off x="4572000" y="590957"/>
+            <a:ext cx="1714500" cy="1511234"/>
+          </a:xfrm>
+          <a:prstGeom prst="rect">
+            <a:avLst/>
+          </a:prstGeom>
+          <a:noFill/>
+          <a:extLst>
+            <a:ext uri="{909E8E84-426E-40DD-AFC4-6F175D3DCCD1}">
+              <a14:hiddenFill xmlns:a14="http://schemas.microsoft.com/office/drawing/2010/main">
+                <a:solidFill>
+                  <a:srgbClr val="FFFFFF"/>
+                </a:solidFill>
+              </a14:hiddenFill>
+            </a:ext>
+          </a:extLst>
+        </p:spPr>
+      </p:pic>
+      <p:pic>
+        <p:nvPicPr>
+          <p:cNvPr id="5123" name="Picture 3" descr="C:\Users\Paul Macklin\Dropbox (USC WCC-CAMM)\talks\2015\LLNL Feb 2015\matlab\output00000200.jpg"/>
+          <p:cNvPicPr>
+            <a:picLocks noChangeAspect="1" noChangeArrowheads="1"/>
+          </p:cNvPicPr>
+          <p:nvPr/>
+        </p:nvPicPr>
+        <p:blipFill rotWithShape="1">
+          <a:blip r:embed="rId5" cstate="print">
+            <a:extLst>
+              <a:ext uri="{28A0092B-C50C-407E-A947-70E740481C1C}">
+                <a14:useLocalDpi xmlns:a14="http://schemas.microsoft.com/office/drawing/2010/main" val="0"/>
+              </a:ext>
+            </a:extLst>
+          </a:blip>
+          <a:srcRect l="10208" r="8958" b="5000"/>
+          <a:stretch/>
+        </p:blipFill>
+        <p:spPr bwMode="auto">
+          <a:xfrm>
+            <a:off x="6286500" y="590957"/>
+            <a:ext cx="1714500" cy="1511234"/>
+          </a:xfrm>
+          <a:prstGeom prst="rect">
+            <a:avLst/>
+          </a:prstGeom>
+          <a:noFill/>
+          <a:extLst>
+            <a:ext uri="{909E8E84-426E-40DD-AFC4-6F175D3DCCD1}">
+              <a14:hiddenFill xmlns:a14="http://schemas.microsoft.com/office/drawing/2010/main">
+                <a:solidFill>
+                  <a:srgbClr val="FFFFFF"/>
+                </a:solidFill>
+              </a14:hiddenFill>
+            </a:ext>
+          </a:extLst>
+        </p:spPr>
+      </p:pic>
+      <p:pic>
+        <p:nvPicPr>
+          <p:cNvPr id="6" name="cell_automata.mp4">
+            <a:hlinkClick r:id="" action="ppaction://media"/>
+          </p:cNvPr>
+          <p:cNvPicPr>
+            <a:picLocks noChangeAspect="1"/>
+          </p:cNvPicPr>
+          <p:nvPr>
+            <a:videoFile r:link="rId2"/>
+            <p:extLst>
+              <p:ext uri="{DAA4B4D4-6D71-4841-9C94-3DE7FCFB9230}">
+                <p14:media xmlns:p14="http://schemas.microsoft.com/office/powerpoint/2010/main" r:embed="rId1"/>
+              </p:ext>
+            </p:extLst>
+          </p:nvPr>
+        </p:nvPicPr>
+        <p:blipFill rotWithShape="1">
+          <a:blip r:embed="rId6"/>
+          <a:srcRect l="10208" r="8958" b="5000"/>
+          <a:stretch/>
+        </p:blipFill>
+        <p:spPr>
+          <a:xfrm>
+            <a:off x="5086350" y="2152300"/>
+            <a:ext cx="2743200" cy="2417975"/>
+          </a:xfrm>
+          <a:prstGeom prst="rect">
+            <a:avLst/>
+          </a:prstGeom>
+        </p:spPr>
+      </p:pic>
+      <p:pic>
+        <p:nvPicPr>
+          <p:cNvPr id="5124" name="Picture 4" descr="C:\Users\Paul Macklin\Dropbox (USC WCC-CAMM)\talks\2015\LLNL Feb 2015\graphics\cell_automata.png"/>
+          <p:cNvPicPr>
+            <a:picLocks noChangeAspect="1" noChangeArrowheads="1"/>
+          </p:cNvPicPr>
+          <p:nvPr/>
+        </p:nvPicPr>
+        <p:blipFill>
+          <a:blip r:embed="rId7">
+            <a:extLst>
+              <a:ext uri="{28A0092B-C50C-407E-A947-70E740481C1C}">
+                <a14:useLocalDpi xmlns:a14="http://schemas.microsoft.com/office/drawing/2010/main" val="0"/>
+              </a:ext>
+            </a:extLst>
+          </a:blip>
+          <a:srcRect/>
+          <a:stretch>
+            <a:fillRect/>
+          </a:stretch>
+        </p:blipFill>
+        <p:spPr bwMode="auto">
+          <a:xfrm>
+            <a:off x="4534904" y="800100"/>
+            <a:ext cx="3429000" cy="3429000"/>
+          </a:xfrm>
+          <a:prstGeom prst="rect">
+            <a:avLst/>
+          </a:prstGeom>
+          <a:noFill/>
+          <a:extLst>
+            <a:ext uri="{909E8E84-426E-40DD-AFC4-6F175D3DCCD1}">
+              <a14:hiddenFill xmlns:a14="http://schemas.microsoft.com/office/drawing/2010/main">
+                <a:solidFill>
+                  <a:srgbClr val="FFFFFF"/>
+                </a:solidFill>
+              </a14:hiddenFill>
+            </a:ext>
+          </a:extLst>
+        </p:spPr>
+      </p:pic>
+    </p:spTree>
+    <p:extLst>
+      <p:ext uri="{BB962C8B-B14F-4D97-AF65-F5344CB8AC3E}">
+        <p14:creationId xmlns:p14="http://schemas.microsoft.com/office/powerpoint/2010/main" val="2361857545"/>
+      </p:ext>
+    </p:extLst>
+  </p:cSld>
+  <p:clrMapOvr>
+    <a:masterClrMapping/>
+  </p:clrMapOvr>
+  <p:timing>
+    <p:tnLst>
+      <p:par>
+        <p:cTn id="1" dur="indefinite" restart="never" nodeType="tmRoot">
+          <p:childTnLst>
+            <p:seq concurrent="1" nextAc="seek">
+              <p:cTn id="2" dur="indefinite" nodeType="mainSeq">
+                <p:childTnLst>
+                  <p:par>
+                    <p:cTn id="3" fill="hold">
+                      <p:stCondLst>
+                        <p:cond delay="indefinite"/>
+                        <p:cond evt="onBegin" delay="0">
+                          <p:tn val="2"/>
+                        </p:cond>
+                      </p:stCondLst>
+                      <p:childTnLst>
+                        <p:par>
+                          <p:cTn id="4" fill="hold">
+                            <p:stCondLst>
+                              <p:cond delay="0"/>
+                            </p:stCondLst>
+                            <p:childTnLst>
+                              <p:par>
+                                <p:cTn id="5" presetID="10" presetClass="entr" presetSubtype="0" fill="hold" nodeType="afterEffect">
+                                  <p:stCondLst>
+                                    <p:cond delay="0"/>
+                                  </p:stCondLst>
+                                  <p:childTnLst>
+                                    <p:set>
+                                      <p:cBhvr>
+                                        <p:cTn id="6" dur="1" fill="hold">
+                                          <p:stCondLst>
+                                            <p:cond delay="0"/>
+                                          </p:stCondLst>
+                                        </p:cTn>
+                                        <p:tgtEl>
+                                          <p:spTgt spid="4">
+                                            <p:txEl>
+                                              <p:pRg st="0" end="0"/>
+                                            </p:txEl>
+                                          </p:spTgt>
+                                        </p:tgtEl>
+                                        <p:attrNameLst>
+                                          <p:attrName>style.visibility</p:attrName>
+                                        </p:attrNameLst>
+                                      </p:cBhvr>
+                                      <p:to>
+                                        <p:strVal val="visible"/>
+                                      </p:to>
+                                    </p:set>
+                                    <p:animEffect transition="in" filter="fade">
+                                      <p:cBhvr>
+                                        <p:cTn id="7" dur="500"/>
+                                        <p:tgtEl>
+                                          <p:spTgt spid="4">
+                                            <p:txEl>
+                                              <p:pRg st="0" end="0"/>
+                                            </p:txEl>
+                                          </p:spTgt>
+                                        </p:tgtEl>
+                                      </p:cBhvr>
+                                    </p:animEffect>
+                                  </p:childTnLst>
+                                </p:cTn>
+                              </p:par>
+                            </p:childTnLst>
+                          </p:cTn>
+                        </p:par>
+                        <p:par>
+                          <p:cTn id="8" fill="hold">
+                            <p:stCondLst>
+                              <p:cond delay="500"/>
+                            </p:stCondLst>
+                            <p:childTnLst>
+                              <p:par>
+                                <p:cTn id="9" presetID="10" presetClass="entr" presetSubtype="0" fill="hold" nodeType="afterEffect">
+                                  <p:stCondLst>
+                                    <p:cond delay="0"/>
+                                  </p:stCondLst>
+                                  <p:childTnLst>
+                                    <p:set>
+                                      <p:cBhvr>
+                                        <p:cTn id="10" dur="1" fill="hold">
+                                          <p:stCondLst>
+                                            <p:cond delay="0"/>
+                                          </p:stCondLst>
+                                        </p:cTn>
+                                        <p:tgtEl>
+                                          <p:spTgt spid="5124"/>
+                                        </p:tgtEl>
+                                        <p:attrNameLst>
+                                          <p:attrName>style.visibility</p:attrName>
+                                        </p:attrNameLst>
+                                      </p:cBhvr>
+                                      <p:to>
+                                        <p:strVal val="visible"/>
+                                      </p:to>
+                                    </p:set>
+                                    <p:animEffect transition="in" filter="fade">
+                                      <p:cBhvr>
+                                        <p:cTn id="11" dur="500"/>
+                                        <p:tgtEl>
+                                          <p:spTgt spid="5124"/>
+                                        </p:tgtEl>
+                                      </p:cBhvr>
+                                    </p:animEffect>
+                                  </p:childTnLst>
+                                </p:cTn>
+                              </p:par>
+                              <p:par>
+                                <p:cTn id="12" presetID="10" presetClass="entr" presetSubtype="0" fill="hold" nodeType="withEffect">
+                                  <p:stCondLst>
+                                    <p:cond delay="0"/>
+                                  </p:stCondLst>
+                                  <p:childTnLst>
+                                    <p:set>
+                                      <p:cBhvr>
+                                        <p:cTn id="13" dur="1" fill="hold">
+                                          <p:stCondLst>
+                                            <p:cond delay="0"/>
+                                          </p:stCondLst>
+                                        </p:cTn>
+                                        <p:tgtEl>
+                                          <p:spTgt spid="4">
+                                            <p:txEl>
+                                              <p:pRg st="1" end="1"/>
+                                            </p:txEl>
+                                          </p:spTgt>
+                                        </p:tgtEl>
+                                        <p:attrNameLst>
+                                          <p:attrName>style.visibility</p:attrName>
+                                        </p:attrNameLst>
+                                      </p:cBhvr>
+                                      <p:to>
+                                        <p:strVal val="visible"/>
+                                      </p:to>
+                                    </p:set>
+                                    <p:animEffect transition="in" filter="fade">
+                                      <p:cBhvr>
+                                        <p:cTn id="14" dur="500"/>
+                                        <p:tgtEl>
+                                          <p:spTgt spid="4">
+                                            <p:txEl>
+                                              <p:pRg st="1" end="1"/>
+                                            </p:txEl>
+                                          </p:spTgt>
+                                        </p:tgtEl>
+                                      </p:cBhvr>
+                                    </p:animEffect>
+                                  </p:childTnLst>
+                                </p:cTn>
+                              </p:par>
+                              <p:par>
+                                <p:cTn id="15" presetID="10" presetClass="entr" presetSubtype="0" fill="hold" nodeType="withEffect">
+                                  <p:stCondLst>
+                                    <p:cond delay="0"/>
+                                  </p:stCondLst>
+                                  <p:childTnLst>
+                                    <p:set>
+                                      <p:cBhvr>
+                                        <p:cTn id="16" dur="1" fill="hold">
+                                          <p:stCondLst>
+                                            <p:cond delay="0"/>
+                                          </p:stCondLst>
+                                        </p:cTn>
+                                        <p:tgtEl>
+                                          <p:spTgt spid="4">
+                                            <p:txEl>
+                                              <p:pRg st="2" end="2"/>
+                                            </p:txEl>
+                                          </p:spTgt>
+                                        </p:tgtEl>
+                                        <p:attrNameLst>
+                                          <p:attrName>style.visibility</p:attrName>
+                                        </p:attrNameLst>
+                                      </p:cBhvr>
+                                      <p:to>
+                                        <p:strVal val="visible"/>
+                                      </p:to>
+                                    </p:set>
+                                    <p:animEffect transition="in" filter="fade">
+                                      <p:cBhvr>
+                                        <p:cTn id="17" dur="500"/>
+                                        <p:tgtEl>
+                                          <p:spTgt spid="4">
+                                            <p:txEl>
+                                              <p:pRg st="2" end="2"/>
+                                            </p:txEl>
+                                          </p:spTgt>
+                                        </p:tgtEl>
+                                      </p:cBhvr>
+                                    </p:animEffect>
+                                  </p:childTnLst>
+                                </p:cTn>
+                              </p:par>
+                              <p:par>
+                                <p:cTn id="18" presetID="10" presetClass="entr" presetSubtype="0" fill="hold" nodeType="withEffect">
+                                  <p:stCondLst>
+                                    <p:cond delay="0"/>
+                                  </p:stCondLst>
+                                  <p:childTnLst>
+                                    <p:set>
+                                      <p:cBhvr>
+                                        <p:cTn id="19" dur="1" fill="hold">
+                                          <p:stCondLst>
+                                            <p:cond delay="0"/>
+                                          </p:stCondLst>
+                                        </p:cTn>
+                                        <p:tgtEl>
+                                          <p:spTgt spid="4">
+                                            <p:txEl>
+                                              <p:pRg st="3" end="3"/>
+                                            </p:txEl>
+                                          </p:spTgt>
+                                        </p:tgtEl>
+                                        <p:attrNameLst>
+                                          <p:attrName>style.visibility</p:attrName>
+                                        </p:attrNameLst>
+                                      </p:cBhvr>
+                                      <p:to>
+                                        <p:strVal val="visible"/>
+                                      </p:to>
+                                    </p:set>
+                                    <p:animEffect transition="in" filter="fade">
+                                      <p:cBhvr>
+                                        <p:cTn id="20" dur="500"/>
+                                        <p:tgtEl>
+                                          <p:spTgt spid="4">
+                                            <p:txEl>
+                                              <p:pRg st="3" end="3"/>
+                                            </p:txEl>
+                                          </p:spTgt>
+                                        </p:tgtEl>
+                                      </p:cBhvr>
+                                    </p:animEffect>
+                                  </p:childTnLst>
+                                </p:cTn>
+                              </p:par>
+                            </p:childTnLst>
+                          </p:cTn>
+                        </p:par>
+                      </p:childTnLst>
+                    </p:cTn>
+                  </p:par>
+                  <p:par>
+                    <p:cTn id="21" fill="hold">
+                      <p:stCondLst>
+                        <p:cond delay="indefinite"/>
+                      </p:stCondLst>
+                      <p:childTnLst>
+                        <p:par>
+                          <p:cTn id="22" fill="hold">
+                            <p:stCondLst>
+                              <p:cond delay="0"/>
+                            </p:stCondLst>
+                            <p:childTnLst>
+                              <p:par>
+                                <p:cTn id="23" presetID="10" presetClass="exit" presetSubtype="0" fill="hold" nodeType="clickEffect">
+                                  <p:stCondLst>
+                                    <p:cond delay="0"/>
+                                  </p:stCondLst>
+                                  <p:childTnLst>
+                                    <p:animEffect transition="out" filter="fade">
+                                      <p:cBhvr>
+                                        <p:cTn id="24" dur="500"/>
+                                        <p:tgtEl>
+                                          <p:spTgt spid="5124"/>
+                                        </p:tgtEl>
+                                      </p:cBhvr>
+                                    </p:animEffect>
+                                    <p:set>
+                                      <p:cBhvr>
+                                        <p:cTn id="25" dur="1" fill="hold">
+                                          <p:stCondLst>
+                                            <p:cond delay="499"/>
+                                          </p:stCondLst>
+                                        </p:cTn>
+                                        <p:tgtEl>
+                                          <p:spTgt spid="5124"/>
+                                        </p:tgtEl>
+                                        <p:attrNameLst>
+                                          <p:attrName>style.visibility</p:attrName>
+                                        </p:attrNameLst>
+                                      </p:cBhvr>
+                                      <p:to>
+                                        <p:strVal val="hidden"/>
+                                      </p:to>
+                                    </p:set>
+                                  </p:childTnLst>
+                                </p:cTn>
+                              </p:par>
+                            </p:childTnLst>
+                          </p:cTn>
+                        </p:par>
+                        <p:par>
+                          <p:cTn id="26" fill="hold">
+                            <p:stCondLst>
+                              <p:cond delay="500"/>
+                            </p:stCondLst>
+                            <p:childTnLst>
+                              <p:par>
+                                <p:cTn id="27" presetID="10" presetClass="entr" presetSubtype="0" fill="hold" nodeType="afterEffect">
+                                  <p:stCondLst>
+                                    <p:cond delay="0"/>
+                                  </p:stCondLst>
+                                  <p:childTnLst>
+                                    <p:set>
+                                      <p:cBhvr>
+                                        <p:cTn id="28" dur="1" fill="hold">
+                                          <p:stCondLst>
+                                            <p:cond delay="0"/>
+                                          </p:stCondLst>
+                                        </p:cTn>
+                                        <p:tgtEl>
+                                          <p:spTgt spid="5122"/>
+                                        </p:tgtEl>
+                                        <p:attrNameLst>
+                                          <p:attrName>style.visibility</p:attrName>
+                                        </p:attrNameLst>
+                                      </p:cBhvr>
+                                      <p:to>
+                                        <p:strVal val="visible"/>
+                                      </p:to>
+                                    </p:set>
+                                    <p:animEffect transition="in" filter="fade">
+                                      <p:cBhvr>
+                                        <p:cTn id="29" dur="500"/>
+                                        <p:tgtEl>
+                                          <p:spTgt spid="5122"/>
+                                        </p:tgtEl>
+                                      </p:cBhvr>
+                                    </p:animEffect>
+                                  </p:childTnLst>
+                                </p:cTn>
+                              </p:par>
+                            </p:childTnLst>
+                          </p:cTn>
+                        </p:par>
+                        <p:par>
+                          <p:cTn id="30" fill="hold">
+                            <p:stCondLst>
+                              <p:cond delay="1000"/>
+                            </p:stCondLst>
+                            <p:childTnLst>
+                              <p:par>
+                                <p:cTn id="31" presetID="10" presetClass="entr" presetSubtype="0" fill="hold" nodeType="afterEffect">
+                                  <p:stCondLst>
+                                    <p:cond delay="0"/>
+                                  </p:stCondLst>
+                                  <p:childTnLst>
+                                    <p:set>
+                                      <p:cBhvr>
+                                        <p:cTn id="32" dur="1" fill="hold">
+                                          <p:stCondLst>
+                                            <p:cond delay="0"/>
+                                          </p:stCondLst>
+                                        </p:cTn>
+                                        <p:tgtEl>
+                                          <p:spTgt spid="6"/>
+                                        </p:tgtEl>
+                                        <p:attrNameLst>
+                                          <p:attrName>style.visibility</p:attrName>
+                                        </p:attrNameLst>
+                                      </p:cBhvr>
+                                      <p:to>
+                                        <p:strVal val="visible"/>
+                                      </p:to>
+                                    </p:set>
+                                    <p:animEffect transition="in" filter="fade">
+                                      <p:cBhvr>
+                                        <p:cTn id="33" dur="500"/>
+                                        <p:tgtEl>
+                                          <p:spTgt spid="6"/>
+                                        </p:tgtEl>
+                                      </p:cBhvr>
+                                    </p:animEffect>
+                                  </p:childTnLst>
+                                </p:cTn>
+                              </p:par>
+                            </p:childTnLst>
+                          </p:cTn>
+                        </p:par>
+                        <p:par>
+                          <p:cTn id="34" fill="hold">
+                            <p:stCondLst>
+                              <p:cond delay="1500"/>
+                            </p:stCondLst>
+                            <p:childTnLst>
+                              <p:par>
+                                <p:cTn id="35" presetID="1" presetClass="mediacall" presetSubtype="0" fill="hold" nodeType="afterEffect">
+                                  <p:stCondLst>
+                                    <p:cond delay="0"/>
+                                  </p:stCondLst>
+                                  <p:childTnLst>
+                                    <p:cmd type="call" cmd="playFrom(0.0)">
+                                      <p:cBhvr>
+                                        <p:cTn id="36" dur="10100" fill="hold"/>
+                                        <p:tgtEl>
+                                          <p:spTgt spid="6"/>
+                                        </p:tgtEl>
+                                      </p:cBhvr>
+                                    </p:cmd>
+                                  </p:childTnLst>
+                                </p:cTn>
+                              </p:par>
+                              <p:par>
+                                <p:cTn id="37" presetID="10" presetClass="entr" presetSubtype="0" fill="hold" nodeType="withEffect">
+                                  <p:stCondLst>
+                                    <p:cond delay="8000"/>
+                                  </p:stCondLst>
+                                  <p:childTnLst>
+                                    <p:set>
+                                      <p:cBhvr>
+                                        <p:cTn id="38" dur="1" fill="hold">
+                                          <p:stCondLst>
+                                            <p:cond delay="0"/>
+                                          </p:stCondLst>
+                                        </p:cTn>
+                                        <p:tgtEl>
+                                          <p:spTgt spid="5123"/>
+                                        </p:tgtEl>
+                                        <p:attrNameLst>
+                                          <p:attrName>style.visibility</p:attrName>
+                                        </p:attrNameLst>
+                                      </p:cBhvr>
+                                      <p:to>
+                                        <p:strVal val="visible"/>
+                                      </p:to>
+                                    </p:set>
+                                    <p:animEffect transition="in" filter="fade">
+                                      <p:cBhvr>
+                                        <p:cTn id="39" dur="500"/>
+                                        <p:tgtEl>
+                                          <p:spTgt spid="5123"/>
+                                        </p:tgtEl>
+                                      </p:cBhvr>
+                                    </p:animEffect>
+                                  </p:childTnLst>
+                                </p:cTn>
+                              </p:par>
+                            </p:childTnLst>
+                          </p:cTn>
+                        </p:par>
+                      </p:childTnLst>
+                    </p:cTn>
+                  </p:par>
+                  <p:par>
+                    <p:cTn id="40" fill="hold">
+                      <p:stCondLst>
+                        <p:cond delay="indefinite"/>
+                      </p:stCondLst>
+                      <p:childTnLst>
+                        <p:par>
+                          <p:cTn id="41" fill="hold">
+                            <p:stCondLst>
+                              <p:cond delay="0"/>
+                            </p:stCondLst>
+                            <p:childTnLst>
+                              <p:par>
+                                <p:cTn id="42" presetID="10" presetClass="entr" presetSubtype="0" fill="hold" nodeType="clickEffect">
+                                  <p:stCondLst>
+                                    <p:cond delay="0"/>
+                                  </p:stCondLst>
+                                  <p:childTnLst>
+                                    <p:set>
+                                      <p:cBhvr>
+                                        <p:cTn id="43" dur="1" fill="hold">
+                                          <p:stCondLst>
+                                            <p:cond delay="0"/>
+                                          </p:stCondLst>
+                                        </p:cTn>
+                                        <p:tgtEl>
+                                          <p:spTgt spid="4">
+                                            <p:txEl>
+                                              <p:pRg st="4" end="4"/>
+                                            </p:txEl>
+                                          </p:spTgt>
+                                        </p:tgtEl>
+                                        <p:attrNameLst>
+                                          <p:attrName>style.visibility</p:attrName>
+                                        </p:attrNameLst>
+                                      </p:cBhvr>
+                                      <p:to>
+                                        <p:strVal val="visible"/>
+                                      </p:to>
+                                    </p:set>
+                                    <p:animEffect transition="in" filter="fade">
+                                      <p:cBhvr>
+                                        <p:cTn id="44" dur="500"/>
+                                        <p:tgtEl>
+                                          <p:spTgt spid="4">
+                                            <p:txEl>
+                                              <p:pRg st="4" end="4"/>
+                                            </p:txEl>
+                                          </p:spTgt>
+                                        </p:tgtEl>
+                                      </p:cBhvr>
+                                    </p:animEffect>
+                                  </p:childTnLst>
+                                </p:cTn>
+                              </p:par>
+                              <p:par>
+                                <p:cTn id="45" presetID="10" presetClass="entr" presetSubtype="0" fill="hold" nodeType="withEffect">
+                                  <p:stCondLst>
+                                    <p:cond delay="0"/>
+                                  </p:stCondLst>
+                                  <p:childTnLst>
+                                    <p:set>
+                                      <p:cBhvr>
+                                        <p:cTn id="46" dur="1" fill="hold">
+                                          <p:stCondLst>
+                                            <p:cond delay="0"/>
+                                          </p:stCondLst>
+                                        </p:cTn>
+                                        <p:tgtEl>
+                                          <p:spTgt spid="4">
+                                            <p:txEl>
+                                              <p:pRg st="5" end="5"/>
+                                            </p:txEl>
+                                          </p:spTgt>
+                                        </p:tgtEl>
+                                        <p:attrNameLst>
+                                          <p:attrName>style.visibility</p:attrName>
+                                        </p:attrNameLst>
+                                      </p:cBhvr>
+                                      <p:to>
+                                        <p:strVal val="visible"/>
+                                      </p:to>
+                                    </p:set>
+                                    <p:animEffect transition="in" filter="fade">
+                                      <p:cBhvr>
+                                        <p:cTn id="47" dur="500"/>
+                                        <p:tgtEl>
+                                          <p:spTgt spid="4">
+                                            <p:txEl>
+                                              <p:pRg st="5" end="5"/>
+                                            </p:txEl>
+                                          </p:spTgt>
+                                        </p:tgtEl>
+                                      </p:cBhvr>
+                                    </p:animEffect>
+                                  </p:childTnLst>
+                                </p:cTn>
+                              </p:par>
+                              <p:par>
+                                <p:cTn id="48" presetID="10" presetClass="entr" presetSubtype="0" fill="hold" nodeType="withEffect">
+                                  <p:stCondLst>
+                                    <p:cond delay="0"/>
+                                  </p:stCondLst>
+                                  <p:childTnLst>
+                                    <p:set>
+                                      <p:cBhvr>
+                                        <p:cTn id="49" dur="1" fill="hold">
+                                          <p:stCondLst>
+                                            <p:cond delay="0"/>
+                                          </p:stCondLst>
+                                        </p:cTn>
+                                        <p:tgtEl>
+                                          <p:spTgt spid="4">
+                                            <p:txEl>
+                                              <p:pRg st="6" end="6"/>
+                                            </p:txEl>
+                                          </p:spTgt>
+                                        </p:tgtEl>
+                                        <p:attrNameLst>
+                                          <p:attrName>style.visibility</p:attrName>
+                                        </p:attrNameLst>
+                                      </p:cBhvr>
+                                      <p:to>
+                                        <p:strVal val="visible"/>
+                                      </p:to>
+                                    </p:set>
+                                    <p:animEffect transition="in" filter="fade">
+                                      <p:cBhvr>
+                                        <p:cTn id="50" dur="500"/>
+                                        <p:tgtEl>
+                                          <p:spTgt spid="4">
+                                            <p:txEl>
+                                              <p:pRg st="6" end="6"/>
+                                            </p:txEl>
+                                          </p:spTgt>
+                                        </p:tgtEl>
+                                      </p:cBhvr>
+                                    </p:animEffect>
+                                  </p:childTnLst>
+                                </p:cTn>
+                              </p:par>
+                              <p:par>
+                                <p:cTn id="51" presetID="10" presetClass="entr" presetSubtype="0" fill="hold" nodeType="withEffect">
+                                  <p:stCondLst>
+                                    <p:cond delay="0"/>
+                                  </p:stCondLst>
+                                  <p:childTnLst>
+                                    <p:set>
+                                      <p:cBhvr>
+                                        <p:cTn id="52" dur="1" fill="hold">
+                                          <p:stCondLst>
+                                            <p:cond delay="0"/>
+                                          </p:stCondLst>
+                                        </p:cTn>
+                                        <p:tgtEl>
+                                          <p:spTgt spid="4">
+                                            <p:txEl>
+                                              <p:pRg st="7" end="7"/>
+                                            </p:txEl>
+                                          </p:spTgt>
+                                        </p:tgtEl>
+                                        <p:attrNameLst>
+                                          <p:attrName>style.visibility</p:attrName>
+                                        </p:attrNameLst>
+                                      </p:cBhvr>
+                                      <p:to>
+                                        <p:strVal val="visible"/>
+                                      </p:to>
+                                    </p:set>
+                                    <p:animEffect transition="in" filter="fade">
+                                      <p:cBhvr>
+                                        <p:cTn id="53" dur="500"/>
+                                        <p:tgtEl>
+                                          <p:spTgt spid="4">
+                                            <p:txEl>
+                                              <p:pRg st="7" end="7"/>
+                                            </p:txEl>
+                                          </p:spTgt>
+                                        </p:tgtEl>
+                                      </p:cBhvr>
+                                    </p:animEffect>
+                                  </p:childTnLst>
+                                </p:cTn>
+                              </p:par>
+                            </p:childTnLst>
+                          </p:cTn>
+                        </p:par>
+                      </p:childTnLst>
+                    </p:cTn>
+                  </p:par>
+                  <p:par>
+                    <p:cTn id="54" fill="hold">
+                      <p:stCondLst>
+                        <p:cond delay="indefinite"/>
+                      </p:stCondLst>
+                      <p:childTnLst>
+                        <p:par>
+                          <p:cTn id="55" fill="hold">
+                            <p:stCondLst>
+                              <p:cond delay="0"/>
+                            </p:stCondLst>
+                            <p:childTnLst>
+                              <p:par>
+                                <p:cTn id="56" presetID="10" presetClass="entr" presetSubtype="0" fill="hold" nodeType="clickEffect">
+                                  <p:stCondLst>
+                                    <p:cond delay="0"/>
+                                  </p:stCondLst>
+                                  <p:childTnLst>
+                                    <p:set>
+                                      <p:cBhvr>
+                                        <p:cTn id="57" dur="1" fill="hold">
+                                          <p:stCondLst>
+                                            <p:cond delay="0"/>
+                                          </p:stCondLst>
+                                        </p:cTn>
+                                        <p:tgtEl>
+                                          <p:spTgt spid="4">
+                                            <p:txEl>
+                                              <p:pRg st="8" end="8"/>
+                                            </p:txEl>
+                                          </p:spTgt>
+                                        </p:tgtEl>
+                                        <p:attrNameLst>
+                                          <p:attrName>style.visibility</p:attrName>
+                                        </p:attrNameLst>
+                                      </p:cBhvr>
+                                      <p:to>
+                                        <p:strVal val="visible"/>
+                                      </p:to>
+                                    </p:set>
+                                    <p:animEffect transition="in" filter="fade">
+                                      <p:cBhvr>
+                                        <p:cTn id="58" dur="500"/>
+                                        <p:tgtEl>
+                                          <p:spTgt spid="4">
+                                            <p:txEl>
+                                              <p:pRg st="8" end="8"/>
+                                            </p:txEl>
+                                          </p:spTgt>
+                                        </p:tgtEl>
+                                      </p:cBhvr>
+                                    </p:animEffect>
+                                  </p:childTnLst>
+                                </p:cTn>
+                              </p:par>
+                              <p:par>
+                                <p:cTn id="59" presetID="10" presetClass="entr" presetSubtype="0" fill="hold" nodeType="withEffect">
+                                  <p:stCondLst>
+                                    <p:cond delay="0"/>
+                                  </p:stCondLst>
+                                  <p:childTnLst>
+                                    <p:set>
+                                      <p:cBhvr>
+                                        <p:cTn id="60" dur="1" fill="hold">
+                                          <p:stCondLst>
+                                            <p:cond delay="0"/>
+                                          </p:stCondLst>
+                                        </p:cTn>
+                                        <p:tgtEl>
+                                          <p:spTgt spid="4">
+                                            <p:txEl>
+                                              <p:pRg st="9" end="9"/>
+                                            </p:txEl>
+                                          </p:spTgt>
+                                        </p:tgtEl>
+                                        <p:attrNameLst>
+                                          <p:attrName>style.visibility</p:attrName>
+                                        </p:attrNameLst>
+                                      </p:cBhvr>
+                                      <p:to>
+                                        <p:strVal val="visible"/>
+                                      </p:to>
+                                    </p:set>
+                                    <p:animEffect transition="in" filter="fade">
+                                      <p:cBhvr>
+                                        <p:cTn id="61" dur="500"/>
+                                        <p:tgtEl>
+                                          <p:spTgt spid="4">
+                                            <p:txEl>
+                                              <p:pRg st="9" end="9"/>
+                                            </p:txEl>
+                                          </p:spTgt>
+                                        </p:tgtEl>
+                                      </p:cBhvr>
+                                    </p:animEffect>
+                                  </p:childTnLst>
+                                </p:cTn>
+                              </p:par>
+                              <p:par>
+                                <p:cTn id="62" presetID="10" presetClass="entr" presetSubtype="0" fill="hold" nodeType="withEffect">
+                                  <p:stCondLst>
+                                    <p:cond delay="0"/>
+                                  </p:stCondLst>
+                                  <p:childTnLst>
+                                    <p:set>
+                                      <p:cBhvr>
+                                        <p:cTn id="63" dur="1" fill="hold">
+                                          <p:stCondLst>
+                                            <p:cond delay="0"/>
+                                          </p:stCondLst>
+                                        </p:cTn>
+                                        <p:tgtEl>
+                                          <p:spTgt spid="4">
+                                            <p:txEl>
+                                              <p:pRg st="10" end="10"/>
+                                            </p:txEl>
+                                          </p:spTgt>
+                                        </p:tgtEl>
+                                        <p:attrNameLst>
+                                          <p:attrName>style.visibility</p:attrName>
+                                        </p:attrNameLst>
+                                      </p:cBhvr>
+                                      <p:to>
+                                        <p:strVal val="visible"/>
+                                      </p:to>
+                                    </p:set>
+                                    <p:animEffect transition="in" filter="fade">
+                                      <p:cBhvr>
+                                        <p:cTn id="64" dur="500"/>
+                                        <p:tgtEl>
+                                          <p:spTgt spid="4">
+                                            <p:txEl>
+                                              <p:pRg st="10" end="10"/>
+                                            </p:txEl>
+                                          </p:spTgt>
+                                        </p:tgtEl>
+                                      </p:cBhvr>
+                                    </p:animEffect>
+                                  </p:childTnLst>
+                                </p:cTn>
+                              </p:par>
+                              <p:par>
+                                <p:cTn id="65" presetID="10" presetClass="entr" presetSubtype="0" fill="hold" nodeType="withEffect">
+                                  <p:stCondLst>
+                                    <p:cond delay="0"/>
+                                  </p:stCondLst>
+                                  <p:childTnLst>
+                                    <p:set>
+                                      <p:cBhvr>
+                                        <p:cTn id="66" dur="1" fill="hold">
+                                          <p:stCondLst>
+                                            <p:cond delay="0"/>
+                                          </p:stCondLst>
+                                        </p:cTn>
+                                        <p:tgtEl>
+                                          <p:spTgt spid="4">
+                                            <p:txEl>
+                                              <p:pRg st="11" end="11"/>
+                                            </p:txEl>
+                                          </p:spTgt>
+                                        </p:tgtEl>
+                                        <p:attrNameLst>
+                                          <p:attrName>style.visibility</p:attrName>
+                                        </p:attrNameLst>
+                                      </p:cBhvr>
+                                      <p:to>
+                                        <p:strVal val="visible"/>
+                                      </p:to>
+                                    </p:set>
+                                    <p:animEffect transition="in" filter="fade">
+                                      <p:cBhvr>
+                                        <p:cTn id="67" dur="500"/>
+                                        <p:tgtEl>
+                                          <p:spTgt spid="4">
+                                            <p:txEl>
+                                              <p:pRg st="11" end="11"/>
+                                            </p:txEl>
+                                          </p:spTgt>
+                                        </p:tgtEl>
+                                      </p:cBhvr>
+                                    </p:animEffect>
+                                  </p:childTnLst>
+                                </p:cTn>
+                              </p:par>
+                              <p:par>
+                                <p:cTn id="68" presetID="10" presetClass="entr" presetSubtype="0" fill="hold" nodeType="withEffect">
+                                  <p:stCondLst>
+                                    <p:cond delay="0"/>
+                                  </p:stCondLst>
+                                  <p:childTnLst>
+                                    <p:set>
+                                      <p:cBhvr>
+                                        <p:cTn id="69" dur="1" fill="hold">
+                                          <p:stCondLst>
+                                            <p:cond delay="0"/>
+                                          </p:stCondLst>
+                                        </p:cTn>
+                                        <p:tgtEl>
+                                          <p:spTgt spid="4">
+                                            <p:txEl>
+                                              <p:pRg st="12" end="12"/>
+                                            </p:txEl>
+                                          </p:spTgt>
+                                        </p:tgtEl>
+                                        <p:attrNameLst>
+                                          <p:attrName>style.visibility</p:attrName>
+                                        </p:attrNameLst>
+                                      </p:cBhvr>
+                                      <p:to>
+                                        <p:strVal val="visible"/>
+                                      </p:to>
+                                    </p:set>
+                                    <p:animEffect transition="in" filter="fade">
+                                      <p:cBhvr>
+                                        <p:cTn id="70" dur="500"/>
+                                        <p:tgtEl>
+                                          <p:spTgt spid="4">
+                                            <p:txEl>
+                                              <p:pRg st="12" end="12"/>
+                                            </p:txEl>
+                                          </p:spTgt>
+                                        </p:tgtEl>
+                                      </p:cBhvr>
+                                    </p:animEffect>
+                                  </p:childTnLst>
+                                </p:cTn>
+                              </p:par>
+                              <p:par>
+                                <p:cTn id="71" presetID="10" presetClass="entr" presetSubtype="0" fill="hold" nodeType="withEffect">
+                                  <p:stCondLst>
+                                    <p:cond delay="0"/>
+                                  </p:stCondLst>
+                                  <p:childTnLst>
+                                    <p:set>
+                                      <p:cBhvr>
+                                        <p:cTn id="72" dur="1" fill="hold">
+                                          <p:stCondLst>
+                                            <p:cond delay="0"/>
+                                          </p:stCondLst>
+                                        </p:cTn>
+                                        <p:tgtEl>
+                                          <p:spTgt spid="4">
+                                            <p:txEl>
+                                              <p:pRg st="13" end="13"/>
+                                            </p:txEl>
+                                          </p:spTgt>
+                                        </p:tgtEl>
+                                        <p:attrNameLst>
+                                          <p:attrName>style.visibility</p:attrName>
+                                        </p:attrNameLst>
+                                      </p:cBhvr>
+                                      <p:to>
+                                        <p:strVal val="visible"/>
+                                      </p:to>
+                                    </p:set>
+                                    <p:animEffect transition="in" filter="fade">
+                                      <p:cBhvr>
+                                        <p:cTn id="73" dur="500"/>
+                                        <p:tgtEl>
+                                          <p:spTgt spid="4">
+                                            <p:txEl>
+                                              <p:pRg st="13" end="13"/>
+                                            </p:txEl>
+                                          </p:spTgt>
+                                        </p:tgtEl>
+                                      </p:cBhvr>
+                                    </p:animEffect>
+                                  </p:childTnLst>
+                                </p:cTn>
+                              </p:par>
+                            </p:childTnLst>
+                          </p:cTn>
+                        </p:par>
+                      </p:childTnLst>
+                    </p:cTn>
+                  </p:par>
+                  <p:par>
+                    <p:cTn id="74" fill="hold">
+                      <p:stCondLst>
+                        <p:cond delay="indefinite"/>
+                      </p:stCondLst>
+                      <p:childTnLst>
+                        <p:par>
+                          <p:cTn id="75" fill="hold">
+                            <p:stCondLst>
+                              <p:cond delay="0"/>
+                            </p:stCondLst>
+                            <p:childTnLst>
+                              <p:par>
+                                <p:cTn id="76" presetID="10" presetClass="entr" presetSubtype="0" fill="hold" nodeType="clickEffect">
+                                  <p:stCondLst>
+                                    <p:cond delay="0"/>
+                                  </p:stCondLst>
+                                  <p:childTnLst>
+                                    <p:set>
+                                      <p:cBhvr>
+                                        <p:cTn id="77" dur="1" fill="hold">
+                                          <p:stCondLst>
+                                            <p:cond delay="0"/>
+                                          </p:stCondLst>
+                                        </p:cTn>
+                                        <p:tgtEl>
+                                          <p:spTgt spid="4">
+                                            <p:txEl>
+                                              <p:pRg st="14" end="14"/>
+                                            </p:txEl>
+                                          </p:spTgt>
+                                        </p:tgtEl>
+                                        <p:attrNameLst>
+                                          <p:attrName>style.visibility</p:attrName>
+                                        </p:attrNameLst>
+                                      </p:cBhvr>
+                                      <p:to>
+                                        <p:strVal val="visible"/>
+                                      </p:to>
+                                    </p:set>
+                                    <p:animEffect transition="in" filter="fade">
+                                      <p:cBhvr>
+                                        <p:cTn id="78" dur="500"/>
+                                        <p:tgtEl>
+                                          <p:spTgt spid="4">
+                                            <p:txEl>
+                                              <p:pRg st="14" end="14"/>
+                                            </p:txEl>
+                                          </p:spTgt>
+                                        </p:tgtEl>
+                                      </p:cBhvr>
+                                    </p:animEffect>
+                                  </p:childTnLst>
+                                </p:cTn>
+                              </p:par>
+                              <p:par>
+                                <p:cTn id="79" presetID="10" presetClass="entr" presetSubtype="0" fill="hold" nodeType="withEffect">
+                                  <p:stCondLst>
+                                    <p:cond delay="0"/>
+                                  </p:stCondLst>
+                                  <p:childTnLst>
+                                    <p:set>
+                                      <p:cBhvr>
+                                        <p:cTn id="80" dur="1" fill="hold">
+                                          <p:stCondLst>
+                                            <p:cond delay="0"/>
+                                          </p:stCondLst>
+                                        </p:cTn>
+                                        <p:tgtEl>
+                                          <p:spTgt spid="4">
+                                            <p:txEl>
+                                              <p:pRg st="15" end="15"/>
+                                            </p:txEl>
+                                          </p:spTgt>
+                                        </p:tgtEl>
+                                        <p:attrNameLst>
+                                          <p:attrName>style.visibility</p:attrName>
+                                        </p:attrNameLst>
+                                      </p:cBhvr>
+                                      <p:to>
+                                        <p:strVal val="visible"/>
+                                      </p:to>
+                                    </p:set>
+                                    <p:animEffect transition="in" filter="fade">
+                                      <p:cBhvr>
+                                        <p:cTn id="81" dur="500"/>
+                                        <p:tgtEl>
+                                          <p:spTgt spid="4">
+                                            <p:txEl>
+                                              <p:pRg st="15" end="15"/>
+                                            </p:txEl>
+                                          </p:spTgt>
+                                        </p:tgtEl>
+                                      </p:cBhvr>
+                                    </p:animEffect>
+                                  </p:childTnLst>
+                                </p:cTn>
+                              </p:par>
+                            </p:childTnLst>
+                          </p:cTn>
+                        </p:par>
+                        <p:par>
+                          <p:cTn id="82" fill="hold">
+                            <p:stCondLst>
+                              <p:cond delay="500"/>
+                            </p:stCondLst>
+                            <p:childTnLst>
+                              <p:par>
+                                <p:cTn id="83" presetID="10" presetClass="entr" presetSubtype="0" fill="hold" nodeType="afterEffect">
+                                  <p:stCondLst>
+                                    <p:cond delay="0"/>
+                                  </p:stCondLst>
+                                  <p:childTnLst>
+                                    <p:set>
+                                      <p:cBhvr>
+                                        <p:cTn id="84" dur="1" fill="hold">
+                                          <p:stCondLst>
+                                            <p:cond delay="0"/>
+                                          </p:stCondLst>
+                                        </p:cTn>
+                                        <p:tgtEl>
+                                          <p:spTgt spid="4">
+                                            <p:txEl>
+                                              <p:pRg st="16" end="16"/>
+                                            </p:txEl>
+                                          </p:spTgt>
+                                        </p:tgtEl>
+                                        <p:attrNameLst>
+                                          <p:attrName>style.visibility</p:attrName>
+                                        </p:attrNameLst>
+                                      </p:cBhvr>
+                                      <p:to>
+                                        <p:strVal val="visible"/>
+                                      </p:to>
+                                    </p:set>
+                                    <p:animEffect transition="in" filter="fade">
+                                      <p:cBhvr>
+                                        <p:cTn id="85" dur="500"/>
+                                        <p:tgtEl>
+                                          <p:spTgt spid="4">
+                                            <p:txEl>
+                                              <p:pRg st="16" end="16"/>
+                                            </p:txEl>
+                                          </p:spTgt>
+                                        </p:tgtEl>
+                                      </p:cBhvr>
+                                    </p:animEffect>
+                                  </p:childTnLst>
+                                </p:cTn>
+                              </p:par>
+                            </p:childTnLst>
+                          </p:cTn>
+                        </p:par>
+                        <p:par>
+                          <p:cTn id="86" fill="hold">
+                            <p:stCondLst>
+                              <p:cond delay="1000"/>
+                            </p:stCondLst>
+                            <p:childTnLst>
+                              <p:par>
+                                <p:cTn id="87" presetID="10" presetClass="entr" presetSubtype="0" fill="hold" nodeType="afterEffect">
+                                  <p:stCondLst>
+                                    <p:cond delay="0"/>
+                                  </p:stCondLst>
+                                  <p:childTnLst>
+                                    <p:set>
+                                      <p:cBhvr>
+                                        <p:cTn id="88" dur="1" fill="hold">
+                                          <p:stCondLst>
+                                            <p:cond delay="0"/>
+                                          </p:stCondLst>
+                                        </p:cTn>
+                                        <p:tgtEl>
+                                          <p:spTgt spid="4">
+                                            <p:txEl>
+                                              <p:pRg st="17" end="17"/>
+                                            </p:txEl>
+                                          </p:spTgt>
+                                        </p:tgtEl>
+                                        <p:attrNameLst>
+                                          <p:attrName>style.visibility</p:attrName>
+                                        </p:attrNameLst>
+                                      </p:cBhvr>
+                                      <p:to>
+                                        <p:strVal val="visible"/>
+                                      </p:to>
+                                    </p:set>
+                                    <p:animEffect transition="in" filter="fade">
+                                      <p:cBhvr>
+                                        <p:cTn id="89" dur="500"/>
+                                        <p:tgtEl>
+                                          <p:spTgt spid="4">
+                                            <p:txEl>
+                                              <p:pRg st="17" end="17"/>
+                                            </p:txEl>
+                                          </p:spTgt>
+                                        </p:tgtEl>
+                                      </p:cBhvr>
+                                    </p:animEffect>
+                                  </p:childTnLst>
+                                </p:cTn>
+                              </p:par>
+                            </p:childTnLst>
+                          </p:cTn>
+                        </p:par>
+                      </p:childTnLst>
+                    </p:cTn>
+                  </p:par>
+                </p:childTnLst>
+              </p:cTn>
+              <p:prevCondLst>
+                <p:cond evt="onPrev" delay="0">
+                  <p:tgtEl>
+                    <p:sldTgt/>
+                  </p:tgtEl>
+                </p:cond>
+              </p:prevCondLst>
+              <p:nextCondLst>
+                <p:cond evt="onNext" delay="0">
+                  <p:tgtEl>
+                    <p:sldTgt/>
+                  </p:tgtEl>
+                </p:cond>
+              </p:nextCondLst>
+            </p:seq>
+            <p:video>
+              <p:cMediaNode vol="80000">
+                <p:cTn id="90" repeatCount="indefinite" fill="hold" display="0">
+                  <p:stCondLst>
+                    <p:cond delay="indefinite"/>
+                  </p:stCondLst>
+                </p:cTn>
+                <p:tgtEl>
+                  <p:spTgt spid="6"/>
+                </p:tgtEl>
+              </p:cMediaNode>
+            </p:video>
+          </p:childTnLst>
+        </p:cTn>
+      </p:par>
+    </p:tnLst>
+  </p:timing>
+</p:sld>
+</file>
+
+<file path=ppt/slides/slide6.xml><?xml version="1.0" encoding="utf-8"?>
+<p:sld xmlns:a="http://schemas.openxmlformats.org/drawingml/2006/main" xmlns:r="http://schemas.openxmlformats.org/officeDocument/2006/relationships" xmlns:p="http://schemas.openxmlformats.org/presentationml/2006/main">
+  <p:cSld>
+    <p:spTree>
+      <p:nvGrpSpPr>
+        <p:cNvPr id="1" name=""/>
+        <p:cNvGrpSpPr/>
+        <p:nvPr/>
+      </p:nvGrpSpPr>
+      <p:grpSpPr>
+        <a:xfrm>
+          <a:off x="0" y="0"/>
+          <a:ext cx="0" cy="0"/>
+          <a:chOff x="0" y="0"/>
+          <a:chExt cx="0" cy="0"/>
+        </a:xfrm>
+      </p:grpSpPr>
+      <p:sp>
+        <p:nvSpPr>
+          <p:cNvPr id="3" name="Title 2"/>
+          <p:cNvSpPr>
+            <a:spLocks noGrp="1"/>
+          </p:cNvSpPr>
+          <p:nvPr>
+            <p:ph type="title"/>
+          </p:nvPr>
+        </p:nvSpPr>
+        <p:spPr/>
+        <p:txBody>
+          <a:bodyPr/>
+          <a:lstStyle/>
+          <a:p>
+            <a:r>
+              <a:rPr lang="en-US" dirty="0" smtClean="0"/>
+              <a:t>Cellular Potts</a:t>
+            </a:r>
+            <a:endParaRPr lang="en-US" dirty="0"/>
+          </a:p>
+        </p:txBody>
+      </p:sp>
+      <p:sp>
+        <p:nvSpPr>
+          <p:cNvPr id="4" name="Content Placeholder 3"/>
+          <p:cNvSpPr>
+            <a:spLocks noGrp="1"/>
+          </p:cNvSpPr>
+          <p:nvPr>
+            <p:ph idx="1"/>
+          </p:nvPr>
+        </p:nvSpPr>
+        <p:spPr/>
+        <p:txBody>
+          <a:bodyPr>
+            <a:normAutofit fontScale="40000" lnSpcReduction="20000"/>
+          </a:bodyPr>
+          <a:lstStyle/>
+          <a:p>
+            <a:pPr marL="0" indent="0">
+              <a:buNone/>
+            </a:pPr>
+            <a:r>
+              <a:rPr lang="en-US" b="1" u="sng" dirty="0" smtClean="0"/>
+              <a:t>Approach:</a:t>
+            </a:r>
+          </a:p>
+          <a:p>
+            <a:r>
+              <a:rPr lang="en-US" dirty="0" smtClean="0"/>
+              <a:t>Smaller mesh: multiple pixels per cell</a:t>
+            </a:r>
+          </a:p>
+          <a:p>
+            <a:r>
+              <a:rPr lang="en-US" dirty="0" smtClean="0"/>
+              <a:t>Minimize a specially-chosen energy</a:t>
+            </a:r>
+          </a:p>
+          <a:p>
+            <a:pPr lvl="1"/>
+            <a:r>
+              <a:rPr lang="en-US" dirty="0" smtClean="0"/>
+              <a:t>Randomly try to swap pixels</a:t>
+            </a:r>
+          </a:p>
+          <a:p>
+            <a:pPr lvl="1"/>
+            <a:r>
+              <a:rPr lang="en-US" dirty="0" smtClean="0"/>
+              <a:t>Accept if energy is lower</a:t>
+            </a:r>
+          </a:p>
+          <a:p>
+            <a:pPr marL="0" indent="0">
+              <a:buNone/>
+            </a:pPr>
+            <a:r>
+              <a:rPr lang="en-US" b="1" u="sng" dirty="0" smtClean="0"/>
+              <a:t>Pros:</a:t>
+            </a:r>
+          </a:p>
+          <a:p>
+            <a:r>
+              <a:rPr lang="en-US" dirty="0" smtClean="0"/>
+              <a:t>Now we get cell shape and size</a:t>
+            </a:r>
+          </a:p>
+          <a:p>
+            <a:r>
+              <a:rPr lang="en-US" dirty="0" smtClean="0"/>
+              <a:t>More realistic</a:t>
+            </a:r>
+          </a:p>
+          <a:p>
+            <a:r>
+              <a:rPr lang="en-US" dirty="0" smtClean="0"/>
+              <a:t>Mature code: CompuCell3D</a:t>
+            </a:r>
+          </a:p>
+          <a:p>
+            <a:pPr marL="0" indent="0">
+              <a:buNone/>
+            </a:pPr>
+            <a:r>
+              <a:rPr lang="en-US" b="1" u="sng" dirty="0" smtClean="0"/>
+              <a:t>Cons:</a:t>
+            </a:r>
+          </a:p>
+          <a:p>
+            <a:r>
+              <a:rPr lang="en-US" dirty="0" smtClean="0"/>
+              <a:t>No true time: MCS and “temperature”</a:t>
+            </a:r>
+          </a:p>
+          <a:p>
+            <a:r>
+              <a:rPr lang="en-US" dirty="0" smtClean="0"/>
+              <a:t>Have to translate biology into energy</a:t>
+            </a:r>
+          </a:p>
+          <a:p>
+            <a:r>
+              <a:rPr lang="en-US" dirty="0" smtClean="0"/>
+              <a:t>Unexpected correlations can pop up from the global energy</a:t>
+            </a:r>
+          </a:p>
+          <a:p>
+            <a:r>
+              <a:rPr lang="en-US" dirty="0" smtClean="0"/>
+              <a:t>Needs expert coding to be fast </a:t>
+            </a:r>
+          </a:p>
+          <a:p>
+            <a:pPr marL="0" indent="0">
+              <a:buNone/>
+            </a:pPr>
+            <a:r>
+              <a:rPr lang="en-US" b="1" u="sng" dirty="0" smtClean="0"/>
+              <a:t>Ideal use case: </a:t>
+            </a:r>
+          </a:p>
+          <a:p>
+            <a:r>
+              <a:rPr lang="en-US" dirty="0" smtClean="0"/>
+              <a:t>Qualitative tests of hypotheses where mechanics matter</a:t>
+            </a:r>
+          </a:p>
+          <a:p>
+            <a:pPr marL="0" indent="0">
+              <a:buNone/>
+            </a:pPr>
+            <a:r>
+              <a:rPr lang="en-US" b="1" u="sng" dirty="0" smtClean="0"/>
+              <a:t>Good examples</a:t>
+            </a:r>
+            <a:r>
+              <a:rPr lang="en-US" b="1" dirty="0" smtClean="0"/>
+              <a:t>:</a:t>
+            </a:r>
+          </a:p>
+          <a:p>
+            <a:r>
+              <a:rPr lang="en-US" dirty="0" smtClean="0"/>
+              <a:t>James Glazier (CC3D) </a:t>
+            </a:r>
+          </a:p>
+          <a:p>
+            <a:r>
+              <a:rPr lang="en-US" dirty="0" smtClean="0"/>
+              <a:t>Roeland </a:t>
+            </a:r>
+            <a:r>
+              <a:rPr lang="en-US" dirty="0" err="1" smtClean="0"/>
+              <a:t>Mercks</a:t>
+            </a:r>
+            <a:endParaRPr lang="en-US" dirty="0" smtClean="0"/>
+          </a:p>
+          <a:p>
+            <a:endParaRPr lang="en-US" dirty="0"/>
+          </a:p>
+        </p:txBody>
+      </p:sp>
+      <p:pic>
+        <p:nvPicPr>
+          <p:cNvPr id="4098" name="Picture 2" descr="C:\Users\Paul Macklin\Dropbox (USC WCC-CAMM)\talks\2015\LLNL Feb 2015\matlab\potts_00000001.png"/>
+          <p:cNvPicPr>
+            <a:picLocks noChangeAspect="1" noChangeArrowheads="1"/>
+          </p:cNvPicPr>
+          <p:nvPr/>
+        </p:nvPicPr>
+        <p:blipFill rotWithShape="1">
+          <a:blip r:embed="rId5" cstate="print">
+            <a:extLst>
+              <a:ext uri="{28A0092B-C50C-407E-A947-70E740481C1C}">
+                <a14:useLocalDpi xmlns:a14="http://schemas.microsoft.com/office/drawing/2010/main" val="0"/>
+              </a:ext>
+            </a:extLst>
+          </a:blip>
+          <a:srcRect l="15626" r="15227" b="5374"/>
+          <a:stretch/>
+        </p:blipFill>
+        <p:spPr bwMode="auto">
+          <a:xfrm>
+            <a:off x="4777067" y="685800"/>
+            <a:ext cx="1371600" cy="1407764"/>
+          </a:xfrm>
+          <a:prstGeom prst="rect">
+            <a:avLst/>
+          </a:prstGeom>
+          <a:noFill/>
+          <a:extLst>
+            <a:ext uri="{909E8E84-426E-40DD-AFC4-6F175D3DCCD1}">
+              <a14:hiddenFill xmlns:a14="http://schemas.microsoft.com/office/drawing/2010/main">
+                <a:solidFill>
+                  <a:srgbClr val="FFFFFF"/>
+                </a:solidFill>
+              </a14:hiddenFill>
+            </a:ext>
+          </a:extLst>
+        </p:spPr>
+      </p:pic>
+      <p:pic>
+        <p:nvPicPr>
+          <p:cNvPr id="4099" name="Picture 3" descr="C:\Users\Paul Macklin\Dropbox (USC WCC-CAMM)\talks\2015\LLNL Feb 2015\matlab\potts_00004800.png"/>
+          <p:cNvPicPr>
+            <a:picLocks noChangeAspect="1" noChangeArrowheads="1"/>
+          </p:cNvPicPr>
+          <p:nvPr/>
+        </p:nvPicPr>
+        <p:blipFill rotWithShape="1">
+          <a:blip r:embed="rId6" cstate="print">
+            <a:extLst>
+              <a:ext uri="{28A0092B-C50C-407E-A947-70E740481C1C}">
+                <a14:useLocalDpi xmlns:a14="http://schemas.microsoft.com/office/drawing/2010/main" val="0"/>
+              </a:ext>
+            </a:extLst>
+          </a:blip>
+          <a:srcRect l="15626" r="15227" b="5374"/>
+          <a:stretch/>
+        </p:blipFill>
+        <p:spPr bwMode="auto">
+          <a:xfrm>
+            <a:off x="6229349" y="685800"/>
+            <a:ext cx="1371600" cy="1407764"/>
+          </a:xfrm>
+          <a:prstGeom prst="rect">
+            <a:avLst/>
+          </a:prstGeom>
+          <a:noFill/>
+          <a:extLst>
+            <a:ext uri="{909E8E84-426E-40DD-AFC4-6F175D3DCCD1}">
+              <a14:hiddenFill xmlns:a14="http://schemas.microsoft.com/office/drawing/2010/main">
+                <a:solidFill>
+                  <a:srgbClr val="FFFFFF"/>
+                </a:solidFill>
+              </a14:hiddenFill>
+            </a:ext>
+          </a:extLst>
+        </p:spPr>
+      </p:pic>
+      <p:pic>
+        <p:nvPicPr>
+          <p:cNvPr id="5" name="potts_start.mp4">
+            <a:hlinkClick r:id="" action="ppaction://media"/>
+          </p:cNvPr>
+          <p:cNvPicPr>
+            <a:picLocks noChangeAspect="1"/>
+          </p:cNvPicPr>
+          <p:nvPr>
+            <a:videoFile r:link="rId2"/>
+            <p:extLst>
+              <p:ext uri="{DAA4B4D4-6D71-4841-9C94-3DE7FCFB9230}">
+                <p14:media xmlns:p14="http://schemas.microsoft.com/office/powerpoint/2010/main" r:embed="rId1"/>
+              </p:ext>
+            </p:extLst>
+          </p:nvPr>
+        </p:nvPicPr>
+        <p:blipFill rotWithShape="1">
+          <a:blip r:embed="rId7"/>
+          <a:srcRect l="16667" r="14584" b="5555"/>
+          <a:stretch/>
+        </p:blipFill>
+        <p:spPr>
+          <a:xfrm>
+            <a:off x="5086350" y="2126578"/>
+            <a:ext cx="2400300" cy="2473037"/>
+          </a:xfrm>
+          <a:prstGeom prst="rect">
+            <a:avLst/>
+          </a:prstGeom>
+        </p:spPr>
+      </p:pic>
+      <p:pic>
+        <p:nvPicPr>
+          <p:cNvPr id="4100" name="Picture 4" descr="C:\Users\Paul Macklin\Dropbox (USC WCC-CAMM)\talks\2015\LLNL Feb 2015\graphics\cell_automata.png"/>
+          <p:cNvPicPr>
+            <a:picLocks noChangeAspect="1" noChangeArrowheads="1"/>
+          </p:cNvPicPr>
+          <p:nvPr/>
+        </p:nvPicPr>
+        <p:blipFill>
+          <a:blip r:embed="rId8">
+            <a:extLst>
+              <a:ext uri="{28A0092B-C50C-407E-A947-70E740481C1C}">
+                <a14:useLocalDpi xmlns:a14="http://schemas.microsoft.com/office/drawing/2010/main" val="0"/>
+              </a:ext>
+            </a:extLst>
+          </a:blip>
+          <a:srcRect/>
+          <a:stretch>
+            <a:fillRect/>
+          </a:stretch>
+        </p:blipFill>
+        <p:spPr bwMode="auto">
+          <a:xfrm>
+            <a:off x="4503420" y="857250"/>
+            <a:ext cx="3429000" cy="3429000"/>
+          </a:xfrm>
+          <a:prstGeom prst="rect">
+            <a:avLst/>
+          </a:prstGeom>
+          <a:noFill/>
+          <a:extLst>
+            <a:ext uri="{909E8E84-426E-40DD-AFC4-6F175D3DCCD1}">
+              <a14:hiddenFill xmlns:a14="http://schemas.microsoft.com/office/drawing/2010/main">
+                <a:solidFill>
+                  <a:srgbClr val="FFFFFF"/>
+                </a:solidFill>
+              </a14:hiddenFill>
+            </a:ext>
+          </a:extLst>
+        </p:spPr>
+      </p:pic>
+      <p:pic>
+        <p:nvPicPr>
+          <p:cNvPr id="4101" name="Picture 5" descr="C:\Users\Paul Macklin\Dropbox (USC WCC-CAMM)\talks\2015\LLNL Feb 2015\graphics\potts2.png"/>
+          <p:cNvPicPr>
+            <a:picLocks noChangeAspect="1" noChangeArrowheads="1"/>
+          </p:cNvPicPr>
+          <p:nvPr/>
+        </p:nvPicPr>
+        <p:blipFill>
+          <a:blip r:embed="rId9" cstate="print">
+            <a:extLst>
+              <a:ext uri="{28A0092B-C50C-407E-A947-70E740481C1C}">
+                <a14:useLocalDpi xmlns:a14="http://schemas.microsoft.com/office/drawing/2010/main" val="0"/>
+              </a:ext>
+            </a:extLst>
+          </a:blip>
+          <a:srcRect/>
+          <a:stretch>
+            <a:fillRect/>
+          </a:stretch>
+        </p:blipFill>
+        <p:spPr bwMode="auto">
+          <a:xfrm>
+            <a:off x="4503420" y="857250"/>
+            <a:ext cx="3429000" cy="3429000"/>
+          </a:xfrm>
+          <a:prstGeom prst="rect">
+            <a:avLst/>
+          </a:prstGeom>
+          <a:noFill/>
+          <a:extLst>
+            <a:ext uri="{909E8E84-426E-40DD-AFC4-6F175D3DCCD1}">
+              <a14:hiddenFill xmlns:a14="http://schemas.microsoft.com/office/drawing/2010/main">
+                <a:solidFill>
+                  <a:srgbClr val="FFFFFF"/>
+                </a:solidFill>
+              </a14:hiddenFill>
+            </a:ext>
+          </a:extLst>
+        </p:spPr>
+      </p:pic>
+    </p:spTree>
+    <p:extLst>
+      <p:ext uri="{BB962C8B-B14F-4D97-AF65-F5344CB8AC3E}">
+        <p14:creationId xmlns:p14="http://schemas.microsoft.com/office/powerpoint/2010/main" val="3927450031"/>
+      </p:ext>
+    </p:extLst>
+  </p:cSld>
+  <p:clrMapOvr>
+    <a:masterClrMapping/>
+  </p:clrMapOvr>
+  <p:timing>
+    <p:tnLst>
+      <p:par>
+        <p:cTn id="1" dur="indefinite" restart="never" nodeType="tmRoot">
+          <p:childTnLst>
+            <p:seq concurrent="1" nextAc="seek">
+              <p:cTn id="2" dur="indefinite" nodeType="mainSeq">
+                <p:childTnLst>
+                  <p:par>
+                    <p:cTn id="3" fill="hold">
+                      <p:stCondLst>
+                        <p:cond delay="indefinite"/>
+                      </p:stCondLst>
+                      <p:childTnLst>
+                        <p:par>
+                          <p:cTn id="4" fill="hold">
+                            <p:stCondLst>
+                              <p:cond delay="0"/>
+                            </p:stCondLst>
+                            <p:childTnLst>
+                              <p:par>
+                                <p:cTn id="5" presetID="10" presetClass="entr" presetSubtype="0" fill="hold" nodeType="clickEffect">
+                                  <p:stCondLst>
+                                    <p:cond delay="0"/>
+                                  </p:stCondLst>
+                                  <p:childTnLst>
+                                    <p:set>
+                                      <p:cBhvr>
+                                        <p:cTn id="6" dur="1" fill="hold">
+                                          <p:stCondLst>
+                                            <p:cond delay="0"/>
+                                          </p:stCondLst>
+                                        </p:cTn>
+                                        <p:tgtEl>
+                                          <p:spTgt spid="4">
+                                            <p:txEl>
+                                              <p:pRg st="0" end="0"/>
+                                            </p:txEl>
+                                          </p:spTgt>
+                                        </p:tgtEl>
+                                        <p:attrNameLst>
+                                          <p:attrName>style.visibility</p:attrName>
+                                        </p:attrNameLst>
+                                      </p:cBhvr>
+                                      <p:to>
+                                        <p:strVal val="visible"/>
+                                      </p:to>
+                                    </p:set>
+                                    <p:animEffect transition="in" filter="fade">
+                                      <p:cBhvr>
+                                        <p:cTn id="7" dur="500"/>
+                                        <p:tgtEl>
+                                          <p:spTgt spid="4">
+                                            <p:txEl>
+                                              <p:pRg st="0" end="0"/>
+                                            </p:txEl>
+                                          </p:spTgt>
+                                        </p:tgtEl>
+                                      </p:cBhvr>
+                                    </p:animEffect>
+                                  </p:childTnLst>
+                                </p:cTn>
+                              </p:par>
+                            </p:childTnLst>
+                          </p:cTn>
+                        </p:par>
+                        <p:par>
+                          <p:cTn id="8" fill="hold">
+                            <p:stCondLst>
+                              <p:cond delay="500"/>
+                            </p:stCondLst>
+                            <p:childTnLst>
+                              <p:par>
+                                <p:cTn id="9" presetID="10" presetClass="entr" presetSubtype="0" fill="hold" nodeType="afterEffect">
+                                  <p:stCondLst>
+                                    <p:cond delay="0"/>
+                                  </p:stCondLst>
+                                  <p:childTnLst>
+                                    <p:set>
+                                      <p:cBhvr>
+                                        <p:cTn id="10" dur="1" fill="hold">
+                                          <p:stCondLst>
+                                            <p:cond delay="0"/>
+                                          </p:stCondLst>
+                                        </p:cTn>
+                                        <p:tgtEl>
+                                          <p:spTgt spid="4101"/>
+                                        </p:tgtEl>
+                                        <p:attrNameLst>
+                                          <p:attrName>style.visibility</p:attrName>
+                                        </p:attrNameLst>
+                                      </p:cBhvr>
+                                      <p:to>
+                                        <p:strVal val="visible"/>
+                                      </p:to>
+                                    </p:set>
+                                    <p:animEffect transition="in" filter="fade">
+                                      <p:cBhvr>
+                                        <p:cTn id="11" dur="500"/>
+                                        <p:tgtEl>
+                                          <p:spTgt spid="4101"/>
+                                        </p:tgtEl>
+                                      </p:cBhvr>
+                                    </p:animEffect>
+                                  </p:childTnLst>
+                                </p:cTn>
+                              </p:par>
+                            </p:childTnLst>
+                          </p:cTn>
+                        </p:par>
+                        <p:par>
+                          <p:cTn id="12" fill="hold">
+                            <p:stCondLst>
+                              <p:cond delay="1000"/>
+                            </p:stCondLst>
+                            <p:childTnLst>
+                              <p:par>
+                                <p:cTn id="13" presetID="10" presetClass="exit" presetSubtype="0" fill="hold" nodeType="afterEffect">
+                                  <p:stCondLst>
+                                    <p:cond delay="0"/>
+                                  </p:stCondLst>
+                                  <p:childTnLst>
+                                    <p:animEffect transition="out" filter="fade">
+                                      <p:cBhvr>
+                                        <p:cTn id="14" dur="500"/>
+                                        <p:tgtEl>
+                                          <p:spTgt spid="4100"/>
+                                        </p:tgtEl>
+                                      </p:cBhvr>
+                                    </p:animEffect>
+                                    <p:set>
+                                      <p:cBhvr>
+                                        <p:cTn id="15" dur="1" fill="hold">
+                                          <p:stCondLst>
+                                            <p:cond delay="499"/>
+                                          </p:stCondLst>
+                                        </p:cTn>
+                                        <p:tgtEl>
+                                          <p:spTgt spid="4100"/>
+                                        </p:tgtEl>
+                                        <p:attrNameLst>
+                                          <p:attrName>style.visibility</p:attrName>
+                                        </p:attrNameLst>
+                                      </p:cBhvr>
+                                      <p:to>
+                                        <p:strVal val="hidden"/>
+                                      </p:to>
+                                    </p:set>
+                                  </p:childTnLst>
+                                </p:cTn>
+                              </p:par>
+                              <p:par>
+                                <p:cTn id="16" presetID="10" presetClass="entr" presetSubtype="0" fill="hold" nodeType="withEffect">
+                                  <p:stCondLst>
+                                    <p:cond delay="0"/>
+                                  </p:stCondLst>
+                                  <p:childTnLst>
+                                    <p:set>
+                                      <p:cBhvr>
+                                        <p:cTn id="17" dur="1" fill="hold">
+                                          <p:stCondLst>
+                                            <p:cond delay="0"/>
+                                          </p:stCondLst>
+                                        </p:cTn>
+                                        <p:tgtEl>
+                                          <p:spTgt spid="4">
+                                            <p:txEl>
+                                              <p:pRg st="1" end="1"/>
+                                            </p:txEl>
+                                          </p:spTgt>
+                                        </p:tgtEl>
+                                        <p:attrNameLst>
+                                          <p:attrName>style.visibility</p:attrName>
+                                        </p:attrNameLst>
+                                      </p:cBhvr>
+                                      <p:to>
+                                        <p:strVal val="visible"/>
+                                      </p:to>
+                                    </p:set>
+                                    <p:animEffect transition="in" filter="fade">
+                                      <p:cBhvr>
+                                        <p:cTn id="18" dur="500"/>
+                                        <p:tgtEl>
+                                          <p:spTgt spid="4">
+                                            <p:txEl>
+                                              <p:pRg st="1" end="1"/>
+                                            </p:txEl>
+                                          </p:spTgt>
+                                        </p:tgtEl>
+                                      </p:cBhvr>
+                                    </p:animEffect>
+                                  </p:childTnLst>
+                                </p:cTn>
+                              </p:par>
+                              <p:par>
+                                <p:cTn id="19" presetID="10" presetClass="entr" presetSubtype="0" fill="hold" nodeType="withEffect">
+                                  <p:stCondLst>
+                                    <p:cond delay="0"/>
+                                  </p:stCondLst>
+                                  <p:childTnLst>
+                                    <p:set>
+                                      <p:cBhvr>
+                                        <p:cTn id="20" dur="1" fill="hold">
+                                          <p:stCondLst>
+                                            <p:cond delay="0"/>
+                                          </p:stCondLst>
+                                        </p:cTn>
+                                        <p:tgtEl>
+                                          <p:spTgt spid="4">
+                                            <p:txEl>
+                                              <p:pRg st="2" end="2"/>
+                                            </p:txEl>
+                                          </p:spTgt>
+                                        </p:tgtEl>
+                                        <p:attrNameLst>
+                                          <p:attrName>style.visibility</p:attrName>
+                                        </p:attrNameLst>
+                                      </p:cBhvr>
+                                      <p:to>
+                                        <p:strVal val="visible"/>
+                                      </p:to>
+                                    </p:set>
+                                    <p:animEffect transition="in" filter="fade">
+                                      <p:cBhvr>
+                                        <p:cTn id="21" dur="500"/>
+                                        <p:tgtEl>
+                                          <p:spTgt spid="4">
+                                            <p:txEl>
+                                              <p:pRg st="2" end="2"/>
+                                            </p:txEl>
+                                          </p:spTgt>
+                                        </p:tgtEl>
+                                      </p:cBhvr>
+                                    </p:animEffect>
+                                  </p:childTnLst>
+                                </p:cTn>
+                              </p:par>
+                              <p:par>
+                                <p:cTn id="22" presetID="10" presetClass="entr" presetSubtype="0" fill="hold" nodeType="withEffect">
+                                  <p:stCondLst>
+                                    <p:cond delay="0"/>
+                                  </p:stCondLst>
+                                  <p:childTnLst>
+                                    <p:set>
+                                      <p:cBhvr>
+                                        <p:cTn id="23" dur="1" fill="hold">
+                                          <p:stCondLst>
+                                            <p:cond delay="0"/>
+                                          </p:stCondLst>
+                                        </p:cTn>
+                                        <p:tgtEl>
+                                          <p:spTgt spid="4">
+                                            <p:txEl>
+                                              <p:pRg st="3" end="3"/>
+                                            </p:txEl>
+                                          </p:spTgt>
+                                        </p:tgtEl>
+                                        <p:attrNameLst>
+                                          <p:attrName>style.visibility</p:attrName>
+                                        </p:attrNameLst>
+                                      </p:cBhvr>
+                                      <p:to>
+                                        <p:strVal val="visible"/>
+                                      </p:to>
+                                    </p:set>
+                                    <p:animEffect transition="in" filter="fade">
+                                      <p:cBhvr>
+                                        <p:cTn id="24" dur="500"/>
+                                        <p:tgtEl>
+                                          <p:spTgt spid="4">
+                                            <p:txEl>
+                                              <p:pRg st="3" end="3"/>
+                                            </p:txEl>
+                                          </p:spTgt>
+                                        </p:tgtEl>
+                                      </p:cBhvr>
+                                    </p:animEffect>
+                                  </p:childTnLst>
+                                </p:cTn>
+                              </p:par>
+                              <p:par>
+                                <p:cTn id="25" presetID="10" presetClass="entr" presetSubtype="0" fill="hold" nodeType="withEffect">
+                                  <p:stCondLst>
+                                    <p:cond delay="0"/>
+                                  </p:stCondLst>
+                                  <p:childTnLst>
+                                    <p:set>
+                                      <p:cBhvr>
+                                        <p:cTn id="26" dur="1" fill="hold">
+                                          <p:stCondLst>
+                                            <p:cond delay="0"/>
+                                          </p:stCondLst>
+                                        </p:cTn>
+                                        <p:tgtEl>
+                                          <p:spTgt spid="4">
+                                            <p:txEl>
+                                              <p:pRg st="4" end="4"/>
+                                            </p:txEl>
+                                          </p:spTgt>
+                                        </p:tgtEl>
+                                        <p:attrNameLst>
+                                          <p:attrName>style.visibility</p:attrName>
+                                        </p:attrNameLst>
+                                      </p:cBhvr>
+                                      <p:to>
+                                        <p:strVal val="visible"/>
+                                      </p:to>
+                                    </p:set>
+                                    <p:animEffect transition="in" filter="fade">
+                                      <p:cBhvr>
+                                        <p:cTn id="27" dur="500"/>
+                                        <p:tgtEl>
+                                          <p:spTgt spid="4">
+                                            <p:txEl>
+                                              <p:pRg st="4" end="4"/>
+                                            </p:txEl>
+                                          </p:spTgt>
+                                        </p:tgtEl>
+                                      </p:cBhvr>
+                                    </p:animEffect>
+                                  </p:childTnLst>
+                                </p:cTn>
+                              </p:par>
+                            </p:childTnLst>
+                          </p:cTn>
+                        </p:par>
+                      </p:childTnLst>
+                    </p:cTn>
+                  </p:par>
+                  <p:par>
+                    <p:cTn id="28" fill="hold">
+                      <p:stCondLst>
+                        <p:cond delay="indefinite"/>
+                      </p:stCondLst>
+                      <p:childTnLst>
+                        <p:par>
+                          <p:cTn id="29" fill="hold">
+                            <p:stCondLst>
+                              <p:cond delay="0"/>
+                            </p:stCondLst>
+                            <p:childTnLst>
+                              <p:par>
+                                <p:cTn id="30" presetID="10" presetClass="exit" presetSubtype="0" fill="hold" nodeType="clickEffect">
+                                  <p:stCondLst>
+                                    <p:cond delay="0"/>
+                                  </p:stCondLst>
+                                  <p:childTnLst>
+                                    <p:animEffect transition="out" filter="fade">
+                                      <p:cBhvr>
+                                        <p:cTn id="31" dur="500"/>
+                                        <p:tgtEl>
+                                          <p:spTgt spid="4101"/>
+                                        </p:tgtEl>
+                                      </p:cBhvr>
+                                    </p:animEffect>
+                                    <p:set>
+                                      <p:cBhvr>
+                                        <p:cTn id="32" dur="1" fill="hold">
+                                          <p:stCondLst>
+                                            <p:cond delay="499"/>
+                                          </p:stCondLst>
+                                        </p:cTn>
+                                        <p:tgtEl>
+                                          <p:spTgt spid="4101"/>
+                                        </p:tgtEl>
+                                        <p:attrNameLst>
+                                          <p:attrName>style.visibility</p:attrName>
+                                        </p:attrNameLst>
+                                      </p:cBhvr>
+                                      <p:to>
+                                        <p:strVal val="hidden"/>
+                                      </p:to>
+                                    </p:set>
+                                  </p:childTnLst>
+                                </p:cTn>
+                              </p:par>
+                            </p:childTnLst>
+                          </p:cTn>
+                        </p:par>
+                        <p:par>
+                          <p:cTn id="33" fill="hold">
+                            <p:stCondLst>
+                              <p:cond delay="500"/>
+                            </p:stCondLst>
+                            <p:childTnLst>
+                              <p:par>
+                                <p:cTn id="34" presetID="10" presetClass="entr" presetSubtype="0" fill="hold" nodeType="afterEffect">
+                                  <p:stCondLst>
+                                    <p:cond delay="0"/>
+                                  </p:stCondLst>
+                                  <p:childTnLst>
+                                    <p:set>
+                                      <p:cBhvr>
+                                        <p:cTn id="35" dur="1" fill="hold">
+                                          <p:stCondLst>
+                                            <p:cond delay="0"/>
+                                          </p:stCondLst>
+                                        </p:cTn>
+                                        <p:tgtEl>
+                                          <p:spTgt spid="4098"/>
+                                        </p:tgtEl>
+                                        <p:attrNameLst>
+                                          <p:attrName>style.visibility</p:attrName>
+                                        </p:attrNameLst>
+                                      </p:cBhvr>
+                                      <p:to>
+                                        <p:strVal val="visible"/>
+                                      </p:to>
+                                    </p:set>
+                                    <p:animEffect transition="in" filter="fade">
+                                      <p:cBhvr>
+                                        <p:cTn id="36" dur="500"/>
+                                        <p:tgtEl>
+                                          <p:spTgt spid="4098"/>
+                                        </p:tgtEl>
+                                      </p:cBhvr>
+                                    </p:animEffect>
+                                  </p:childTnLst>
+                                </p:cTn>
+                              </p:par>
+                            </p:childTnLst>
+                          </p:cTn>
+                        </p:par>
+                        <p:par>
+                          <p:cTn id="37" fill="hold">
+                            <p:stCondLst>
+                              <p:cond delay="1000"/>
+                            </p:stCondLst>
+                            <p:childTnLst>
+                              <p:par>
+                                <p:cTn id="38" presetID="10" presetClass="entr" presetSubtype="0" fill="hold" nodeType="afterEffect">
+                                  <p:stCondLst>
+                                    <p:cond delay="500"/>
+                                  </p:stCondLst>
+                                  <p:childTnLst>
+                                    <p:set>
+                                      <p:cBhvr>
+                                        <p:cTn id="39" dur="1" fill="hold">
+                                          <p:stCondLst>
+                                            <p:cond delay="0"/>
+                                          </p:stCondLst>
+                                        </p:cTn>
+                                        <p:tgtEl>
+                                          <p:spTgt spid="5"/>
+                                        </p:tgtEl>
+                                        <p:attrNameLst>
+                                          <p:attrName>style.visibility</p:attrName>
+                                        </p:attrNameLst>
+                                      </p:cBhvr>
+                                      <p:to>
+                                        <p:strVal val="visible"/>
+                                      </p:to>
+                                    </p:set>
+                                    <p:animEffect transition="in" filter="fade">
+                                      <p:cBhvr>
+                                        <p:cTn id="40" dur="500"/>
+                                        <p:tgtEl>
+                                          <p:spTgt spid="5"/>
+                                        </p:tgtEl>
+                                      </p:cBhvr>
+                                    </p:animEffect>
+                                  </p:childTnLst>
+                                </p:cTn>
+                              </p:par>
+                              <p:par>
+                                <p:cTn id="41" presetID="1" presetClass="mediacall" presetSubtype="0" fill="hold" nodeType="withEffect">
+                                  <p:stCondLst>
+                                    <p:cond delay="500"/>
+                                  </p:stCondLst>
+                                  <p:childTnLst>
+                                    <p:cmd type="call" cmd="playFrom(0.0)">
+                                      <p:cBhvr>
+                                        <p:cTn id="42" dur="22600" fill="hold"/>
+                                        <p:tgtEl>
+                                          <p:spTgt spid="5"/>
+                                        </p:tgtEl>
+                                      </p:cBhvr>
+                                    </p:cmd>
+                                  </p:childTnLst>
+                                </p:cTn>
+                              </p:par>
+                              <p:par>
+                                <p:cTn id="43" presetID="10" presetClass="entr" presetSubtype="0" fill="hold" nodeType="withEffect">
+                                  <p:stCondLst>
+                                    <p:cond delay="15000"/>
+                                  </p:stCondLst>
+                                  <p:childTnLst>
+                                    <p:set>
+                                      <p:cBhvr>
+                                        <p:cTn id="44" dur="1" fill="hold">
+                                          <p:stCondLst>
+                                            <p:cond delay="0"/>
+                                          </p:stCondLst>
+                                        </p:cTn>
+                                        <p:tgtEl>
+                                          <p:spTgt spid="4099"/>
+                                        </p:tgtEl>
+                                        <p:attrNameLst>
+                                          <p:attrName>style.visibility</p:attrName>
+                                        </p:attrNameLst>
+                                      </p:cBhvr>
+                                      <p:to>
+                                        <p:strVal val="visible"/>
+                                      </p:to>
+                                    </p:set>
+                                    <p:animEffect transition="in" filter="fade">
+                                      <p:cBhvr>
+                                        <p:cTn id="45" dur="1500"/>
+                                        <p:tgtEl>
+                                          <p:spTgt spid="4099"/>
+                                        </p:tgtEl>
+                                      </p:cBhvr>
+                                    </p:animEffect>
+                                  </p:childTnLst>
+                                </p:cTn>
+                              </p:par>
+                            </p:childTnLst>
+                          </p:cTn>
+                        </p:par>
+                      </p:childTnLst>
+                    </p:cTn>
+                  </p:par>
+                  <p:par>
+                    <p:cTn id="46" fill="hold">
+                      <p:stCondLst>
+                        <p:cond delay="indefinite"/>
+                      </p:stCondLst>
+                      <p:childTnLst>
+                        <p:par>
+                          <p:cTn id="47" fill="hold">
+                            <p:stCondLst>
+                              <p:cond delay="0"/>
+                            </p:stCondLst>
+                            <p:childTnLst>
+                              <p:par>
+                                <p:cTn id="48" presetID="10" presetClass="entr" presetSubtype="0" fill="hold" nodeType="clickEffect">
+                                  <p:stCondLst>
+                                    <p:cond delay="0"/>
+                                  </p:stCondLst>
+                                  <p:childTnLst>
+                                    <p:set>
+                                      <p:cBhvr>
+                                        <p:cTn id="49" dur="1" fill="hold">
+                                          <p:stCondLst>
+                                            <p:cond delay="0"/>
+                                          </p:stCondLst>
+                                        </p:cTn>
+                                        <p:tgtEl>
+                                          <p:spTgt spid="4">
+                                            <p:txEl>
+                                              <p:pRg st="5" end="5"/>
+                                            </p:txEl>
+                                          </p:spTgt>
+                                        </p:tgtEl>
+                                        <p:attrNameLst>
+                                          <p:attrName>style.visibility</p:attrName>
+                                        </p:attrNameLst>
+                                      </p:cBhvr>
+                                      <p:to>
+                                        <p:strVal val="visible"/>
+                                      </p:to>
+                                    </p:set>
+                                    <p:animEffect transition="in" filter="fade">
+                                      <p:cBhvr>
+                                        <p:cTn id="50" dur="500"/>
+                                        <p:tgtEl>
+                                          <p:spTgt spid="4">
+                                            <p:txEl>
+                                              <p:pRg st="5" end="5"/>
+                                            </p:txEl>
+                                          </p:spTgt>
+                                        </p:tgtEl>
+                                      </p:cBhvr>
+                                    </p:animEffect>
+                                  </p:childTnLst>
+                                </p:cTn>
+                              </p:par>
+                              <p:par>
+                                <p:cTn id="51" presetID="10" presetClass="entr" presetSubtype="0" fill="hold" nodeType="withEffect">
+                                  <p:stCondLst>
+                                    <p:cond delay="0"/>
+                                  </p:stCondLst>
+                                  <p:childTnLst>
+                                    <p:set>
+                                      <p:cBhvr>
+                                        <p:cTn id="52" dur="1" fill="hold">
+                                          <p:stCondLst>
+                                            <p:cond delay="0"/>
+                                          </p:stCondLst>
+                                        </p:cTn>
+                                        <p:tgtEl>
+                                          <p:spTgt spid="4">
+                                            <p:txEl>
+                                              <p:pRg st="6" end="6"/>
+                                            </p:txEl>
+                                          </p:spTgt>
+                                        </p:tgtEl>
+                                        <p:attrNameLst>
+                                          <p:attrName>style.visibility</p:attrName>
+                                        </p:attrNameLst>
+                                      </p:cBhvr>
+                                      <p:to>
+                                        <p:strVal val="visible"/>
+                                      </p:to>
+                                    </p:set>
+                                    <p:animEffect transition="in" filter="fade">
+                                      <p:cBhvr>
+                                        <p:cTn id="53" dur="500"/>
+                                        <p:tgtEl>
+                                          <p:spTgt spid="4">
+                                            <p:txEl>
+                                              <p:pRg st="6" end="6"/>
+                                            </p:txEl>
+                                          </p:spTgt>
+                                        </p:tgtEl>
+                                      </p:cBhvr>
+                                    </p:animEffect>
+                                  </p:childTnLst>
+                                </p:cTn>
+                              </p:par>
+                              <p:par>
+                                <p:cTn id="54" presetID="10" presetClass="entr" presetSubtype="0" fill="hold" nodeType="withEffect">
+                                  <p:stCondLst>
+                                    <p:cond delay="0"/>
+                                  </p:stCondLst>
+                                  <p:childTnLst>
+                                    <p:set>
+                                      <p:cBhvr>
+                                        <p:cTn id="55" dur="1" fill="hold">
+                                          <p:stCondLst>
+                                            <p:cond delay="0"/>
+                                          </p:stCondLst>
+                                        </p:cTn>
+                                        <p:tgtEl>
+                                          <p:spTgt spid="4">
+                                            <p:txEl>
+                                              <p:pRg st="7" end="7"/>
+                                            </p:txEl>
+                                          </p:spTgt>
+                                        </p:tgtEl>
+                                        <p:attrNameLst>
+                                          <p:attrName>style.visibility</p:attrName>
+                                        </p:attrNameLst>
+                                      </p:cBhvr>
+                                      <p:to>
+                                        <p:strVal val="visible"/>
+                                      </p:to>
+                                    </p:set>
+                                    <p:animEffect transition="in" filter="fade">
+                                      <p:cBhvr>
+                                        <p:cTn id="56" dur="500"/>
+                                        <p:tgtEl>
+                                          <p:spTgt spid="4">
+                                            <p:txEl>
+                                              <p:pRg st="7" end="7"/>
+                                            </p:txEl>
+                                          </p:spTgt>
+                                        </p:tgtEl>
+                                      </p:cBhvr>
+                                    </p:animEffect>
+                                  </p:childTnLst>
+                                </p:cTn>
+                              </p:par>
+                              <p:par>
+                                <p:cTn id="57" presetID="10" presetClass="entr" presetSubtype="0" fill="hold" nodeType="withEffect">
+                                  <p:stCondLst>
+                                    <p:cond delay="0"/>
+                                  </p:stCondLst>
+                                  <p:childTnLst>
+                                    <p:set>
+                                      <p:cBhvr>
+                                        <p:cTn id="58" dur="1" fill="hold">
+                                          <p:stCondLst>
+                                            <p:cond delay="0"/>
+                                          </p:stCondLst>
+                                        </p:cTn>
+                                        <p:tgtEl>
+                                          <p:spTgt spid="4">
+                                            <p:txEl>
+                                              <p:pRg st="8" end="8"/>
+                                            </p:txEl>
+                                          </p:spTgt>
+                                        </p:tgtEl>
+                                        <p:attrNameLst>
+                                          <p:attrName>style.visibility</p:attrName>
+                                        </p:attrNameLst>
+                                      </p:cBhvr>
+                                      <p:to>
+                                        <p:strVal val="visible"/>
+                                      </p:to>
+                                    </p:set>
+                                    <p:animEffect transition="in" filter="fade">
+                                      <p:cBhvr>
+                                        <p:cTn id="59" dur="500"/>
+                                        <p:tgtEl>
+                                          <p:spTgt spid="4">
+                                            <p:txEl>
+                                              <p:pRg st="8" end="8"/>
+                                            </p:txEl>
+                                          </p:spTgt>
+                                        </p:tgtEl>
+                                      </p:cBhvr>
+                                    </p:animEffect>
+                                  </p:childTnLst>
+                                </p:cTn>
+                              </p:par>
+                            </p:childTnLst>
+                          </p:cTn>
+                        </p:par>
+                      </p:childTnLst>
+                    </p:cTn>
+                  </p:par>
+                  <p:par>
+                    <p:cTn id="60" fill="hold">
+                      <p:stCondLst>
+                        <p:cond delay="indefinite"/>
+                      </p:stCondLst>
+                      <p:childTnLst>
+                        <p:par>
+                          <p:cTn id="61" fill="hold">
+                            <p:stCondLst>
+                              <p:cond delay="0"/>
+                            </p:stCondLst>
+                            <p:childTnLst>
+                              <p:par>
+                                <p:cTn id="62" presetID="10" presetClass="entr" presetSubtype="0" fill="hold" nodeType="clickEffect">
+                                  <p:stCondLst>
+                                    <p:cond delay="0"/>
+                                  </p:stCondLst>
+                                  <p:childTnLst>
+                                    <p:set>
+                                      <p:cBhvr>
+                                        <p:cTn id="63" dur="1" fill="hold">
+                                          <p:stCondLst>
+                                            <p:cond delay="0"/>
+                                          </p:stCondLst>
+                                        </p:cTn>
+                                        <p:tgtEl>
+                                          <p:spTgt spid="4">
+                                            <p:txEl>
+                                              <p:pRg st="9" end="9"/>
+                                            </p:txEl>
+                                          </p:spTgt>
+                                        </p:tgtEl>
+                                        <p:attrNameLst>
+                                          <p:attrName>style.visibility</p:attrName>
+                                        </p:attrNameLst>
+                                      </p:cBhvr>
+                                      <p:to>
+                                        <p:strVal val="visible"/>
+                                      </p:to>
+                                    </p:set>
+                                    <p:animEffect transition="in" filter="fade">
+                                      <p:cBhvr>
+                                        <p:cTn id="64" dur="500"/>
+                                        <p:tgtEl>
+                                          <p:spTgt spid="4">
+                                            <p:txEl>
+                                              <p:pRg st="9" end="9"/>
+                                            </p:txEl>
+                                          </p:spTgt>
+                                        </p:tgtEl>
+                                      </p:cBhvr>
+                                    </p:animEffect>
+                                  </p:childTnLst>
+                                </p:cTn>
+                              </p:par>
+                              <p:par>
+                                <p:cTn id="65" presetID="10" presetClass="entr" presetSubtype="0" fill="hold" nodeType="withEffect">
+                                  <p:stCondLst>
+                                    <p:cond delay="0"/>
+                                  </p:stCondLst>
+                                  <p:childTnLst>
+                                    <p:set>
+                                      <p:cBhvr>
+                                        <p:cTn id="66" dur="1" fill="hold">
+                                          <p:stCondLst>
+                                            <p:cond delay="0"/>
+                                          </p:stCondLst>
+                                        </p:cTn>
+                                        <p:tgtEl>
+                                          <p:spTgt spid="4">
+                                            <p:txEl>
+                                              <p:pRg st="10" end="10"/>
+                                            </p:txEl>
+                                          </p:spTgt>
+                                        </p:tgtEl>
+                                        <p:attrNameLst>
+                                          <p:attrName>style.visibility</p:attrName>
+                                        </p:attrNameLst>
+                                      </p:cBhvr>
+                                      <p:to>
+                                        <p:strVal val="visible"/>
+                                      </p:to>
+                                    </p:set>
+                                    <p:animEffect transition="in" filter="fade">
+                                      <p:cBhvr>
+                                        <p:cTn id="67" dur="500"/>
+                                        <p:tgtEl>
+                                          <p:spTgt spid="4">
+                                            <p:txEl>
+                                              <p:pRg st="10" end="10"/>
+                                            </p:txEl>
+                                          </p:spTgt>
+                                        </p:tgtEl>
+                                      </p:cBhvr>
+                                    </p:animEffect>
+                                  </p:childTnLst>
+                                </p:cTn>
+                              </p:par>
+                              <p:par>
+                                <p:cTn id="68" presetID="10" presetClass="entr" presetSubtype="0" fill="hold" nodeType="withEffect">
+                                  <p:stCondLst>
+                                    <p:cond delay="0"/>
+                                  </p:stCondLst>
+                                  <p:childTnLst>
+                                    <p:set>
+                                      <p:cBhvr>
+                                        <p:cTn id="69" dur="1" fill="hold">
+                                          <p:stCondLst>
+                                            <p:cond delay="0"/>
+                                          </p:stCondLst>
+                                        </p:cTn>
+                                        <p:tgtEl>
+                                          <p:spTgt spid="4">
+                                            <p:txEl>
+                                              <p:pRg st="11" end="11"/>
+                                            </p:txEl>
+                                          </p:spTgt>
+                                        </p:tgtEl>
+                                        <p:attrNameLst>
+                                          <p:attrName>style.visibility</p:attrName>
+                                        </p:attrNameLst>
+                                      </p:cBhvr>
+                                      <p:to>
+                                        <p:strVal val="visible"/>
+                                      </p:to>
+                                    </p:set>
+                                    <p:animEffect transition="in" filter="fade">
+                                      <p:cBhvr>
+                                        <p:cTn id="70" dur="500"/>
+                                        <p:tgtEl>
+                                          <p:spTgt spid="4">
+                                            <p:txEl>
+                                              <p:pRg st="11" end="11"/>
+                                            </p:txEl>
+                                          </p:spTgt>
+                                        </p:tgtEl>
+                                      </p:cBhvr>
+                                    </p:animEffect>
+                                  </p:childTnLst>
+                                </p:cTn>
+                              </p:par>
+                              <p:par>
+                                <p:cTn id="71" presetID="10" presetClass="entr" presetSubtype="0" fill="hold" nodeType="withEffect">
+                                  <p:stCondLst>
+                                    <p:cond delay="0"/>
+                                  </p:stCondLst>
+                                  <p:childTnLst>
+                                    <p:set>
+                                      <p:cBhvr>
+                                        <p:cTn id="72" dur="1" fill="hold">
+                                          <p:stCondLst>
+                                            <p:cond delay="0"/>
+                                          </p:stCondLst>
+                                        </p:cTn>
+                                        <p:tgtEl>
+                                          <p:spTgt spid="4">
+                                            <p:txEl>
+                                              <p:pRg st="12" end="12"/>
+                                            </p:txEl>
+                                          </p:spTgt>
+                                        </p:tgtEl>
+                                        <p:attrNameLst>
+                                          <p:attrName>style.visibility</p:attrName>
+                                        </p:attrNameLst>
+                                      </p:cBhvr>
+                                      <p:to>
+                                        <p:strVal val="visible"/>
+                                      </p:to>
+                                    </p:set>
+                                    <p:animEffect transition="in" filter="fade">
+                                      <p:cBhvr>
+                                        <p:cTn id="73" dur="500"/>
+                                        <p:tgtEl>
+                                          <p:spTgt spid="4">
+                                            <p:txEl>
+                                              <p:pRg st="12" end="12"/>
+                                            </p:txEl>
+                                          </p:spTgt>
+                                        </p:tgtEl>
+                                      </p:cBhvr>
+                                    </p:animEffect>
+                                  </p:childTnLst>
+                                </p:cTn>
+                              </p:par>
+                              <p:par>
+                                <p:cTn id="74" presetID="10" presetClass="entr" presetSubtype="0" fill="hold" nodeType="withEffect">
+                                  <p:stCondLst>
+                                    <p:cond delay="0"/>
+                                  </p:stCondLst>
+                                  <p:childTnLst>
+                                    <p:set>
+                                      <p:cBhvr>
+                                        <p:cTn id="75" dur="1" fill="hold">
+                                          <p:stCondLst>
+                                            <p:cond delay="0"/>
+                                          </p:stCondLst>
+                                        </p:cTn>
+                                        <p:tgtEl>
+                                          <p:spTgt spid="4">
+                                            <p:txEl>
+                                              <p:pRg st="13" end="13"/>
+                                            </p:txEl>
+                                          </p:spTgt>
+                                        </p:tgtEl>
+                                        <p:attrNameLst>
+                                          <p:attrName>style.visibility</p:attrName>
+                                        </p:attrNameLst>
+                                      </p:cBhvr>
+                                      <p:to>
+                                        <p:strVal val="visible"/>
+                                      </p:to>
+                                    </p:set>
+                                    <p:animEffect transition="in" filter="fade">
+                                      <p:cBhvr>
+                                        <p:cTn id="76" dur="500"/>
+                                        <p:tgtEl>
+                                          <p:spTgt spid="4">
+                                            <p:txEl>
+                                              <p:pRg st="13" end="13"/>
+                                            </p:txEl>
+                                          </p:spTgt>
+                                        </p:tgtEl>
+                                      </p:cBhvr>
+                                    </p:animEffect>
+                                  </p:childTnLst>
+                                </p:cTn>
+                              </p:par>
+                            </p:childTnLst>
+                          </p:cTn>
+                        </p:par>
+                      </p:childTnLst>
+                    </p:cTn>
+                  </p:par>
+                  <p:par>
+                    <p:cTn id="77" fill="hold">
+                      <p:stCondLst>
+                        <p:cond delay="indefinite"/>
+                      </p:stCondLst>
+                      <p:childTnLst>
+                        <p:par>
+                          <p:cTn id="78" fill="hold">
+                            <p:stCondLst>
+                              <p:cond delay="0"/>
+                            </p:stCondLst>
+                            <p:childTnLst>
+                              <p:par>
+                                <p:cTn id="79" presetID="10" presetClass="entr" presetSubtype="0" fill="hold" nodeType="clickEffect">
+                                  <p:stCondLst>
+                                    <p:cond delay="0"/>
+                                  </p:stCondLst>
+                                  <p:childTnLst>
+                                    <p:set>
+                                      <p:cBhvr>
+                                        <p:cTn id="80" dur="1" fill="hold">
+                                          <p:stCondLst>
+                                            <p:cond delay="0"/>
+                                          </p:stCondLst>
+                                        </p:cTn>
+                                        <p:tgtEl>
+                                          <p:spTgt spid="4">
+                                            <p:txEl>
+                                              <p:pRg st="14" end="14"/>
+                                            </p:txEl>
+                                          </p:spTgt>
+                                        </p:tgtEl>
+                                        <p:attrNameLst>
+                                          <p:attrName>style.visibility</p:attrName>
+                                        </p:attrNameLst>
+                                      </p:cBhvr>
+                                      <p:to>
+                                        <p:strVal val="visible"/>
+                                      </p:to>
+                                    </p:set>
+                                    <p:animEffect transition="in" filter="fade">
+                                      <p:cBhvr>
+                                        <p:cTn id="81" dur="500"/>
+                                        <p:tgtEl>
+                                          <p:spTgt spid="4">
+                                            <p:txEl>
+                                              <p:pRg st="14" end="14"/>
+                                            </p:txEl>
+                                          </p:spTgt>
+                                        </p:tgtEl>
+                                      </p:cBhvr>
+                                    </p:animEffect>
+                                  </p:childTnLst>
+                                </p:cTn>
+                              </p:par>
+                              <p:par>
+                                <p:cTn id="82" presetID="10" presetClass="entr" presetSubtype="0" fill="hold" nodeType="withEffect">
+                                  <p:stCondLst>
+                                    <p:cond delay="0"/>
+                                  </p:stCondLst>
+                                  <p:childTnLst>
+                                    <p:set>
+                                      <p:cBhvr>
+                                        <p:cTn id="83" dur="1" fill="hold">
+                                          <p:stCondLst>
+                                            <p:cond delay="0"/>
+                                          </p:stCondLst>
+                                        </p:cTn>
+                                        <p:tgtEl>
+                                          <p:spTgt spid="4">
+                                            <p:txEl>
+                                              <p:pRg st="15" end="15"/>
+                                            </p:txEl>
+                                          </p:spTgt>
+                                        </p:tgtEl>
+                                        <p:attrNameLst>
+                                          <p:attrName>style.visibility</p:attrName>
+                                        </p:attrNameLst>
+                                      </p:cBhvr>
+                                      <p:to>
+                                        <p:strVal val="visible"/>
+                                      </p:to>
+                                    </p:set>
+                                    <p:animEffect transition="in" filter="fade">
+                                      <p:cBhvr>
+                                        <p:cTn id="84" dur="500"/>
+                                        <p:tgtEl>
+                                          <p:spTgt spid="4">
+                                            <p:txEl>
+                                              <p:pRg st="15" end="15"/>
+                                            </p:txEl>
+                                          </p:spTgt>
+                                        </p:tgtEl>
+                                      </p:cBhvr>
+                                    </p:animEffect>
+                                  </p:childTnLst>
+                                </p:cTn>
+                              </p:par>
+                              <p:par>
+                                <p:cTn id="85" presetID="10" presetClass="entr" presetSubtype="0" fill="hold" nodeType="withEffect">
+                                  <p:stCondLst>
+                                    <p:cond delay="0"/>
+                                  </p:stCondLst>
+                                  <p:childTnLst>
+                                    <p:set>
+                                      <p:cBhvr>
+                                        <p:cTn id="86" dur="1" fill="hold">
+                                          <p:stCondLst>
+                                            <p:cond delay="0"/>
+                                          </p:stCondLst>
+                                        </p:cTn>
+                                        <p:tgtEl>
+                                          <p:spTgt spid="4">
+                                            <p:txEl>
+                                              <p:pRg st="16" end="16"/>
+                                            </p:txEl>
+                                          </p:spTgt>
+                                        </p:tgtEl>
+                                        <p:attrNameLst>
+                                          <p:attrName>style.visibility</p:attrName>
+                                        </p:attrNameLst>
+                                      </p:cBhvr>
+                                      <p:to>
+                                        <p:strVal val="visible"/>
+                                      </p:to>
+                                    </p:set>
+                                    <p:animEffect transition="in" filter="fade">
+                                      <p:cBhvr>
+                                        <p:cTn id="87" dur="500"/>
+                                        <p:tgtEl>
+                                          <p:spTgt spid="4">
+                                            <p:txEl>
+                                              <p:pRg st="16" end="16"/>
+                                            </p:txEl>
+                                          </p:spTgt>
+                                        </p:tgtEl>
+                                      </p:cBhvr>
+                                    </p:animEffect>
+                                  </p:childTnLst>
+                                </p:cTn>
+                              </p:par>
+                              <p:par>
+                                <p:cTn id="88" presetID="10" presetClass="entr" presetSubtype="0" fill="hold" nodeType="withEffect">
+                                  <p:stCondLst>
+                                    <p:cond delay="0"/>
+                                  </p:stCondLst>
+                                  <p:childTnLst>
+                                    <p:set>
+                                      <p:cBhvr>
+                                        <p:cTn id="89" dur="1" fill="hold">
+                                          <p:stCondLst>
+                                            <p:cond delay="0"/>
+                                          </p:stCondLst>
+                                        </p:cTn>
+                                        <p:tgtEl>
+                                          <p:spTgt spid="4">
+                                            <p:txEl>
+                                              <p:pRg st="17" end="17"/>
+                                            </p:txEl>
+                                          </p:spTgt>
+                                        </p:tgtEl>
+                                        <p:attrNameLst>
+                                          <p:attrName>style.visibility</p:attrName>
+                                        </p:attrNameLst>
+                                      </p:cBhvr>
+                                      <p:to>
+                                        <p:strVal val="visible"/>
+                                      </p:to>
+                                    </p:set>
+                                    <p:animEffect transition="in" filter="fade">
+                                      <p:cBhvr>
+                                        <p:cTn id="90" dur="500"/>
+                                        <p:tgtEl>
+                                          <p:spTgt spid="4">
+                                            <p:txEl>
+                                              <p:pRg st="17" end="17"/>
+                                            </p:txEl>
+                                          </p:spTgt>
+                                        </p:tgtEl>
+                                      </p:cBhvr>
+                                    </p:animEffect>
+                                  </p:childTnLst>
+                                </p:cTn>
+                              </p:par>
+                              <p:par>
+                                <p:cTn id="91" presetID="10" presetClass="entr" presetSubtype="0" fill="hold" nodeType="withEffect">
+                                  <p:stCondLst>
+                                    <p:cond delay="0"/>
+                                  </p:stCondLst>
+                                  <p:childTnLst>
+                                    <p:set>
+                                      <p:cBhvr>
+                                        <p:cTn id="92" dur="1" fill="hold">
+                                          <p:stCondLst>
+                                            <p:cond delay="0"/>
+                                          </p:stCondLst>
+                                        </p:cTn>
+                                        <p:tgtEl>
+                                          <p:spTgt spid="4">
+                                            <p:txEl>
+                                              <p:pRg st="18" end="18"/>
+                                            </p:txEl>
+                                          </p:spTgt>
+                                        </p:tgtEl>
+                                        <p:attrNameLst>
+                                          <p:attrName>style.visibility</p:attrName>
+                                        </p:attrNameLst>
+                                      </p:cBhvr>
+                                      <p:to>
+                                        <p:strVal val="visible"/>
+                                      </p:to>
+                                    </p:set>
+                                    <p:animEffect transition="in" filter="fade">
+                                      <p:cBhvr>
+                                        <p:cTn id="93" dur="500"/>
+                                        <p:tgtEl>
+                                          <p:spTgt spid="4">
+                                            <p:txEl>
+                                              <p:pRg st="18" end="18"/>
+                                            </p:txEl>
+                                          </p:spTgt>
+                                        </p:tgtEl>
+                                      </p:cBhvr>
+                                    </p:animEffect>
+                                  </p:childTnLst>
+                                </p:cTn>
+                              </p:par>
+                            </p:childTnLst>
+                          </p:cTn>
+                        </p:par>
+                      </p:childTnLst>
+                    </p:cTn>
+                  </p:par>
+                </p:childTnLst>
+              </p:cTn>
+              <p:prevCondLst>
+                <p:cond evt="onPrev" delay="0">
+                  <p:tgtEl>
+                    <p:sldTgt/>
+                  </p:tgtEl>
+                </p:cond>
+              </p:prevCondLst>
+              <p:nextCondLst>
+                <p:cond evt="onNext" delay="0">
+                  <p:tgtEl>
+                    <p:sldTgt/>
+                  </p:tgtEl>
+                </p:cond>
+              </p:nextCondLst>
+            </p:seq>
+            <p:video>
+              <p:cMediaNode vol="80000">
+                <p:cTn id="94" fill="hold" display="0">
+                  <p:stCondLst>
+                    <p:cond delay="indefinite"/>
+                  </p:stCondLst>
+                </p:cTn>
+                <p:tgtEl>
+                  <p:spTgt spid="5"/>
+                </p:tgtEl>
+              </p:cMediaNode>
+            </p:video>
+          </p:childTnLst>
+        </p:cTn>
+      </p:par>
+    </p:tnLst>
+  </p:timing>
+</p:sld>
+</file>
+
+<file path=ppt/slides/slide7.xml><?xml version="1.0" encoding="utf-8"?>
+<p:sld xmlns:a="http://schemas.openxmlformats.org/drawingml/2006/main" xmlns:r="http://schemas.openxmlformats.org/officeDocument/2006/relationships" xmlns:p="http://schemas.openxmlformats.org/presentationml/2006/main">
+  <p:cSld>
+    <p:spTree>
+      <p:nvGrpSpPr>
+        <p:cNvPr id="1" name=""/>
+        <p:cNvGrpSpPr/>
+        <p:nvPr/>
+      </p:nvGrpSpPr>
+      <p:grpSpPr>
+        <a:xfrm>
+          <a:off x="0" y="0"/>
+          <a:ext cx="0" cy="0"/>
+          <a:chOff x="0" y="0"/>
+          <a:chExt cx="0" cy="0"/>
+        </a:xfrm>
+      </p:grpSpPr>
+      <p:sp>
+        <p:nvSpPr>
+          <p:cNvPr id="4" name="Title 3"/>
+          <p:cNvSpPr>
+            <a:spLocks noGrp="1"/>
+          </p:cNvSpPr>
+          <p:nvPr>
+            <p:ph type="title"/>
+          </p:nvPr>
+        </p:nvSpPr>
+        <p:spPr/>
+        <p:txBody>
+          <a:bodyPr/>
+          <a:lstStyle/>
+          <a:p>
+            <a:r>
+              <a:rPr lang="en-US" dirty="0" smtClean="0"/>
+              <a:t>Some other approaches</a:t>
+            </a:r>
+            <a:endParaRPr lang="en-US" dirty="0"/>
+          </a:p>
+        </p:txBody>
+      </p:sp>
+      <p:sp>
+        <p:nvSpPr>
+          <p:cNvPr id="5" name="Content Placeholder 4"/>
+          <p:cNvSpPr>
+            <a:spLocks noGrp="1"/>
+          </p:cNvSpPr>
+          <p:nvPr>
+            <p:ph idx="1"/>
+          </p:nvPr>
+        </p:nvSpPr>
+        <p:spPr/>
+        <p:txBody>
+          <a:bodyPr>
+            <a:normAutofit fontScale="85000" lnSpcReduction="20000"/>
+          </a:bodyPr>
+          <a:lstStyle/>
+          <a:p>
+            <a:r>
+              <a:rPr lang="en-US" b="1" u="sng" dirty="0" smtClean="0"/>
+              <a:t>Cellular automata on irregular meshes</a:t>
+            </a:r>
+          </a:p>
+          <a:p>
+            <a:pPr lvl="1"/>
+            <a:r>
+              <a:rPr lang="en-US" dirty="0" smtClean="0"/>
+              <a:t>Use an irregular mesh</a:t>
+            </a:r>
+          </a:p>
+          <a:p>
+            <a:pPr lvl="1"/>
+            <a:r>
+              <a:rPr lang="en-US" dirty="0" smtClean="0"/>
+              <a:t>Gets rid of grid bias issues</a:t>
+            </a:r>
+          </a:p>
+          <a:p>
+            <a:pPr lvl="1"/>
+            <a:r>
+              <a:rPr lang="en-US" dirty="0" smtClean="0"/>
+              <a:t>But still no control over individual cell sizes</a:t>
+            </a:r>
+          </a:p>
+          <a:p>
+            <a:pPr lvl="1"/>
+            <a:r>
+              <a:rPr lang="en-US" dirty="0" smtClean="0"/>
+              <a:t>Still no mechanics</a:t>
+            </a:r>
+          </a:p>
+          <a:p>
+            <a:pPr lvl="1"/>
+            <a:r>
+              <a:rPr lang="en-US" b="1" u="sng" dirty="0" smtClean="0"/>
+              <a:t>Good examples</a:t>
+            </a:r>
+            <a:r>
+              <a:rPr lang="en-US" b="1" dirty="0" smtClean="0"/>
+              <a:t>:</a:t>
+            </a:r>
+            <a:r>
+              <a:rPr lang="en-US" dirty="0" smtClean="0"/>
+              <a:t> Dirk </a:t>
+            </a:r>
+            <a:r>
+              <a:rPr lang="en-US" dirty="0" err="1" smtClean="0"/>
+              <a:t>Drasdo</a:t>
+            </a:r>
+            <a:endParaRPr lang="en-US" dirty="0" smtClean="0"/>
+          </a:p>
+          <a:p>
+            <a:r>
+              <a:rPr lang="en-US" b="1" u="sng" dirty="0" smtClean="0"/>
+              <a:t>Lattice-gas</a:t>
+            </a:r>
+          </a:p>
+          <a:p>
+            <a:pPr lvl="1"/>
+            <a:r>
+              <a:rPr lang="en-US" dirty="0" smtClean="0"/>
+              <a:t>Treat space as a series of connected boxes</a:t>
+            </a:r>
+          </a:p>
+          <a:p>
+            <a:pPr lvl="1"/>
+            <a:r>
+              <a:rPr lang="en-US" dirty="0" smtClean="0"/>
+              <a:t>Each box contains one or more cells</a:t>
+            </a:r>
+          </a:p>
+          <a:p>
+            <a:pPr lvl="1"/>
+            <a:r>
+              <a:rPr lang="en-US" dirty="0" smtClean="0"/>
+              <a:t>Pre-defined “channels” for cell movement between boxes</a:t>
+            </a:r>
+          </a:p>
+          <a:p>
+            <a:pPr lvl="1"/>
+            <a:r>
+              <a:rPr lang="en-US" dirty="0" smtClean="0"/>
+              <a:t>A nice approach – a bridge towards continuum models</a:t>
+            </a:r>
+          </a:p>
+          <a:p>
+            <a:pPr lvl="1"/>
+            <a:r>
+              <a:rPr lang="en-US" b="1" u="sng" dirty="0" smtClean="0"/>
+              <a:t>Good examples</a:t>
+            </a:r>
+            <a:r>
+              <a:rPr lang="en-US" b="1" dirty="0" smtClean="0"/>
+              <a:t>:</a:t>
+            </a:r>
+            <a:r>
+              <a:rPr lang="en-US" dirty="0" smtClean="0"/>
+              <a:t> Andreas Deutsch</a:t>
+            </a:r>
+          </a:p>
+        </p:txBody>
+      </p:sp>
+      <p:pic>
+        <p:nvPicPr>
+          <p:cNvPr id="6146" name="Picture 2" descr="C:\Users\Paul Macklin\Dropbox (USC WCC-CAMM)\talks\2015\LLNL Feb 2015\graphics\irregular_cellular_automata.png"/>
+          <p:cNvPicPr>
+            <a:picLocks noChangeAspect="1" noChangeArrowheads="1"/>
+          </p:cNvPicPr>
+          <p:nvPr/>
+        </p:nvPicPr>
+        <p:blipFill>
+          <a:blip r:embed="rId2">
+            <a:extLst>
+              <a:ext uri="{28A0092B-C50C-407E-A947-70E740481C1C}">
+                <a14:useLocalDpi xmlns:a14="http://schemas.microsoft.com/office/drawing/2010/main" val="0"/>
+              </a:ext>
+            </a:extLst>
+          </a:blip>
+          <a:srcRect/>
+          <a:stretch>
+            <a:fillRect/>
+          </a:stretch>
+        </p:blipFill>
+        <p:spPr bwMode="auto">
+          <a:xfrm>
+            <a:off x="5257800" y="628650"/>
+            <a:ext cx="1885950" cy="1885950"/>
+          </a:xfrm>
+          <a:prstGeom prst="rect">
+            <a:avLst/>
+          </a:prstGeom>
+          <a:noFill/>
+          <a:extLst>
+            <a:ext uri="{909E8E84-426E-40DD-AFC4-6F175D3DCCD1}">
+              <a14:hiddenFill xmlns:a14="http://schemas.microsoft.com/office/drawing/2010/main">
+                <a:solidFill>
+                  <a:srgbClr val="FFFFFF"/>
+                </a:solidFill>
+              </a14:hiddenFill>
+            </a:ext>
+          </a:extLst>
+        </p:spPr>
+      </p:pic>
+      <p:pic>
+        <p:nvPicPr>
+          <p:cNvPr id="6147" name="Picture 3" descr="C:\Users\Paul Macklin\Dropbox (USC WCC-CAMM)\talks\2015\LLNL Feb 2015\graphics\lattice_gas.png"/>
+          <p:cNvPicPr>
+            <a:picLocks noChangeAspect="1" noChangeArrowheads="1"/>
+          </p:cNvPicPr>
+          <p:nvPr/>
+        </p:nvPicPr>
+        <p:blipFill>
+          <a:blip r:embed="rId3">
+            <a:extLst>
+              <a:ext uri="{28A0092B-C50C-407E-A947-70E740481C1C}">
+                <a14:useLocalDpi xmlns:a14="http://schemas.microsoft.com/office/drawing/2010/main" val="0"/>
+              </a:ext>
+            </a:extLst>
+          </a:blip>
+          <a:srcRect/>
+          <a:stretch>
+            <a:fillRect/>
+          </a:stretch>
+        </p:blipFill>
+        <p:spPr bwMode="auto">
+          <a:xfrm>
+            <a:off x="5257800" y="2628900"/>
+            <a:ext cx="1885950" cy="1885950"/>
+          </a:xfrm>
+          <a:prstGeom prst="rect">
+            <a:avLst/>
+          </a:prstGeom>
+          <a:noFill/>
+          <a:extLst>
+            <a:ext uri="{909E8E84-426E-40DD-AFC4-6F175D3DCCD1}">
+              <a14:hiddenFill xmlns:a14="http://schemas.microsoft.com/office/drawing/2010/main">
+                <a:solidFill>
+                  <a:srgbClr val="FFFFFF"/>
+                </a:solidFill>
+              </a14:hiddenFill>
+            </a:ext>
+          </a:extLst>
+        </p:spPr>
+      </p:pic>
+    </p:spTree>
+    <p:extLst>
+      <p:ext uri="{BB962C8B-B14F-4D97-AF65-F5344CB8AC3E}">
+        <p14:creationId xmlns:p14="http://schemas.microsoft.com/office/powerpoint/2010/main" val="1618514441"/>
+      </p:ext>
+    </p:extLst>
+  </p:cSld>
+  <p:clrMapOvr>
+    <a:masterClrMapping/>
+  </p:clrMapOvr>
+  <p:timing>
+    <p:tnLst>
+      <p:par>
+        <p:cTn id="1" dur="indefinite" restart="never" nodeType="tmRoot">
+          <p:childTnLst>
+            <p:seq concurrent="1" nextAc="seek">
+              <p:cTn id="2" dur="indefinite" nodeType="mainSeq">
+                <p:childTnLst>
+                  <p:par>
+                    <p:cTn id="3" fill="hold">
+                      <p:stCondLst>
+                        <p:cond delay="indefinite"/>
+                      </p:stCondLst>
+                      <p:childTnLst>
+                        <p:par>
+                          <p:cTn id="4" fill="hold">
+                            <p:stCondLst>
+                              <p:cond delay="0"/>
+                            </p:stCondLst>
+                            <p:childTnLst>
+                              <p:par>
+                                <p:cTn id="5" presetID="10" presetClass="entr" presetSubtype="0" fill="hold" nodeType="clickEffect">
+                                  <p:stCondLst>
+                                    <p:cond delay="0"/>
+                                  </p:stCondLst>
+                                  <p:childTnLst>
+                                    <p:set>
+                                      <p:cBhvr>
+                                        <p:cTn id="6" dur="1" fill="hold">
+                                          <p:stCondLst>
+                                            <p:cond delay="0"/>
+                                          </p:stCondLst>
+                                        </p:cTn>
+                                        <p:tgtEl>
+                                          <p:spTgt spid="5">
+                                            <p:txEl>
+                                              <p:pRg st="0" end="0"/>
+                                            </p:txEl>
+                                          </p:spTgt>
+                                        </p:tgtEl>
+                                        <p:attrNameLst>
+                                          <p:attrName>style.visibility</p:attrName>
+                                        </p:attrNameLst>
+                                      </p:cBhvr>
+                                      <p:to>
+                                        <p:strVal val="visible"/>
+                                      </p:to>
+                                    </p:set>
+                                    <p:animEffect transition="in" filter="fade">
+                                      <p:cBhvr>
+                                        <p:cTn id="7" dur="500"/>
+                                        <p:tgtEl>
+                                          <p:spTgt spid="5">
+                                            <p:txEl>
+                                              <p:pRg st="0" end="0"/>
+                                            </p:txEl>
+                                          </p:spTgt>
+                                        </p:tgtEl>
+                                      </p:cBhvr>
+                                    </p:animEffect>
+                                  </p:childTnLst>
+                                </p:cTn>
+                              </p:par>
+                            </p:childTnLst>
+                          </p:cTn>
+                        </p:par>
+                        <p:par>
+                          <p:cTn id="8" fill="hold">
+                            <p:stCondLst>
+                              <p:cond delay="500"/>
+                            </p:stCondLst>
+                            <p:childTnLst>
+                              <p:par>
+                                <p:cTn id="9" presetID="10" presetClass="entr" presetSubtype="0" fill="hold" nodeType="afterEffect">
+                                  <p:stCondLst>
+                                    <p:cond delay="0"/>
+                                  </p:stCondLst>
+                                  <p:childTnLst>
+                                    <p:set>
+                                      <p:cBhvr>
+                                        <p:cTn id="10" dur="1" fill="hold">
+                                          <p:stCondLst>
+                                            <p:cond delay="0"/>
+                                          </p:stCondLst>
+                                        </p:cTn>
+                                        <p:tgtEl>
+                                          <p:spTgt spid="6146"/>
+                                        </p:tgtEl>
+                                        <p:attrNameLst>
+                                          <p:attrName>style.visibility</p:attrName>
+                                        </p:attrNameLst>
+                                      </p:cBhvr>
+                                      <p:to>
+                                        <p:strVal val="visible"/>
+                                      </p:to>
+                                    </p:set>
+                                    <p:animEffect transition="in" filter="fade">
+                                      <p:cBhvr>
+                                        <p:cTn id="11" dur="500"/>
+                                        <p:tgtEl>
+                                          <p:spTgt spid="6146"/>
+                                        </p:tgtEl>
+                                      </p:cBhvr>
+                                    </p:animEffect>
+                                  </p:childTnLst>
+                                </p:cTn>
+                              </p:par>
+                              <p:par>
+                                <p:cTn id="12" presetID="10" presetClass="entr" presetSubtype="0" fill="hold" nodeType="withEffect">
+                                  <p:stCondLst>
+                                    <p:cond delay="0"/>
+                                  </p:stCondLst>
+                                  <p:childTnLst>
+                                    <p:set>
+                                      <p:cBhvr>
+                                        <p:cTn id="13" dur="1" fill="hold">
+                                          <p:stCondLst>
+                                            <p:cond delay="0"/>
+                                          </p:stCondLst>
+                                        </p:cTn>
+                                        <p:tgtEl>
+                                          <p:spTgt spid="5">
+                                            <p:txEl>
+                                              <p:pRg st="1" end="1"/>
+                                            </p:txEl>
+                                          </p:spTgt>
+                                        </p:tgtEl>
+                                        <p:attrNameLst>
+                                          <p:attrName>style.visibility</p:attrName>
+                                        </p:attrNameLst>
+                                      </p:cBhvr>
+                                      <p:to>
+                                        <p:strVal val="visible"/>
+                                      </p:to>
+                                    </p:set>
+                                    <p:animEffect transition="in" filter="fade">
+                                      <p:cBhvr>
+                                        <p:cTn id="14" dur="500"/>
+                                        <p:tgtEl>
+                                          <p:spTgt spid="5">
+                                            <p:txEl>
+                                              <p:pRg st="1" end="1"/>
+                                            </p:txEl>
+                                          </p:spTgt>
+                                        </p:tgtEl>
+                                      </p:cBhvr>
+                                    </p:animEffect>
+                                  </p:childTnLst>
+                                </p:cTn>
+                              </p:par>
+                              <p:par>
+                                <p:cTn id="15" presetID="10" presetClass="entr" presetSubtype="0" fill="hold" nodeType="withEffect">
+                                  <p:stCondLst>
+                                    <p:cond delay="0"/>
+                                  </p:stCondLst>
+                                  <p:childTnLst>
+                                    <p:set>
+                                      <p:cBhvr>
+                                        <p:cTn id="16" dur="1" fill="hold">
+                                          <p:stCondLst>
+                                            <p:cond delay="0"/>
+                                          </p:stCondLst>
+                                        </p:cTn>
+                                        <p:tgtEl>
+                                          <p:spTgt spid="5">
+                                            <p:txEl>
+                                              <p:pRg st="2" end="2"/>
+                                            </p:txEl>
+                                          </p:spTgt>
+                                        </p:tgtEl>
+                                        <p:attrNameLst>
+                                          <p:attrName>style.visibility</p:attrName>
+                                        </p:attrNameLst>
+                                      </p:cBhvr>
+                                      <p:to>
+                                        <p:strVal val="visible"/>
+                                      </p:to>
+                                    </p:set>
+                                    <p:animEffect transition="in" filter="fade">
+                                      <p:cBhvr>
+                                        <p:cTn id="17" dur="500"/>
+                                        <p:tgtEl>
+                                          <p:spTgt spid="5">
+                                            <p:txEl>
+                                              <p:pRg st="2" end="2"/>
+                                            </p:txEl>
+                                          </p:spTgt>
+                                        </p:tgtEl>
+                                      </p:cBhvr>
+                                    </p:animEffect>
+                                  </p:childTnLst>
+                                </p:cTn>
+                              </p:par>
+                              <p:par>
+                                <p:cTn id="18" presetID="10" presetClass="entr" presetSubtype="0" fill="hold" nodeType="withEffect">
+                                  <p:stCondLst>
+                                    <p:cond delay="0"/>
+                                  </p:stCondLst>
+                                  <p:childTnLst>
+                                    <p:set>
+                                      <p:cBhvr>
+                                        <p:cTn id="19" dur="1" fill="hold">
+                                          <p:stCondLst>
+                                            <p:cond delay="0"/>
+                                          </p:stCondLst>
+                                        </p:cTn>
+                                        <p:tgtEl>
+                                          <p:spTgt spid="5">
+                                            <p:txEl>
+                                              <p:pRg st="3" end="3"/>
+                                            </p:txEl>
+                                          </p:spTgt>
+                                        </p:tgtEl>
+                                        <p:attrNameLst>
+                                          <p:attrName>style.visibility</p:attrName>
+                                        </p:attrNameLst>
+                                      </p:cBhvr>
+                                      <p:to>
+                                        <p:strVal val="visible"/>
+                                      </p:to>
+                                    </p:set>
+                                    <p:animEffect transition="in" filter="fade">
+                                      <p:cBhvr>
+                                        <p:cTn id="20" dur="500"/>
+                                        <p:tgtEl>
+                                          <p:spTgt spid="5">
+                                            <p:txEl>
+                                              <p:pRg st="3" end="3"/>
+                                            </p:txEl>
+                                          </p:spTgt>
+                                        </p:tgtEl>
+                                      </p:cBhvr>
+                                    </p:animEffect>
+                                  </p:childTnLst>
+                                </p:cTn>
+                              </p:par>
+                              <p:par>
+                                <p:cTn id="21" presetID="10" presetClass="entr" presetSubtype="0" fill="hold" nodeType="withEffect">
+                                  <p:stCondLst>
+                                    <p:cond delay="0"/>
+                                  </p:stCondLst>
+                                  <p:childTnLst>
+                                    <p:set>
+                                      <p:cBhvr>
+                                        <p:cTn id="22" dur="1" fill="hold">
+                                          <p:stCondLst>
+                                            <p:cond delay="0"/>
+                                          </p:stCondLst>
+                                        </p:cTn>
+                                        <p:tgtEl>
+                                          <p:spTgt spid="5">
+                                            <p:txEl>
+                                              <p:pRg st="4" end="4"/>
+                                            </p:txEl>
+                                          </p:spTgt>
+                                        </p:tgtEl>
+                                        <p:attrNameLst>
+                                          <p:attrName>style.visibility</p:attrName>
+                                        </p:attrNameLst>
+                                      </p:cBhvr>
+                                      <p:to>
+                                        <p:strVal val="visible"/>
+                                      </p:to>
+                                    </p:set>
+                                    <p:animEffect transition="in" filter="fade">
+                                      <p:cBhvr>
+                                        <p:cTn id="23" dur="500"/>
+                                        <p:tgtEl>
+                                          <p:spTgt spid="5">
+                                            <p:txEl>
+                                              <p:pRg st="4" end="4"/>
+                                            </p:txEl>
+                                          </p:spTgt>
+                                        </p:tgtEl>
+                                      </p:cBhvr>
+                                    </p:animEffect>
+                                  </p:childTnLst>
+                                </p:cTn>
+                              </p:par>
+                              <p:par>
+                                <p:cTn id="24" presetID="10" presetClass="entr" presetSubtype="0" fill="hold" nodeType="withEffect">
+                                  <p:stCondLst>
+                                    <p:cond delay="0"/>
+                                  </p:stCondLst>
+                                  <p:childTnLst>
+                                    <p:set>
+                                      <p:cBhvr>
+                                        <p:cTn id="25" dur="1" fill="hold">
+                                          <p:stCondLst>
+                                            <p:cond delay="0"/>
+                                          </p:stCondLst>
+                                        </p:cTn>
+                                        <p:tgtEl>
+                                          <p:spTgt spid="5">
+                                            <p:txEl>
+                                              <p:pRg st="5" end="5"/>
+                                            </p:txEl>
+                                          </p:spTgt>
+                                        </p:tgtEl>
+                                        <p:attrNameLst>
+                                          <p:attrName>style.visibility</p:attrName>
+                                        </p:attrNameLst>
+                                      </p:cBhvr>
+                                      <p:to>
+                                        <p:strVal val="visible"/>
+                                      </p:to>
+                                    </p:set>
+                                    <p:animEffect transition="in" filter="fade">
+                                      <p:cBhvr>
+                                        <p:cTn id="26" dur="500"/>
+                                        <p:tgtEl>
+                                          <p:spTgt spid="5">
+                                            <p:txEl>
+                                              <p:pRg st="5" end="5"/>
+                                            </p:txEl>
+                                          </p:spTgt>
+                                        </p:tgtEl>
+                                      </p:cBhvr>
+                                    </p:animEffect>
+                                  </p:childTnLst>
+                                </p:cTn>
+                              </p:par>
+                            </p:childTnLst>
+                          </p:cTn>
+                        </p:par>
+                      </p:childTnLst>
+                    </p:cTn>
+                  </p:par>
+                  <p:par>
+                    <p:cTn id="27" fill="hold">
+                      <p:stCondLst>
+                        <p:cond delay="indefinite"/>
+                      </p:stCondLst>
+                      <p:childTnLst>
+                        <p:par>
+                          <p:cTn id="28" fill="hold">
+                            <p:stCondLst>
+                              <p:cond delay="0"/>
+                            </p:stCondLst>
+                            <p:childTnLst>
+                              <p:par>
+                                <p:cTn id="29" presetID="10" presetClass="entr" presetSubtype="0" fill="hold" nodeType="clickEffect">
+                                  <p:stCondLst>
+                                    <p:cond delay="0"/>
+                                  </p:stCondLst>
+                                  <p:childTnLst>
+                                    <p:set>
+                                      <p:cBhvr>
+                                        <p:cTn id="30" dur="1" fill="hold">
+                                          <p:stCondLst>
+                                            <p:cond delay="0"/>
+                                          </p:stCondLst>
+                                        </p:cTn>
+                                        <p:tgtEl>
+                                          <p:spTgt spid="5">
+                                            <p:txEl>
+                                              <p:pRg st="6" end="6"/>
+                                            </p:txEl>
+                                          </p:spTgt>
+                                        </p:tgtEl>
+                                        <p:attrNameLst>
+                                          <p:attrName>style.visibility</p:attrName>
+                                        </p:attrNameLst>
+                                      </p:cBhvr>
+                                      <p:to>
+                                        <p:strVal val="visible"/>
+                                      </p:to>
+                                    </p:set>
+                                    <p:animEffect transition="in" filter="fade">
+                                      <p:cBhvr>
+                                        <p:cTn id="31" dur="500"/>
+                                        <p:tgtEl>
+                                          <p:spTgt spid="5">
+                                            <p:txEl>
+                                              <p:pRg st="6" end="6"/>
+                                            </p:txEl>
+                                          </p:spTgt>
+                                        </p:tgtEl>
+                                      </p:cBhvr>
+                                    </p:animEffect>
+                                  </p:childTnLst>
+                                </p:cTn>
+                              </p:par>
+                              <p:par>
+                                <p:cTn id="32" presetID="10" presetClass="entr" presetSubtype="0" fill="hold" nodeType="withEffect">
+                                  <p:stCondLst>
+                                    <p:cond delay="0"/>
+                                  </p:stCondLst>
+                                  <p:childTnLst>
+                                    <p:set>
+                                      <p:cBhvr>
+                                        <p:cTn id="33" dur="1" fill="hold">
+                                          <p:stCondLst>
+                                            <p:cond delay="0"/>
+                                          </p:stCondLst>
+                                        </p:cTn>
+                                        <p:tgtEl>
+                                          <p:spTgt spid="6147"/>
+                                        </p:tgtEl>
+                                        <p:attrNameLst>
+                                          <p:attrName>style.visibility</p:attrName>
+                                        </p:attrNameLst>
+                                      </p:cBhvr>
+                                      <p:to>
+                                        <p:strVal val="visible"/>
+                                      </p:to>
+                                    </p:set>
+                                    <p:animEffect transition="in" filter="fade">
+                                      <p:cBhvr>
+                                        <p:cTn id="34" dur="500"/>
+                                        <p:tgtEl>
+                                          <p:spTgt spid="6147"/>
+                                        </p:tgtEl>
+                                      </p:cBhvr>
+                                    </p:animEffect>
+                                  </p:childTnLst>
+                                </p:cTn>
+                              </p:par>
+                              <p:par>
+                                <p:cTn id="35" presetID="10" presetClass="entr" presetSubtype="0" fill="hold" nodeType="withEffect">
+                                  <p:stCondLst>
+                                    <p:cond delay="0"/>
+                                  </p:stCondLst>
+                                  <p:childTnLst>
+                                    <p:set>
+                                      <p:cBhvr>
+                                        <p:cTn id="36" dur="1" fill="hold">
+                                          <p:stCondLst>
+                                            <p:cond delay="0"/>
+                                          </p:stCondLst>
+                                        </p:cTn>
+                                        <p:tgtEl>
+                                          <p:spTgt spid="5">
+                                            <p:txEl>
+                                              <p:pRg st="7" end="7"/>
+                                            </p:txEl>
+                                          </p:spTgt>
+                                        </p:tgtEl>
+                                        <p:attrNameLst>
+                                          <p:attrName>style.visibility</p:attrName>
+                                        </p:attrNameLst>
+                                      </p:cBhvr>
+                                      <p:to>
+                                        <p:strVal val="visible"/>
+                                      </p:to>
+                                    </p:set>
+                                    <p:animEffect transition="in" filter="fade">
+                                      <p:cBhvr>
+                                        <p:cTn id="37" dur="500"/>
+                                        <p:tgtEl>
+                                          <p:spTgt spid="5">
+                                            <p:txEl>
+                                              <p:pRg st="7" end="7"/>
+                                            </p:txEl>
+                                          </p:spTgt>
+                                        </p:tgtEl>
+                                      </p:cBhvr>
+                                    </p:animEffect>
+                                  </p:childTnLst>
+                                </p:cTn>
+                              </p:par>
+                              <p:par>
+                                <p:cTn id="38" presetID="10" presetClass="entr" presetSubtype="0" fill="hold" nodeType="withEffect">
+                                  <p:stCondLst>
+                                    <p:cond delay="0"/>
+                                  </p:stCondLst>
+                                  <p:childTnLst>
+                                    <p:set>
+                                      <p:cBhvr>
+                                        <p:cTn id="39" dur="1" fill="hold">
+                                          <p:stCondLst>
+                                            <p:cond delay="0"/>
+                                          </p:stCondLst>
+                                        </p:cTn>
+                                        <p:tgtEl>
+                                          <p:spTgt spid="5">
+                                            <p:txEl>
+                                              <p:pRg st="8" end="8"/>
+                                            </p:txEl>
+                                          </p:spTgt>
+                                        </p:tgtEl>
+                                        <p:attrNameLst>
+                                          <p:attrName>style.visibility</p:attrName>
+                                        </p:attrNameLst>
+                                      </p:cBhvr>
+                                      <p:to>
+                                        <p:strVal val="visible"/>
+                                      </p:to>
+                                    </p:set>
+                                    <p:animEffect transition="in" filter="fade">
+                                      <p:cBhvr>
+                                        <p:cTn id="40" dur="500"/>
+                                        <p:tgtEl>
+                                          <p:spTgt spid="5">
+                                            <p:txEl>
+                                              <p:pRg st="8" end="8"/>
+                                            </p:txEl>
+                                          </p:spTgt>
+                                        </p:tgtEl>
+                                      </p:cBhvr>
+                                    </p:animEffect>
+                                  </p:childTnLst>
+                                </p:cTn>
+                              </p:par>
+                              <p:par>
+                                <p:cTn id="41" presetID="10" presetClass="entr" presetSubtype="0" fill="hold" nodeType="withEffect">
+                                  <p:stCondLst>
+                                    <p:cond delay="0"/>
+                                  </p:stCondLst>
+                                  <p:childTnLst>
+                                    <p:set>
+                                      <p:cBhvr>
+                                        <p:cTn id="42" dur="1" fill="hold">
+                                          <p:stCondLst>
+                                            <p:cond delay="0"/>
+                                          </p:stCondLst>
+                                        </p:cTn>
+                                        <p:tgtEl>
+                                          <p:spTgt spid="5">
+                                            <p:txEl>
+                                              <p:pRg st="9" end="9"/>
+                                            </p:txEl>
+                                          </p:spTgt>
+                                        </p:tgtEl>
+                                        <p:attrNameLst>
+                                          <p:attrName>style.visibility</p:attrName>
+                                        </p:attrNameLst>
+                                      </p:cBhvr>
+                                      <p:to>
+                                        <p:strVal val="visible"/>
+                                      </p:to>
+                                    </p:set>
+                                    <p:animEffect transition="in" filter="fade">
+                                      <p:cBhvr>
+                                        <p:cTn id="43" dur="500"/>
+                                        <p:tgtEl>
+                                          <p:spTgt spid="5">
+                                            <p:txEl>
+                                              <p:pRg st="9" end="9"/>
+                                            </p:txEl>
+                                          </p:spTgt>
+                                        </p:tgtEl>
+                                      </p:cBhvr>
+                                    </p:animEffect>
+                                  </p:childTnLst>
+                                </p:cTn>
+                              </p:par>
+                              <p:par>
+                                <p:cTn id="44" presetID="10" presetClass="entr" presetSubtype="0" fill="hold" nodeType="withEffect">
+                                  <p:stCondLst>
+                                    <p:cond delay="0"/>
+                                  </p:stCondLst>
+                                  <p:childTnLst>
+                                    <p:set>
+                                      <p:cBhvr>
+                                        <p:cTn id="45" dur="1" fill="hold">
+                                          <p:stCondLst>
+                                            <p:cond delay="0"/>
+                                          </p:stCondLst>
+                                        </p:cTn>
+                                        <p:tgtEl>
+                                          <p:spTgt spid="5">
+                                            <p:txEl>
+                                              <p:pRg st="10" end="10"/>
+                                            </p:txEl>
+                                          </p:spTgt>
+                                        </p:tgtEl>
+                                        <p:attrNameLst>
+                                          <p:attrName>style.visibility</p:attrName>
+                                        </p:attrNameLst>
+                                      </p:cBhvr>
+                                      <p:to>
+                                        <p:strVal val="visible"/>
+                                      </p:to>
+                                    </p:set>
+                                    <p:animEffect transition="in" filter="fade">
+                                      <p:cBhvr>
+                                        <p:cTn id="46" dur="500"/>
+                                        <p:tgtEl>
+                                          <p:spTgt spid="5">
+                                            <p:txEl>
+                                              <p:pRg st="10" end="10"/>
+                                            </p:txEl>
+                                          </p:spTgt>
+                                        </p:tgtEl>
+                                      </p:cBhvr>
+                                    </p:animEffect>
+                                  </p:childTnLst>
+                                </p:cTn>
+                              </p:par>
+                              <p:par>
+                                <p:cTn id="47" presetID="10" presetClass="entr" presetSubtype="0" fill="hold" nodeType="withEffect">
+                                  <p:stCondLst>
+                                    <p:cond delay="0"/>
+                                  </p:stCondLst>
+                                  <p:childTnLst>
+                                    <p:set>
+                                      <p:cBhvr>
+                                        <p:cTn id="48" dur="1" fill="hold">
+                                          <p:stCondLst>
+                                            <p:cond delay="0"/>
+                                          </p:stCondLst>
+                                        </p:cTn>
+                                        <p:tgtEl>
+                                          <p:spTgt spid="5">
+                                            <p:txEl>
+                                              <p:pRg st="11" end="11"/>
+                                            </p:txEl>
+                                          </p:spTgt>
+                                        </p:tgtEl>
+                                        <p:attrNameLst>
+                                          <p:attrName>style.visibility</p:attrName>
+                                        </p:attrNameLst>
+                                      </p:cBhvr>
+                                      <p:to>
+                                        <p:strVal val="visible"/>
+                                      </p:to>
+                                    </p:set>
+                                    <p:animEffect transition="in" filter="fade">
+                                      <p:cBhvr>
+                                        <p:cTn id="49" dur="500"/>
+                                        <p:tgtEl>
+                                          <p:spTgt spid="5">
+                                            <p:txEl>
+                                              <p:pRg st="11" end="11"/>
+                                            </p:txEl>
+                                          </p:spTgt>
+                                        </p:tgtEl>
+                                      </p:cBhvr>
+                                    </p:animEffect>
+                                  </p:childTnLst>
+                                </p:cTn>
+                              </p:par>
+                            </p:childTnLst>
+                          </p:cTn>
+                        </p:par>
+                      </p:childTnLst>
+                    </p:cTn>
+                  </p:par>
+                </p:childTnLst>
+              </p:cTn>
+              <p:prevCondLst>
+                <p:cond evt="onPrev" delay="0">
+                  <p:tgtEl>
+                    <p:sldTgt/>
+                  </p:tgtEl>
+                </p:cond>
+              </p:prevCondLst>
+              <p:nextCondLst>
+                <p:cond evt="onNext" delay="0">
+                  <p:tgtEl>
+                    <p:sldTgt/>
+                  </p:tgtEl>
+                </p:cond>
+              </p:nextCondLst>
+            </p:seq>
+          </p:childTnLst>
+        </p:cTn>
+      </p:par>
+    </p:tnLst>
+  </p:timing>
+</p:sld>
+</file>
+
+<file path=ppt/slides/slide8.xml><?xml version="1.0" encoding="utf-8"?>
+<p:sld xmlns:a="http://schemas.openxmlformats.org/drawingml/2006/main" xmlns:r="http://schemas.openxmlformats.org/officeDocument/2006/relationships" xmlns:p="http://schemas.openxmlformats.org/presentationml/2006/main">
+  <p:cSld>
+    <p:spTree>
+      <p:nvGrpSpPr>
+        <p:cNvPr id="1" name=""/>
+        <p:cNvGrpSpPr/>
+        <p:nvPr/>
+      </p:nvGrpSpPr>
+      <p:grpSpPr>
+        <a:xfrm>
+          <a:off x="0" y="0"/>
+          <a:ext cx="0" cy="0"/>
+          <a:chOff x="0" y="0"/>
+          <a:chExt cx="0" cy="0"/>
+        </a:xfrm>
+      </p:grpSpPr>
+      <p:sp>
+        <p:nvSpPr>
+          <p:cNvPr id="2" name="Title 1"/>
+          <p:cNvSpPr>
+            <a:spLocks noGrp="1"/>
+          </p:cNvSpPr>
+          <p:nvPr>
+            <p:ph type="title"/>
+          </p:nvPr>
+        </p:nvSpPr>
+        <p:spPr/>
+        <p:txBody>
+          <a:bodyPr/>
+          <a:lstStyle/>
+          <a:p>
+            <a:r>
+              <a:rPr lang="en-US" dirty="0" smtClean="0"/>
+              <a:t>Still more approaches</a:t>
+            </a:r>
+            <a:endParaRPr lang="en-US" dirty="0"/>
+          </a:p>
+        </p:txBody>
+      </p:sp>
+      <p:sp>
+        <p:nvSpPr>
+          <p:cNvPr id="3" name="Content Placeholder 2"/>
+          <p:cNvSpPr>
+            <a:spLocks noGrp="1"/>
+          </p:cNvSpPr>
+          <p:nvPr>
+            <p:ph idx="1"/>
+          </p:nvPr>
+        </p:nvSpPr>
+        <p:spPr/>
+        <p:txBody>
+          <a:bodyPr>
+            <a:normAutofit fontScale="85000" lnSpcReduction="10000"/>
+          </a:bodyPr>
+          <a:lstStyle/>
+          <a:p>
+            <a:r>
+              <a:rPr lang="en-US" b="1" u="sng" dirty="0" smtClean="0"/>
+              <a:t>Vertex-based models</a:t>
+            </a:r>
+            <a:r>
+              <a:rPr lang="en-US" b="1" dirty="0" smtClean="0"/>
+              <a:t>:</a:t>
+            </a:r>
+          </a:p>
+          <a:p>
+            <a:pPr lvl="1"/>
+            <a:r>
+              <a:rPr lang="en-US" dirty="0" smtClean="0"/>
+              <a:t>Densely packed cells look like polyhedral</a:t>
+            </a:r>
+          </a:p>
+          <a:p>
+            <a:pPr lvl="1"/>
+            <a:r>
+              <a:rPr lang="en-US" dirty="0" smtClean="0"/>
+              <a:t>Model the movement of the vertices, instead of the cells</a:t>
+            </a:r>
+          </a:p>
+          <a:p>
+            <a:pPr lvl="1"/>
+            <a:r>
+              <a:rPr lang="en-US" b="1" u="sng" dirty="0" smtClean="0"/>
+              <a:t>Examples</a:t>
+            </a:r>
+            <a:r>
+              <a:rPr lang="en-US" b="1" dirty="0" smtClean="0"/>
+              <a:t>: </a:t>
+            </a:r>
+            <a:r>
+              <a:rPr lang="en-US" dirty="0" smtClean="0"/>
+              <a:t>Ruth Baker’s work!</a:t>
+            </a:r>
+            <a:endParaRPr lang="en-US" b="1" dirty="0" smtClean="0"/>
+          </a:p>
+          <a:p>
+            <a:endParaRPr lang="en-US" b="1" dirty="0"/>
+          </a:p>
+          <a:p>
+            <a:r>
+              <a:rPr lang="en-US" b="1" u="sng" dirty="0" smtClean="0"/>
+              <a:t>Center-based models</a:t>
+            </a:r>
+            <a:r>
+              <a:rPr lang="en-US" b="1" dirty="0" smtClean="0"/>
+              <a:t>:</a:t>
+            </a:r>
+          </a:p>
+          <a:p>
+            <a:pPr lvl="1"/>
+            <a:r>
+              <a:rPr lang="en-US" dirty="0" smtClean="0"/>
+              <a:t>Model movement of cell centers</a:t>
+            </a:r>
+          </a:p>
+          <a:p>
+            <a:pPr lvl="1"/>
+            <a:r>
+              <a:rPr lang="en-US" dirty="0" smtClean="0"/>
+              <a:t>Write out force diagram (classic physics!)</a:t>
+            </a:r>
+          </a:p>
+          <a:p>
+            <a:pPr lvl="1"/>
+            <a:r>
+              <a:rPr lang="en-US" dirty="0" smtClean="0"/>
+              <a:t>Append extra biology to each cell as needed</a:t>
+            </a:r>
+            <a:endParaRPr lang="en-US" dirty="0"/>
+          </a:p>
+          <a:p>
+            <a:pPr lvl="1"/>
+            <a:endParaRPr lang="en-US" dirty="0" smtClean="0"/>
+          </a:p>
+          <a:p>
+            <a:pPr lvl="1"/>
+            <a:r>
+              <a:rPr lang="en-US" b="1" u="sng" dirty="0" smtClean="0"/>
+              <a:t>Examples</a:t>
+            </a:r>
+            <a:r>
+              <a:rPr lang="en-US" b="1" dirty="0" smtClean="0"/>
+              <a:t>: </a:t>
+            </a:r>
+            <a:r>
+              <a:rPr lang="en-US" dirty="0" smtClean="0"/>
+              <a:t>Chaste, </a:t>
+            </a:r>
+            <a:r>
+              <a:rPr lang="en-US" dirty="0" err="1" smtClean="0"/>
+              <a:t>Biocellion</a:t>
+            </a:r>
+            <a:r>
+              <a:rPr lang="en-US" dirty="0" smtClean="0"/>
+              <a:t>, PhysiCell</a:t>
+            </a:r>
+            <a:endParaRPr lang="en-US" b="1" dirty="0"/>
+          </a:p>
+          <a:p>
+            <a:endParaRPr lang="en-US" dirty="0" smtClean="0"/>
+          </a:p>
+          <a:p>
+            <a:endParaRPr lang="en-US" dirty="0"/>
+          </a:p>
+        </p:txBody>
+      </p:sp>
+      <p:sp>
+        <p:nvSpPr>
+          <p:cNvPr id="6" name="Regular Pentagon 5"/>
+          <p:cNvSpPr/>
+          <p:nvPr/>
+        </p:nvSpPr>
+        <p:spPr>
+          <a:xfrm rot="-1429800">
+            <a:off x="4781434" y="957216"/>
+            <a:ext cx="1243793" cy="1182740"/>
+          </a:xfrm>
+          <a:prstGeom prst="pentagon">
+            <a:avLst/>
+          </a:prstGeom>
+          <a:noFill/>
+          <a:ln w="12700">
+            <a:solidFill>
+              <a:srgbClr val="000000"/>
+            </a:solidFill>
+          </a:ln>
+        </p:spPr>
+        <p:txBody>
+          <a:bodyPr vert="horz" wrap="square" lIns="68580" tIns="34290" rIns="68580" bIns="34290" numCol="1" rtlCol="0" anchor="t" anchorCtr="0" compatLnSpc="1">
+            <a:prstTxWarp prst="textNoShape">
+              <a:avLst/>
+            </a:prstTxWarp>
+          </a:bodyPr>
+          <a:lstStyle/>
+          <a:p>
+            <a:pPr defTabSz="685800"/>
+            <a:endParaRPr lang="en-US" sz="1800" i="1">
+              <a:solidFill>
+                <a:srgbClr val="000000"/>
+              </a:solidFill>
+              <a:ea typeface="ＭＳ Ｐゴシック" charset="-128"/>
+            </a:endParaRPr>
+          </a:p>
+        </p:txBody>
+      </p:sp>
+      <p:cxnSp>
+        <p:nvCxnSpPr>
+          <p:cNvPr id="9" name="Straight Connector 8"/>
+          <p:cNvCxnSpPr>
+            <a:stCxn id="6" idx="0"/>
+          </p:cNvCxnSpPr>
+          <p:nvPr/>
+        </p:nvCxnSpPr>
+        <p:spPr>
+          <a:xfrm flipH="1">
+            <a:off x="5164381" y="1007631"/>
+            <a:ext cx="21" cy="10"/>
+          </a:xfrm>
+          <a:prstGeom prst="line">
+            <a:avLst/>
+          </a:prstGeom>
+          <a:ln w="12700">
+            <a:solidFill>
+              <a:srgbClr val="000000"/>
+            </a:solidFill>
+          </a:ln>
+        </p:spPr>
+      </p:cxnSp>
+      <p:cxnSp>
+        <p:nvCxnSpPr>
+          <p:cNvPr id="12" name="Straight Connector 11"/>
+          <p:cNvCxnSpPr>
+            <a:stCxn id="6" idx="5"/>
+          </p:cNvCxnSpPr>
+          <p:nvPr/>
+        </p:nvCxnSpPr>
+        <p:spPr>
+          <a:xfrm flipV="1">
+            <a:off x="5915804" y="761130"/>
+            <a:ext cx="338027" cy="408492"/>
+          </a:xfrm>
+          <a:prstGeom prst="line">
+            <a:avLst/>
+          </a:prstGeom>
+          <a:ln w="12700">
+            <a:solidFill>
+              <a:srgbClr val="000000"/>
+            </a:solidFill>
+          </a:ln>
+        </p:spPr>
+      </p:cxnSp>
+      <p:cxnSp>
+        <p:nvCxnSpPr>
+          <p:cNvPr id="15" name="Straight Connector 14"/>
+          <p:cNvCxnSpPr>
+            <a:stCxn id="6" idx="4"/>
+          </p:cNvCxnSpPr>
+          <p:nvPr/>
+        </p:nvCxnSpPr>
+        <p:spPr>
+          <a:xfrm>
+            <a:off x="5993842" y="1934250"/>
+            <a:ext cx="562658" cy="0"/>
+          </a:xfrm>
+          <a:prstGeom prst="line">
+            <a:avLst/>
+          </a:prstGeom>
+          <a:ln w="12700">
+            <a:solidFill>
+              <a:srgbClr val="000000"/>
+            </a:solidFill>
+          </a:ln>
+        </p:spPr>
+      </p:cxnSp>
+      <p:cxnSp>
+        <p:nvCxnSpPr>
+          <p:cNvPr id="18" name="Straight Connector 17"/>
+          <p:cNvCxnSpPr>
+            <a:stCxn id="6" idx="0"/>
+          </p:cNvCxnSpPr>
+          <p:nvPr/>
+        </p:nvCxnSpPr>
+        <p:spPr>
+          <a:xfrm flipH="1" flipV="1">
+            <a:off x="4907070" y="679591"/>
+            <a:ext cx="257332" cy="328040"/>
+          </a:xfrm>
+          <a:prstGeom prst="line">
+            <a:avLst/>
+          </a:prstGeom>
+          <a:ln w="12700">
+            <a:solidFill>
+              <a:srgbClr val="000000"/>
+            </a:solidFill>
+          </a:ln>
+        </p:spPr>
+      </p:cxnSp>
+      <p:cxnSp>
+        <p:nvCxnSpPr>
+          <p:cNvPr id="21" name="Straight Connector 20"/>
+          <p:cNvCxnSpPr>
+            <a:stCxn id="6" idx="1"/>
+          </p:cNvCxnSpPr>
+          <p:nvPr/>
+        </p:nvCxnSpPr>
+        <p:spPr>
+          <a:xfrm flipH="1">
+            <a:off x="4178341" y="1672143"/>
+            <a:ext cx="599708" cy="163857"/>
+          </a:xfrm>
+          <a:prstGeom prst="line">
+            <a:avLst/>
+          </a:prstGeom>
+          <a:ln w="12700">
+            <a:solidFill>
+              <a:srgbClr val="000000"/>
+            </a:solidFill>
+          </a:ln>
+        </p:spPr>
+      </p:cxnSp>
+      <p:cxnSp>
+        <p:nvCxnSpPr>
+          <p:cNvPr id="24" name="Straight Connector 23"/>
+          <p:cNvCxnSpPr>
+            <a:stCxn id="6" idx="2"/>
+          </p:cNvCxnSpPr>
+          <p:nvPr/>
+        </p:nvCxnSpPr>
+        <p:spPr>
+          <a:xfrm flipV="1">
+            <a:off x="5290671" y="2244780"/>
+            <a:ext cx="70" cy="45"/>
+          </a:xfrm>
+          <a:prstGeom prst="line">
+            <a:avLst/>
+          </a:prstGeom>
+          <a:ln w="12700">
+            <a:solidFill>
+              <a:srgbClr val="000000"/>
+            </a:solidFill>
+          </a:ln>
+        </p:spPr>
+      </p:cxnSp>
+      <p:cxnSp>
+        <p:nvCxnSpPr>
+          <p:cNvPr id="27" name="Straight Connector 26"/>
+          <p:cNvCxnSpPr>
+            <a:stCxn id="6" idx="2"/>
+          </p:cNvCxnSpPr>
+          <p:nvPr/>
+        </p:nvCxnSpPr>
+        <p:spPr>
+          <a:xfrm flipH="1">
+            <a:off x="5137651" y="2244825"/>
+            <a:ext cx="153020" cy="387405"/>
+          </a:xfrm>
+          <a:prstGeom prst="line">
+            <a:avLst/>
+          </a:prstGeom>
+          <a:ln w="12700">
+            <a:solidFill>
+              <a:srgbClr val="000000"/>
+            </a:solidFill>
+          </a:ln>
+        </p:spPr>
+      </p:cxnSp>
+      <p:cxnSp>
+        <p:nvCxnSpPr>
+          <p:cNvPr id="30" name="Straight Arrow Connector 29"/>
+          <p:cNvCxnSpPr>
+            <a:stCxn id="6" idx="3"/>
+          </p:cNvCxnSpPr>
+          <p:nvPr/>
+        </p:nvCxnSpPr>
+        <p:spPr>
+          <a:xfrm>
+            <a:off x="5642259" y="2089540"/>
+            <a:ext cx="351584" cy="542690"/>
+          </a:xfrm>
+          <a:prstGeom prst="straightConnector1">
+            <a:avLst/>
+          </a:prstGeom>
+          <a:ln w="12700">
+            <a:solidFill>
+              <a:srgbClr val="000000"/>
+            </a:solidFill>
+          </a:ln>
+        </p:spPr>
+      </p:cxnSp>
+      <mc:AlternateContent xmlns:mc="http://schemas.openxmlformats.org/markup-compatibility/2006">
+        <mc:Choice xmlns:p14="http://schemas.microsoft.com/office/powerpoint/2010/main" Requires="p14">
+          <p:contentPart p14:bwMode="auto" r:id="rId3">
+            <p14:nvContentPartPr>
+              <p14:cNvPr id="42" name="Ink 41"/>
+              <p14:cNvContentPartPr/>
+              <p14:nvPr/>
+            </p14:nvContentPartPr>
+            <p14:xfrm>
+              <a:off x="6266459" y="722495"/>
+              <a:ext cx="38880" cy="35370"/>
+            </p14:xfrm>
+          </p:contentPart>
+        </mc:Choice>
+        <mc:Fallback>
+          <p:pic>
+            <p:nvPicPr>
+              <p:cNvPr id="42" name="Ink 41"/>
+              <p:cNvPicPr/>
+              <p:nvPr/>
+            </p:nvPicPr>
+            <p:blipFill>
+              <a:blip r:embed="rId4"/>
+              <a:stretch>
+                <a:fillRect/>
+              </a:stretch>
+            </p:blipFill>
+            <p:spPr>
+              <a:xfrm>
+                <a:off x="6262892" y="718922"/>
+                <a:ext cx="44944" cy="41444"/>
+              </a:xfrm>
+              <a:prstGeom prst="rect">
+                <a:avLst/>
+              </a:prstGeom>
+            </p:spPr>
+          </p:pic>
+        </mc:Fallback>
+      </mc:AlternateContent>
+      <p:cxnSp>
+        <p:nvCxnSpPr>
+          <p:cNvPr id="68" name="Straight Connector 67"/>
+          <p:cNvCxnSpPr/>
+          <p:nvPr/>
+        </p:nvCxnSpPr>
+        <p:spPr bwMode="auto">
+          <a:xfrm>
+            <a:off x="6253831" y="756369"/>
+            <a:ext cx="661319" cy="558081"/>
+          </a:xfrm>
+          <a:prstGeom prst="line">
+            <a:avLst/>
+          </a:prstGeom>
+          <a:solidFill>
+            <a:schemeClr val="accent1"/>
+          </a:solidFill>
+          <a:ln w="12700" cap="flat" cmpd="sng" algn="ctr">
+            <a:solidFill>
+              <a:schemeClr val="tx1"/>
+            </a:solidFill>
+            <a:prstDash val="solid"/>
+            <a:round/>
+            <a:headEnd type="none" w="med" len="med"/>
+            <a:tailEnd type="none" w="med" len="med"/>
+          </a:ln>
+          <a:effectLst/>
+        </p:spPr>
+      </p:cxnSp>
+      <p:cxnSp>
+        <p:nvCxnSpPr>
+          <p:cNvPr id="82" name="Straight Connector 81"/>
+          <p:cNvCxnSpPr/>
+          <p:nvPr/>
+        </p:nvCxnSpPr>
+        <p:spPr bwMode="auto">
+          <a:xfrm flipH="1">
+            <a:off x="6556500" y="1314450"/>
+            <a:ext cx="358650" cy="619800"/>
+          </a:xfrm>
+          <a:prstGeom prst="line">
+            <a:avLst/>
+          </a:prstGeom>
+          <a:solidFill>
+            <a:schemeClr val="accent1"/>
+          </a:solidFill>
+          <a:ln w="12700" cap="flat" cmpd="sng" algn="ctr">
+            <a:solidFill>
+              <a:schemeClr val="tx1"/>
+            </a:solidFill>
+            <a:prstDash val="solid"/>
+            <a:round/>
+            <a:headEnd type="none" w="med" len="med"/>
+            <a:tailEnd type="none" w="med" len="med"/>
+          </a:ln>
+          <a:effectLst/>
+        </p:spPr>
+      </p:cxnSp>
+      <p:cxnSp>
+        <p:nvCxnSpPr>
+          <p:cNvPr id="86" name="Straight Arrow Connector 85"/>
+          <p:cNvCxnSpPr/>
+          <p:nvPr/>
+        </p:nvCxnSpPr>
+        <p:spPr>
+          <a:xfrm>
+            <a:off x="6584490" y="1934251"/>
+            <a:ext cx="192298" cy="539666"/>
+          </a:xfrm>
+          <a:prstGeom prst="straightConnector1">
+            <a:avLst/>
+          </a:prstGeom>
+          <a:ln w="12700">
+            <a:solidFill>
+              <a:srgbClr val="000000"/>
+            </a:solidFill>
+          </a:ln>
+        </p:spPr>
+      </p:cxnSp>
+      <p:cxnSp>
+        <p:nvCxnSpPr>
+          <p:cNvPr id="94" name="Straight Connector 93"/>
+          <p:cNvCxnSpPr/>
+          <p:nvPr/>
+        </p:nvCxnSpPr>
+        <p:spPr>
+          <a:xfrm flipV="1">
+            <a:off x="5984641" y="1605718"/>
+            <a:ext cx="226448" cy="328562"/>
+          </a:xfrm>
+          <a:prstGeom prst="line">
+            <a:avLst/>
+          </a:prstGeom>
+          <a:ln w="24000">
+            <a:solidFill>
+              <a:srgbClr val="ED1C24"/>
+            </a:solidFill>
+            <a:tailEnd type="triangle"/>
+          </a:ln>
+        </p:spPr>
+      </p:cxnSp>
+      <p:cxnSp>
+        <p:nvCxnSpPr>
+          <p:cNvPr id="117" name="Straight Connector 116"/>
+          <p:cNvCxnSpPr>
+            <a:endCxn id="6" idx="4"/>
+          </p:cNvCxnSpPr>
+          <p:nvPr/>
+        </p:nvCxnSpPr>
+        <p:spPr>
+          <a:xfrm>
+            <a:off x="5664025" y="1754071"/>
+            <a:ext cx="329818" cy="180179"/>
+          </a:xfrm>
+          <a:prstGeom prst="line">
+            <a:avLst/>
+          </a:prstGeom>
+          <a:ln w="24000">
+            <a:solidFill>
+              <a:srgbClr val="ED1C24"/>
+            </a:solidFill>
+            <a:headEnd type="triangle"/>
+          </a:ln>
+        </p:spPr>
+      </p:cxnSp>
+      <p:cxnSp>
+        <p:nvCxnSpPr>
+          <p:cNvPr id="124" name="Straight Connector 123"/>
+          <p:cNvCxnSpPr>
+            <a:endCxn id="6" idx="4"/>
+          </p:cNvCxnSpPr>
+          <p:nvPr/>
+        </p:nvCxnSpPr>
+        <p:spPr>
+          <a:xfrm flipH="1" flipV="1">
+            <a:off x="5993843" y="1934250"/>
+            <a:ext cx="104021" cy="269833"/>
+          </a:xfrm>
+          <a:prstGeom prst="line">
+            <a:avLst/>
+          </a:prstGeom>
+          <a:ln w="24000">
+            <a:solidFill>
+              <a:srgbClr val="ED1C24"/>
+            </a:solidFill>
+            <a:headEnd type="triangle"/>
+          </a:ln>
+        </p:spPr>
+      </p:cxnSp>
+      <p:sp>
+        <p:nvSpPr>
+          <p:cNvPr id="205" name="Regular Pentagon 204"/>
+          <p:cNvSpPr/>
+          <p:nvPr/>
+        </p:nvSpPr>
+        <p:spPr>
+          <a:xfrm rot="20170200">
+            <a:off x="5421412" y="2892381"/>
+            <a:ext cx="1243793" cy="1182740"/>
+          </a:xfrm>
+          <a:prstGeom prst="pentagon">
+            <a:avLst/>
+          </a:prstGeom>
+          <a:noFill/>
+          <a:ln w="12700">
+            <a:solidFill>
+              <a:srgbClr val="000000"/>
+            </a:solidFill>
+          </a:ln>
+        </p:spPr>
+        <p:txBody>
+          <a:bodyPr vert="horz" wrap="square" lIns="68580" tIns="34290" rIns="68580" bIns="34290" numCol="1" rtlCol="0" anchor="t" anchorCtr="0" compatLnSpc="1">
+            <a:prstTxWarp prst="textNoShape">
+              <a:avLst/>
+            </a:prstTxWarp>
+          </a:bodyPr>
+          <a:lstStyle/>
+          <a:p>
+            <a:pPr defTabSz="685800"/>
+            <a:endParaRPr lang="en-US" sz="1800" i="1">
+              <a:solidFill>
+                <a:srgbClr val="000000"/>
+              </a:solidFill>
+              <a:ea typeface="ＭＳ Ｐゴシック" charset="-128"/>
+            </a:endParaRPr>
+          </a:p>
+        </p:txBody>
+      </p:sp>
+      <p:cxnSp>
+        <p:nvCxnSpPr>
+          <p:cNvPr id="206" name="Straight Connector 205"/>
+          <p:cNvCxnSpPr>
+            <a:stCxn id="205" idx="0"/>
+          </p:cNvCxnSpPr>
+          <p:nvPr/>
+        </p:nvCxnSpPr>
+        <p:spPr>
+          <a:xfrm flipH="1">
+            <a:off x="5804360" y="2942796"/>
+            <a:ext cx="21" cy="10"/>
+          </a:xfrm>
+          <a:prstGeom prst="line">
+            <a:avLst/>
+          </a:prstGeom>
+          <a:ln w="12700">
+            <a:solidFill>
+              <a:srgbClr val="000000"/>
+            </a:solidFill>
+          </a:ln>
+        </p:spPr>
+      </p:cxnSp>
+      <p:cxnSp>
+        <p:nvCxnSpPr>
+          <p:cNvPr id="207" name="Straight Connector 206"/>
+          <p:cNvCxnSpPr>
+            <a:stCxn id="205" idx="5"/>
+          </p:cNvCxnSpPr>
+          <p:nvPr/>
+        </p:nvCxnSpPr>
+        <p:spPr>
+          <a:xfrm flipV="1">
+            <a:off x="6555783" y="2696295"/>
+            <a:ext cx="338027" cy="408492"/>
+          </a:xfrm>
+          <a:prstGeom prst="line">
+            <a:avLst/>
+          </a:prstGeom>
+          <a:ln w="12700">
+            <a:solidFill>
+              <a:srgbClr val="000000"/>
+            </a:solidFill>
+          </a:ln>
+        </p:spPr>
+      </p:cxnSp>
+      <p:cxnSp>
+        <p:nvCxnSpPr>
+          <p:cNvPr id="208" name="Straight Connector 207"/>
+          <p:cNvCxnSpPr>
+            <a:stCxn id="205" idx="4"/>
+          </p:cNvCxnSpPr>
+          <p:nvPr/>
+        </p:nvCxnSpPr>
+        <p:spPr>
+          <a:xfrm>
+            <a:off x="6633821" y="3869415"/>
+            <a:ext cx="562658" cy="0"/>
+          </a:xfrm>
+          <a:prstGeom prst="line">
+            <a:avLst/>
+          </a:prstGeom>
+          <a:ln w="12700">
+            <a:solidFill>
+              <a:srgbClr val="000000"/>
+            </a:solidFill>
+          </a:ln>
+        </p:spPr>
+      </p:cxnSp>
+      <p:cxnSp>
+        <p:nvCxnSpPr>
+          <p:cNvPr id="209" name="Straight Connector 208"/>
+          <p:cNvCxnSpPr>
+            <a:stCxn id="205" idx="0"/>
+          </p:cNvCxnSpPr>
+          <p:nvPr/>
+        </p:nvCxnSpPr>
+        <p:spPr>
+          <a:xfrm flipH="1" flipV="1">
+            <a:off x="5547049" y="2614756"/>
+            <a:ext cx="257332" cy="328040"/>
+          </a:xfrm>
+          <a:prstGeom prst="line">
+            <a:avLst/>
+          </a:prstGeom>
+          <a:ln w="12700">
+            <a:solidFill>
+              <a:srgbClr val="000000"/>
+            </a:solidFill>
+          </a:ln>
+        </p:spPr>
+      </p:cxnSp>
+      <p:cxnSp>
+        <p:nvCxnSpPr>
+          <p:cNvPr id="210" name="Straight Connector 209"/>
+          <p:cNvCxnSpPr>
+            <a:stCxn id="205" idx="1"/>
+          </p:cNvCxnSpPr>
+          <p:nvPr/>
+        </p:nvCxnSpPr>
+        <p:spPr>
+          <a:xfrm flipH="1">
+            <a:off x="4818320" y="3607308"/>
+            <a:ext cx="599708" cy="163857"/>
+          </a:xfrm>
+          <a:prstGeom prst="line">
+            <a:avLst/>
+          </a:prstGeom>
+          <a:ln w="12700">
+            <a:solidFill>
+              <a:srgbClr val="000000"/>
+            </a:solidFill>
+          </a:ln>
+        </p:spPr>
+      </p:cxnSp>
+      <p:cxnSp>
+        <p:nvCxnSpPr>
+          <p:cNvPr id="211" name="Straight Connector 210"/>
+          <p:cNvCxnSpPr>
+            <a:stCxn id="205" idx="2"/>
+          </p:cNvCxnSpPr>
+          <p:nvPr/>
+        </p:nvCxnSpPr>
+        <p:spPr>
+          <a:xfrm flipV="1">
+            <a:off x="5930650" y="4179945"/>
+            <a:ext cx="70" cy="45"/>
+          </a:xfrm>
+          <a:prstGeom prst="line">
+            <a:avLst/>
+          </a:prstGeom>
+          <a:ln w="12700">
+            <a:solidFill>
+              <a:srgbClr val="000000"/>
+            </a:solidFill>
+          </a:ln>
+        </p:spPr>
+      </p:cxnSp>
+      <p:cxnSp>
+        <p:nvCxnSpPr>
+          <p:cNvPr id="212" name="Straight Connector 211"/>
+          <p:cNvCxnSpPr>
+            <a:stCxn id="205" idx="2"/>
+          </p:cNvCxnSpPr>
+          <p:nvPr/>
+        </p:nvCxnSpPr>
+        <p:spPr>
+          <a:xfrm flipH="1">
+            <a:off x="5777630" y="4179990"/>
+            <a:ext cx="153020" cy="387405"/>
+          </a:xfrm>
+          <a:prstGeom prst="line">
+            <a:avLst/>
+          </a:prstGeom>
+          <a:ln w="12700">
+            <a:solidFill>
+              <a:srgbClr val="000000"/>
+            </a:solidFill>
+          </a:ln>
+        </p:spPr>
+      </p:cxnSp>
+      <p:cxnSp>
+        <p:nvCxnSpPr>
+          <p:cNvPr id="213" name="Straight Arrow Connector 212"/>
+          <p:cNvCxnSpPr>
+            <a:stCxn id="205" idx="3"/>
+          </p:cNvCxnSpPr>
+          <p:nvPr/>
+        </p:nvCxnSpPr>
+        <p:spPr>
+          <a:xfrm>
+            <a:off x="6282238" y="4024705"/>
+            <a:ext cx="351584" cy="542690"/>
+          </a:xfrm>
+          <a:prstGeom prst="straightConnector1">
+            <a:avLst/>
+          </a:prstGeom>
+          <a:ln w="12700">
+            <a:solidFill>
+              <a:srgbClr val="000000"/>
+            </a:solidFill>
+          </a:ln>
+        </p:spPr>
+      </p:cxnSp>
+      <mc:AlternateContent xmlns:mc="http://schemas.openxmlformats.org/markup-compatibility/2006">
+        <mc:Choice xmlns:p14="http://schemas.microsoft.com/office/powerpoint/2010/main" Requires="p14">
+          <p:contentPart p14:bwMode="auto" r:id="rId5">
+            <p14:nvContentPartPr>
+              <p14:cNvPr id="214" name="Ink 213"/>
+              <p14:cNvContentPartPr/>
+              <p14:nvPr/>
+            </p14:nvContentPartPr>
+            <p14:xfrm>
+              <a:off x="6906437" y="2657660"/>
+              <a:ext cx="38880" cy="35370"/>
+            </p14:xfrm>
+          </p:contentPart>
+        </mc:Choice>
+        <mc:Fallback>
+          <p:pic>
+            <p:nvPicPr>
+              <p:cNvPr id="214" name="Ink 213"/>
+              <p:cNvPicPr/>
+              <p:nvPr/>
+            </p:nvPicPr>
+            <p:blipFill>
+              <a:blip r:embed="rId6"/>
+              <a:stretch>
+                <a:fillRect/>
+              </a:stretch>
+            </p:blipFill>
+            <p:spPr>
+              <a:xfrm>
+                <a:off x="6902870" y="2654123"/>
+                <a:ext cx="44944" cy="41383"/>
+              </a:xfrm>
+              <a:prstGeom prst="rect">
+                <a:avLst/>
+              </a:prstGeom>
+            </p:spPr>
+          </p:pic>
+        </mc:Fallback>
+      </mc:AlternateContent>
+      <p:cxnSp>
+        <p:nvCxnSpPr>
+          <p:cNvPr id="215" name="Straight Connector 214"/>
+          <p:cNvCxnSpPr/>
+          <p:nvPr/>
+        </p:nvCxnSpPr>
+        <p:spPr bwMode="auto">
+          <a:xfrm>
+            <a:off x="6893810" y="2691534"/>
+            <a:ext cx="661319" cy="558081"/>
+          </a:xfrm>
+          <a:prstGeom prst="line">
+            <a:avLst/>
+          </a:prstGeom>
+          <a:solidFill>
+            <a:schemeClr val="accent1"/>
+          </a:solidFill>
+          <a:ln w="12700" cap="flat" cmpd="sng" algn="ctr">
+            <a:solidFill>
+              <a:schemeClr val="tx1"/>
+            </a:solidFill>
+            <a:prstDash val="solid"/>
+            <a:round/>
+            <a:headEnd type="none" w="med" len="med"/>
+            <a:tailEnd type="none" w="med" len="med"/>
+          </a:ln>
+          <a:effectLst/>
+        </p:spPr>
+      </p:cxnSp>
+      <p:cxnSp>
+        <p:nvCxnSpPr>
+          <p:cNvPr id="216" name="Straight Connector 215"/>
+          <p:cNvCxnSpPr/>
+          <p:nvPr/>
+        </p:nvCxnSpPr>
+        <p:spPr bwMode="auto">
+          <a:xfrm flipH="1">
+            <a:off x="7196479" y="3249615"/>
+            <a:ext cx="358650" cy="619800"/>
+          </a:xfrm>
+          <a:prstGeom prst="line">
+            <a:avLst/>
+          </a:prstGeom>
+          <a:solidFill>
+            <a:schemeClr val="accent1"/>
+          </a:solidFill>
+          <a:ln w="12700" cap="flat" cmpd="sng" algn="ctr">
+            <a:solidFill>
+              <a:schemeClr val="tx1"/>
+            </a:solidFill>
+            <a:prstDash val="solid"/>
+            <a:round/>
+            <a:headEnd type="none" w="med" len="med"/>
+            <a:tailEnd type="none" w="med" len="med"/>
+          </a:ln>
+          <a:effectLst/>
+        </p:spPr>
+      </p:cxnSp>
+      <p:cxnSp>
+        <p:nvCxnSpPr>
+          <p:cNvPr id="217" name="Straight Arrow Connector 216"/>
+          <p:cNvCxnSpPr/>
+          <p:nvPr/>
+        </p:nvCxnSpPr>
+        <p:spPr>
+          <a:xfrm>
+            <a:off x="7224469" y="3869416"/>
+            <a:ext cx="192298" cy="539666"/>
+          </a:xfrm>
+          <a:prstGeom prst="straightConnector1">
+            <a:avLst/>
+          </a:prstGeom>
+          <a:ln w="12700">
+            <a:solidFill>
+              <a:srgbClr val="000000"/>
+            </a:solidFill>
+          </a:ln>
+        </p:spPr>
+      </p:cxnSp>
+      <p:cxnSp>
+        <p:nvCxnSpPr>
+          <p:cNvPr id="218" name="Straight Connector 217"/>
+          <p:cNvCxnSpPr/>
+          <p:nvPr/>
+        </p:nvCxnSpPr>
+        <p:spPr>
+          <a:xfrm flipV="1">
+            <a:off x="6095219" y="2776898"/>
+            <a:ext cx="205460" cy="787908"/>
+          </a:xfrm>
+          <a:prstGeom prst="line">
+            <a:avLst/>
+          </a:prstGeom>
+          <a:ln w="24000">
+            <a:solidFill>
+              <a:srgbClr val="ED1C24"/>
+            </a:solidFill>
+            <a:tailEnd type="triangle"/>
+          </a:ln>
+        </p:spPr>
+      </p:cxnSp>
+      <p:cxnSp>
+        <p:nvCxnSpPr>
+          <p:cNvPr id="219" name="Straight Connector 218"/>
+          <p:cNvCxnSpPr/>
+          <p:nvPr/>
+        </p:nvCxnSpPr>
+        <p:spPr>
+          <a:xfrm>
+            <a:off x="5403330" y="3160414"/>
+            <a:ext cx="677382" cy="404393"/>
+          </a:xfrm>
+          <a:prstGeom prst="line">
+            <a:avLst/>
+          </a:prstGeom>
+          <a:ln w="24000">
+            <a:solidFill>
+              <a:srgbClr val="ED1C24"/>
+            </a:solidFill>
+            <a:headEnd type="triangle"/>
+          </a:ln>
+        </p:spPr>
+      </p:cxnSp>
+      <p:cxnSp>
+        <p:nvCxnSpPr>
+          <p:cNvPr id="220" name="Straight Connector 219"/>
+          <p:cNvCxnSpPr/>
+          <p:nvPr/>
+        </p:nvCxnSpPr>
+        <p:spPr>
+          <a:xfrm flipV="1">
+            <a:off x="5538698" y="3554321"/>
+            <a:ext cx="542015" cy="584927"/>
+          </a:xfrm>
+          <a:prstGeom prst="line">
+            <a:avLst/>
+          </a:prstGeom>
+          <a:ln w="24000">
+            <a:solidFill>
+              <a:srgbClr val="ED1C24"/>
+            </a:solidFill>
+            <a:headEnd type="triangle"/>
+          </a:ln>
+        </p:spPr>
+      </p:cxnSp>
+      <p:cxnSp>
+        <p:nvCxnSpPr>
+          <p:cNvPr id="224" name="Straight Connector 223"/>
+          <p:cNvCxnSpPr/>
+          <p:nvPr/>
+        </p:nvCxnSpPr>
+        <p:spPr>
+          <a:xfrm flipH="1" flipV="1">
+            <a:off x="6086260" y="3564808"/>
+            <a:ext cx="73145" cy="731243"/>
+          </a:xfrm>
+          <a:prstGeom prst="line">
+            <a:avLst/>
+          </a:prstGeom>
+          <a:ln w="24000">
+            <a:solidFill>
+              <a:srgbClr val="ED1C24"/>
+            </a:solidFill>
+            <a:headEnd type="triangle"/>
+          </a:ln>
+        </p:spPr>
+      </p:cxnSp>
+      <p:cxnSp>
+        <p:nvCxnSpPr>
+          <p:cNvPr id="227" name="Straight Connector 226"/>
+          <p:cNvCxnSpPr/>
+          <p:nvPr/>
+        </p:nvCxnSpPr>
+        <p:spPr>
+          <a:xfrm flipH="1">
+            <a:off x="6080712" y="3362609"/>
+            <a:ext cx="850759" cy="202077"/>
+          </a:xfrm>
+          <a:prstGeom prst="line">
+            <a:avLst/>
+          </a:prstGeom>
+          <a:ln w="24000">
+            <a:solidFill>
+              <a:srgbClr val="ED1C24"/>
+            </a:solidFill>
+            <a:headEnd type="triangle"/>
+          </a:ln>
+        </p:spPr>
+      </p:cxnSp>
+      <p:cxnSp>
+        <p:nvCxnSpPr>
+          <p:cNvPr id="230" name="Straight Connector 229"/>
+          <p:cNvCxnSpPr/>
+          <p:nvPr/>
+        </p:nvCxnSpPr>
+        <p:spPr>
+          <a:xfrm flipV="1">
+            <a:off x="6043309" y="2933816"/>
+            <a:ext cx="70959" cy="406052"/>
+          </a:xfrm>
+          <a:prstGeom prst="line">
+            <a:avLst/>
+          </a:prstGeom>
+          <a:ln w="24000">
+            <a:solidFill>
+              <a:srgbClr val="0070C0"/>
+            </a:solidFill>
+            <a:headEnd type="triangle"/>
+          </a:ln>
+        </p:spPr>
+      </p:cxnSp>
+      <p:cxnSp>
+        <p:nvCxnSpPr>
+          <p:cNvPr id="233" name="Straight Connector 232"/>
+          <p:cNvCxnSpPr/>
+          <p:nvPr/>
+        </p:nvCxnSpPr>
+        <p:spPr>
+          <a:xfrm flipH="1" flipV="1">
+            <a:off x="5492872" y="3067620"/>
+            <a:ext cx="401592" cy="246557"/>
+          </a:xfrm>
+          <a:prstGeom prst="line">
+            <a:avLst/>
+          </a:prstGeom>
+          <a:ln w="24000">
+            <a:solidFill>
+              <a:srgbClr val="0070C0"/>
+            </a:solidFill>
+            <a:headEnd type="triangle"/>
+          </a:ln>
+        </p:spPr>
+      </p:cxnSp>
+      <p:cxnSp>
+        <p:nvCxnSpPr>
+          <p:cNvPr id="237" name="Straight Connector 236"/>
+          <p:cNvCxnSpPr/>
+          <p:nvPr/>
+        </p:nvCxnSpPr>
+        <p:spPr>
+          <a:xfrm flipH="1">
+            <a:off x="5363477" y="3600953"/>
+            <a:ext cx="504942" cy="536924"/>
+          </a:xfrm>
+          <a:prstGeom prst="line">
+            <a:avLst/>
+          </a:prstGeom>
+          <a:ln w="24000">
+            <a:solidFill>
+              <a:srgbClr val="0070C0"/>
+            </a:solidFill>
+            <a:headEnd type="triangle"/>
+          </a:ln>
+        </p:spPr>
+      </p:cxnSp>
+      <p:cxnSp>
+        <p:nvCxnSpPr>
+          <p:cNvPr id="239" name="Straight Connector 238"/>
+          <p:cNvCxnSpPr/>
+          <p:nvPr/>
+        </p:nvCxnSpPr>
+        <p:spPr>
+          <a:xfrm>
+            <a:off x="6195658" y="3721724"/>
+            <a:ext cx="34358" cy="492932"/>
+          </a:xfrm>
+          <a:prstGeom prst="line">
+            <a:avLst/>
+          </a:prstGeom>
+          <a:ln w="24000">
+            <a:solidFill>
+              <a:srgbClr val="0070C0"/>
+            </a:solidFill>
+            <a:headEnd type="triangle"/>
+          </a:ln>
+        </p:spPr>
+      </p:cxnSp>
+      <p:cxnSp>
+        <p:nvCxnSpPr>
+          <p:cNvPr id="242" name="Straight Connector 241"/>
+          <p:cNvCxnSpPr/>
+          <p:nvPr/>
+        </p:nvCxnSpPr>
+        <p:spPr>
+          <a:xfrm flipV="1">
+            <a:off x="6371546" y="3483750"/>
+            <a:ext cx="417778" cy="117203"/>
+          </a:xfrm>
+          <a:prstGeom prst="line">
+            <a:avLst/>
+          </a:prstGeom>
+          <a:ln w="24000">
+            <a:solidFill>
+              <a:srgbClr val="0070C0"/>
+            </a:solidFill>
+            <a:headEnd type="triangle"/>
+          </a:ln>
+        </p:spPr>
+      </p:cxnSp>
+    </p:spTree>
+    <p:extLst>
+      <p:ext uri="{BB962C8B-B14F-4D97-AF65-F5344CB8AC3E}">
+        <p14:creationId xmlns:p14="http://schemas.microsoft.com/office/powerpoint/2010/main" val="829820053"/>
+      </p:ext>
+    </p:extLst>
+  </p:cSld>
+  <p:clrMapOvr>
+    <a:masterClrMapping/>
+  </p:clrMapOvr>
+  <p:timing>
+    <p:tnLst>
+      <p:par>
+        <p:cTn id="1" dur="indefinite" restart="never" nodeType="tmRoot"/>
+      </p:par>
+    </p:tnLst>
+  </p:timing>
+</p:sld>
+</file>
+
+<file path=ppt/slides/slide9.xml><?xml version="1.0" encoding="utf-8"?>
+<p:sld xmlns:a="http://schemas.openxmlformats.org/drawingml/2006/main" xmlns:r="http://schemas.openxmlformats.org/officeDocument/2006/relationships" xmlns:p="http://schemas.openxmlformats.org/presentationml/2006/main">
+  <p:cSld>
+    <p:spTree>
+      <p:nvGrpSpPr>
+        <p:cNvPr id="1" name=""/>
+        <p:cNvGrpSpPr/>
+        <p:nvPr/>
+      </p:nvGrpSpPr>
+      <p:grpSpPr>
+        <a:xfrm>
+          <a:off x="0" y="0"/>
+          <a:ext cx="0" cy="0"/>
+          <a:chOff x="0" y="0"/>
+          <a:chExt cx="0" cy="0"/>
+        </a:xfrm>
+      </p:grpSpPr>
+      <p:sp>
+        <p:nvSpPr>
+          <p:cNvPr id="4" name="Text Placeholder 3"/>
+          <p:cNvSpPr>
+            <a:spLocks noGrp="1"/>
+          </p:cNvSpPr>
+          <p:nvPr>
+            <p:ph type="body" sz="quarter" idx="10"/>
+          </p:nvPr>
+        </p:nvSpPr>
+        <p:spPr/>
+        <p:txBody>
+          <a:bodyPr/>
+          <a:lstStyle/>
+          <a:p>
+            <a:r>
+              <a:rPr lang="en-US" dirty="0" smtClean="0"/>
+              <a:t>from </a:t>
+            </a:r>
+            <a:r>
+              <a:rPr lang="en-US" dirty="0" err="1" smtClean="0"/>
+              <a:t>mcsb</a:t>
+            </a:r>
+            <a:endParaRPr lang="en-US" dirty="0"/>
+          </a:p>
+        </p:txBody>
+      </p:sp>
+    </p:spTree>
+    <p:extLst>
+      <p:ext uri="{BB962C8B-B14F-4D97-AF65-F5344CB8AC3E}">
+        <p14:creationId xmlns:p14="http://schemas.microsoft.com/office/powerpoint/2010/main" val="1353979948"/>
       </p:ext>
     </p:extLst>
   </p:cSld>

--- a/pptx_source/03-What-is-ABM.pptx
+++ b/pptx_source/03-What-is-ABM.pptx
@@ -4941,10 +4941,10 @@
           <a:lstStyle/>
           <a:p>
             <a:r>
-              <a:rPr lang="en-US" smtClean="0"/>
+              <a:rPr lang="en-US" dirty="0" smtClean="0"/>
               <a:t>standard stuff</a:t>
             </a:r>
-            <a:endParaRPr lang="en-US"/>
+            <a:endParaRPr lang="en-US" dirty="0"/>
           </a:p>
         </p:txBody>
       </p:sp>

--- a/pptx_source/03-What-is-ABM.pptx
+++ b/pptx_source/03-What-is-ABM.pptx
@@ -5,23 +5,24 @@
     <p:sldMasterId id="2147483660" r:id="rId1"/>
   </p:sldMasterIdLst>
   <p:notesMasterIdLst>
-    <p:notesMasterId r:id="rId16"/>
+    <p:notesMasterId r:id="rId17"/>
   </p:notesMasterIdLst>
   <p:sldIdLst>
     <p:sldId id="257" r:id="rId2"/>
-    <p:sldId id="268" r:id="rId3"/>
-    <p:sldId id="270" r:id="rId4"/>
-    <p:sldId id="271" r:id="rId5"/>
-    <p:sldId id="272" r:id="rId6"/>
-    <p:sldId id="273" r:id="rId7"/>
-    <p:sldId id="274" r:id="rId8"/>
-    <p:sldId id="275" r:id="rId9"/>
-    <p:sldId id="269" r:id="rId10"/>
-    <p:sldId id="276" r:id="rId11"/>
-    <p:sldId id="277" r:id="rId12"/>
-    <p:sldId id="278" r:id="rId13"/>
-    <p:sldId id="266" r:id="rId14"/>
-    <p:sldId id="267" r:id="rId15"/>
+    <p:sldId id="279" r:id="rId3"/>
+    <p:sldId id="268" r:id="rId4"/>
+    <p:sldId id="270" r:id="rId5"/>
+    <p:sldId id="271" r:id="rId6"/>
+    <p:sldId id="272" r:id="rId7"/>
+    <p:sldId id="273" r:id="rId8"/>
+    <p:sldId id="274" r:id="rId9"/>
+    <p:sldId id="275" r:id="rId10"/>
+    <p:sldId id="269" r:id="rId11"/>
+    <p:sldId id="276" r:id="rId12"/>
+    <p:sldId id="277" r:id="rId13"/>
+    <p:sldId id="278" r:id="rId14"/>
+    <p:sldId id="266" r:id="rId15"/>
+    <p:sldId id="267" r:id="rId16"/>
   </p:sldIdLst>
   <p:sldSz cx="9144000" cy="5143500" type="screen16x9"/>
   <p:notesSz cx="6858000" cy="9144000"/>
@@ -351,7 +352,7 @@
               <a:pPr>
                 <a:defRPr/>
               </a:pPr>
-              <a:t>1/25/2020</a:t>
+              <a:t>2/3/2020</a:t>
             </a:fld>
             <a:endParaRPr lang="en-US" dirty="0"/>
           </a:p>
@@ -745,7 +746,7 @@
               <a:pPr>
                 <a:defRPr/>
               </a:pPr>
-              <a:t>6</a:t>
+              <a:t>7</a:t>
             </a:fld>
             <a:endParaRPr lang="en-US"/>
           </a:p>
@@ -835,7 +836,7 @@
               <a:pPr>
                 <a:defRPr/>
               </a:pPr>
-              <a:t>8</a:t>
+              <a:t>9</a:t>
             </a:fld>
             <a:endParaRPr lang="en-US" altLang="en-US"/>
           </a:p>
@@ -3631,7 +3632,7 @@
               </a14:hiddenLine>
             </a:ext>
             <a:ext uri="{FAA26D3D-D897-4be2-8F04-BA451C77F1D7}">
-              <ma14:placeholderFlag xmlns="" xmlns:ma14="http://schemas.microsoft.com/office/mac/drawingml/2011/main" val="1"/>
+              <ma14:placeholderFlag xmlns:ma14="http://schemas.microsoft.com/office/mac/drawingml/2011/main" xmlns="" val="1"/>
             </a:ext>
           </a:extLst>
         </p:spPr>
@@ -4342,13 +4343,18 @@
               <a:t>: </a:t>
             </a:r>
             <a:r>
-              <a:rPr lang="en-US" sz="1800"/>
-              <a:t>November 13, </a:t>
+              <a:rPr lang="en-US" sz="1800" dirty="0" smtClean="0"/>
+              <a:t>February 3</a:t>
             </a:r>
             <a:r>
               <a:rPr lang="en-US" sz="1800" dirty="0"/>
-              <a:t>2019</a:t>
-            </a:r>
+              <a:t>, </a:t>
+            </a:r>
+            <a:r>
+              <a:rPr lang="en-US" sz="1800" dirty="0" smtClean="0"/>
+              <a:t>2020</a:t>
+            </a:r>
+            <a:endParaRPr lang="en-US" sz="1800" dirty="0"/>
           </a:p>
         </p:txBody>
       </p:sp>
@@ -4357,7 +4363,7 @@
           <p:cNvPr id="5" name="Graphic 4">
             <a:extLst>
               <a:ext uri="{FF2B5EF4-FFF2-40B4-BE49-F238E27FC236}">
-                <a16:creationId xmlns:a16="http://schemas.microsoft.com/office/drawing/2014/main" xmlns="" id="{734F3219-C3E5-4037-A29B-5892A640AF97}"/>
+                <a16:creationId xmlns:a16="http://schemas.microsoft.com/office/drawing/2014/main" id="{734F3219-C3E5-4037-A29B-5892A640AF97}"/>
               </a:ext>
             </a:extLst>
           </p:cNvPr>
@@ -4373,7 +4379,7 @@
                 <a14:useLocalDpi xmlns:a14="http://schemas.microsoft.com/office/drawing/2010/main" val="0"/>
               </a:ext>
               <a:ext uri="{96DAC541-7B7A-43D3-8B79-37D633B846F1}">
-                <asvg:svgBlip xmlns:asvg="http://schemas.microsoft.com/office/drawing/2016/SVG/main" xmlns="" r:embed="rId3"/>
+                <asvg:svgBlip xmlns="" xmlns:asvg="http://schemas.microsoft.com/office/drawing/2016/SVG/main" r:embed="rId3"/>
               </a:ext>
             </a:extLst>
           </a:blip>
@@ -4515,18 +4521,12 @@
       </p:grpSpPr>
       <p:sp>
         <p:nvSpPr>
-          <p:cNvPr id="3" name="Title 2">
-            <a:extLst>
-              <a:ext uri="{FF2B5EF4-FFF2-40B4-BE49-F238E27FC236}">
-                <a16:creationId xmlns:a16="http://schemas.microsoft.com/office/drawing/2014/main" xmlns="" id="{56685F81-5590-41EE-9377-0E9D7A857621}"/>
-              </a:ext>
-            </a:extLst>
-          </p:cNvPr>
+          <p:cNvPr id="4" name="Text Placeholder 3"/>
           <p:cNvSpPr>
             <a:spLocks noGrp="1"/>
           </p:cNvSpPr>
           <p:nvPr>
-            <p:ph type="title"/>
+            <p:ph type="body" sz="quarter" idx="10"/>
           </p:nvPr>
         </p:nvSpPr>
         <p:spPr/>
@@ -4535,154 +4535,13 @@
           <a:lstStyle/>
           <a:p>
             <a:r>
-              <a:rPr lang="en-US" dirty="0"/>
-              <a:t>What is agent-based modeling?</a:t>
-            </a:r>
-          </a:p>
-        </p:txBody>
-      </p:sp>
-      <p:sp>
-        <p:nvSpPr>
-          <p:cNvPr id="4" name="Content Placeholder 3">
-            <a:extLst>
-              <a:ext uri="{FF2B5EF4-FFF2-40B4-BE49-F238E27FC236}">
-                <a16:creationId xmlns:a16="http://schemas.microsoft.com/office/drawing/2014/main" xmlns="" id="{90F4ABE2-1AB1-4B94-9120-5FCE6AAF60DB}"/>
-              </a:ext>
-            </a:extLst>
-          </p:cNvPr>
-          <p:cNvSpPr>
-            <a:spLocks noGrp="1"/>
-          </p:cNvSpPr>
-          <p:nvPr>
-            <p:ph idx="1"/>
-          </p:nvPr>
-        </p:nvSpPr>
-        <p:spPr/>
-        <p:txBody>
-          <a:bodyPr>
-            <a:normAutofit fontScale="70000" lnSpcReduction="20000"/>
-          </a:bodyPr>
-          <a:lstStyle/>
-          <a:p>
-            <a:r>
-              <a:rPr lang="en-US" dirty="0"/>
-              <a:t>Each cell is treated as a separate software object (an </a:t>
-            </a:r>
-            <a:r>
-              <a:rPr lang="en-US" b="1" dirty="0"/>
-              <a:t>agent</a:t>
-            </a:r>
-            <a:r>
-              <a:rPr lang="en-US" dirty="0"/>
-              <a:t>)</a:t>
-            </a:r>
-          </a:p>
-          <a:p>
-            <a:pPr lvl="1"/>
-            <a:r>
-              <a:rPr lang="en-US" dirty="0"/>
-              <a:t>Internal data (an internal state)	</a:t>
-            </a:r>
-          </a:p>
-          <a:p>
-            <a:pPr lvl="2"/>
-            <a:r>
-              <a:rPr lang="en-US" dirty="0"/>
-              <a:t>Position, Size, Cycle State, molecular variables, …. </a:t>
-            </a:r>
-          </a:p>
-          <a:p>
-            <a:pPr lvl="1"/>
-            <a:r>
-              <a:rPr lang="en-US" dirty="0"/>
-              <a:t>Cellular processes </a:t>
-            </a:r>
-          </a:p>
-          <a:p>
-            <a:pPr lvl="2"/>
-            <a:r>
-              <a:rPr lang="en-US" dirty="0"/>
-              <a:t>Cycling, Death, Motility, Growth, Adhesion, … </a:t>
-            </a:r>
-          </a:p>
-          <a:p>
-            <a:pPr lvl="1"/>
-            <a:endParaRPr lang="en-US" dirty="0"/>
-          </a:p>
-          <a:p>
-            <a:r>
-              <a:rPr lang="en-US" dirty="0"/>
-              <a:t>Virtual cells move a simulated virtual </a:t>
-            </a:r>
-            <a:r>
-              <a:rPr lang="en-US" b="1" dirty="0"/>
-              <a:t>(micro)environment</a:t>
-            </a:r>
-          </a:p>
-          <a:p>
-            <a:pPr lvl="1"/>
-            <a:r>
-              <a:rPr lang="en-US" dirty="0"/>
-              <a:t>Generally liquid (e.g., water or interstitial fluid)</a:t>
-            </a:r>
-          </a:p>
-          <a:p>
-            <a:pPr lvl="1"/>
-            <a:r>
-              <a:rPr lang="en-US" dirty="0"/>
-              <a:t>Chemical movement (oxygen, glucose, signaling factors)</a:t>
-            </a:r>
-          </a:p>
-          <a:p>
-            <a:pPr lvl="2"/>
-            <a:r>
-              <a:rPr lang="en-US" dirty="0"/>
-              <a:t>Typically diffusion -- solve partial differential equations (PDEs)</a:t>
-            </a:r>
-          </a:p>
-          <a:p>
-            <a:pPr lvl="2"/>
-            <a:r>
-              <a:rPr lang="en-US" dirty="0"/>
-              <a:t>May also require advection for environments with flow </a:t>
-            </a:r>
-          </a:p>
-          <a:p>
-            <a:pPr lvl="1"/>
-            <a:r>
-              <a:rPr lang="en-US" dirty="0"/>
-              <a:t>May include mechanical structures like extracellular matrix (ECM)</a:t>
-            </a:r>
-          </a:p>
-          <a:p>
-            <a:pPr lvl="2"/>
-            <a:r>
-              <a:rPr lang="en-US" dirty="0"/>
-              <a:t>Finite element methods or related methods</a:t>
-            </a:r>
-          </a:p>
-          <a:p>
-            <a:pPr lvl="2"/>
-            <a:endParaRPr lang="en-US" dirty="0"/>
-          </a:p>
-          <a:p>
-            <a:r>
-              <a:rPr lang="en-US" dirty="0"/>
-              <a:t>This fits the classic definition of an </a:t>
-            </a:r>
-            <a:r>
-              <a:rPr lang="en-US" b="1" dirty="0"/>
-              <a:t>intelligent system</a:t>
-            </a:r>
-          </a:p>
-          <a:p>
-            <a:pPr lvl="1"/>
-            <a:r>
-              <a:rPr lang="en-US" dirty="0"/>
-              <a:t>Autonomous cell agents sense their (virtual) environment, make decisions based on the signals, and change behavior (cycle, remodel, …)</a:t>
-            </a:r>
-          </a:p>
-          <a:p>
+              <a:rPr lang="en-US" dirty="0" smtClean="0"/>
+              <a:t>from </a:t>
+            </a:r>
+            <a:r>
+              <a:rPr lang="en-US" dirty="0" err="1" smtClean="0"/>
+              <a:t>mcsb</a:t>
+            </a:r>
             <a:endParaRPr lang="en-US" dirty="0"/>
           </a:p>
         </p:txBody>
@@ -4690,7 +4549,7 @@
     </p:spTree>
     <p:extLst>
       <p:ext uri="{BB962C8B-B14F-4D97-AF65-F5344CB8AC3E}">
-        <p14:creationId xmlns:p14="http://schemas.microsoft.com/office/powerpoint/2010/main" val="3732136018"/>
+        <p14:creationId xmlns:p14="http://schemas.microsoft.com/office/powerpoint/2010/main" val="1353979948"/>
       </p:ext>
     </p:extLst>
   </p:cSld>
@@ -4719,10 +4578,10 @@
       </p:grpSpPr>
       <p:sp>
         <p:nvSpPr>
-          <p:cNvPr id="2" name="Title 1">
+          <p:cNvPr id="3" name="Title 2">
             <a:extLst>
               <a:ext uri="{FF2B5EF4-FFF2-40B4-BE49-F238E27FC236}">
-                <a16:creationId xmlns:a16="http://schemas.microsoft.com/office/drawing/2014/main" xmlns="" id="{321A753A-1618-4DA6-AE16-126CB7976ECC}"/>
+                <a16:creationId xmlns:a16="http://schemas.microsoft.com/office/drawing/2014/main" id="{56685F81-5590-41EE-9377-0E9D7A857621}"/>
               </a:ext>
             </a:extLst>
           </p:cNvPr>
@@ -4740,6 +4599,210 @@
           <a:p>
             <a:r>
               <a:rPr lang="en-US" dirty="0"/>
+              <a:t>What is agent-based modeling?</a:t>
+            </a:r>
+          </a:p>
+        </p:txBody>
+      </p:sp>
+      <p:sp>
+        <p:nvSpPr>
+          <p:cNvPr id="4" name="Content Placeholder 3">
+            <a:extLst>
+              <a:ext uri="{FF2B5EF4-FFF2-40B4-BE49-F238E27FC236}">
+                <a16:creationId xmlns:a16="http://schemas.microsoft.com/office/drawing/2014/main" id="{90F4ABE2-1AB1-4B94-9120-5FCE6AAF60DB}"/>
+              </a:ext>
+            </a:extLst>
+          </p:cNvPr>
+          <p:cNvSpPr>
+            <a:spLocks noGrp="1"/>
+          </p:cNvSpPr>
+          <p:nvPr>
+            <p:ph idx="1"/>
+          </p:nvPr>
+        </p:nvSpPr>
+        <p:spPr/>
+        <p:txBody>
+          <a:bodyPr>
+            <a:normAutofit fontScale="70000" lnSpcReduction="20000"/>
+          </a:bodyPr>
+          <a:lstStyle/>
+          <a:p>
+            <a:r>
+              <a:rPr lang="en-US" dirty="0"/>
+              <a:t>Each cell is treated as a separate software object (an </a:t>
+            </a:r>
+            <a:r>
+              <a:rPr lang="en-US" b="1" dirty="0"/>
+              <a:t>agent</a:t>
+            </a:r>
+            <a:r>
+              <a:rPr lang="en-US" dirty="0"/>
+              <a:t>)</a:t>
+            </a:r>
+          </a:p>
+          <a:p>
+            <a:pPr lvl="1"/>
+            <a:r>
+              <a:rPr lang="en-US" dirty="0"/>
+              <a:t>Internal data (an internal state)	</a:t>
+            </a:r>
+          </a:p>
+          <a:p>
+            <a:pPr lvl="2"/>
+            <a:r>
+              <a:rPr lang="en-US" dirty="0"/>
+              <a:t>Position, Size, Cycle State, molecular variables, …. </a:t>
+            </a:r>
+          </a:p>
+          <a:p>
+            <a:pPr lvl="1"/>
+            <a:r>
+              <a:rPr lang="en-US" dirty="0"/>
+              <a:t>Cellular processes </a:t>
+            </a:r>
+          </a:p>
+          <a:p>
+            <a:pPr lvl="2"/>
+            <a:r>
+              <a:rPr lang="en-US" dirty="0"/>
+              <a:t>Cycling, Death, Motility, Growth, Adhesion, … </a:t>
+            </a:r>
+          </a:p>
+          <a:p>
+            <a:pPr lvl="1"/>
+            <a:endParaRPr lang="en-US" dirty="0"/>
+          </a:p>
+          <a:p>
+            <a:r>
+              <a:rPr lang="en-US" dirty="0"/>
+              <a:t>Virtual cells move a simulated virtual </a:t>
+            </a:r>
+            <a:r>
+              <a:rPr lang="en-US" b="1" dirty="0"/>
+              <a:t>(micro)environment</a:t>
+            </a:r>
+          </a:p>
+          <a:p>
+            <a:pPr lvl="1"/>
+            <a:r>
+              <a:rPr lang="en-US" dirty="0"/>
+              <a:t>Generally liquid (e.g., water or interstitial fluid)</a:t>
+            </a:r>
+          </a:p>
+          <a:p>
+            <a:pPr lvl="1"/>
+            <a:r>
+              <a:rPr lang="en-US" dirty="0"/>
+              <a:t>Chemical movement (oxygen, glucose, signaling factors)</a:t>
+            </a:r>
+          </a:p>
+          <a:p>
+            <a:pPr lvl="2"/>
+            <a:r>
+              <a:rPr lang="en-US" dirty="0"/>
+              <a:t>Typically diffusion -- solve partial differential equations (PDEs)</a:t>
+            </a:r>
+          </a:p>
+          <a:p>
+            <a:pPr lvl="2"/>
+            <a:r>
+              <a:rPr lang="en-US" dirty="0"/>
+              <a:t>May also require advection for environments with flow </a:t>
+            </a:r>
+          </a:p>
+          <a:p>
+            <a:pPr lvl="1"/>
+            <a:r>
+              <a:rPr lang="en-US" dirty="0"/>
+              <a:t>May include mechanical structures like extracellular matrix (ECM)</a:t>
+            </a:r>
+          </a:p>
+          <a:p>
+            <a:pPr lvl="2"/>
+            <a:r>
+              <a:rPr lang="en-US" dirty="0"/>
+              <a:t>Finite element methods or related methods</a:t>
+            </a:r>
+          </a:p>
+          <a:p>
+            <a:pPr lvl="2"/>
+            <a:endParaRPr lang="en-US" dirty="0"/>
+          </a:p>
+          <a:p>
+            <a:r>
+              <a:rPr lang="en-US" dirty="0"/>
+              <a:t>This fits the classic definition of an </a:t>
+            </a:r>
+            <a:r>
+              <a:rPr lang="en-US" b="1" dirty="0"/>
+              <a:t>intelligent system</a:t>
+            </a:r>
+          </a:p>
+          <a:p>
+            <a:pPr lvl="1"/>
+            <a:r>
+              <a:rPr lang="en-US" dirty="0"/>
+              <a:t>Autonomous cell agents sense their (virtual) environment, make decisions based on the signals, and change behavior (cycle, remodel, …)</a:t>
+            </a:r>
+          </a:p>
+          <a:p>
+            <a:endParaRPr lang="en-US" dirty="0"/>
+          </a:p>
+        </p:txBody>
+      </p:sp>
+    </p:spTree>
+    <p:extLst>
+      <p:ext uri="{BB962C8B-B14F-4D97-AF65-F5344CB8AC3E}">
+        <p14:creationId xmlns:p14="http://schemas.microsoft.com/office/powerpoint/2010/main" val="3732136018"/>
+      </p:ext>
+    </p:extLst>
+  </p:cSld>
+  <p:clrMapOvr>
+    <a:masterClrMapping/>
+  </p:clrMapOvr>
+</p:sld>
+</file>
+
+<file path=ppt/slides/slide12.xml><?xml version="1.0" encoding="utf-8"?>
+<p:sld xmlns:a="http://schemas.openxmlformats.org/drawingml/2006/main" xmlns:r="http://schemas.openxmlformats.org/officeDocument/2006/relationships" xmlns:p="http://schemas.openxmlformats.org/presentationml/2006/main">
+  <p:cSld>
+    <p:spTree>
+      <p:nvGrpSpPr>
+        <p:cNvPr id="1" name=""/>
+        <p:cNvGrpSpPr/>
+        <p:nvPr/>
+      </p:nvGrpSpPr>
+      <p:grpSpPr>
+        <a:xfrm>
+          <a:off x="0" y="0"/>
+          <a:ext cx="0" cy="0"/>
+          <a:chOff x="0" y="0"/>
+          <a:chExt cx="0" cy="0"/>
+        </a:xfrm>
+      </p:grpSpPr>
+      <p:sp>
+        <p:nvSpPr>
+          <p:cNvPr id="2" name="Title 1">
+            <a:extLst>
+              <a:ext uri="{FF2B5EF4-FFF2-40B4-BE49-F238E27FC236}">
+                <a16:creationId xmlns:a16="http://schemas.microsoft.com/office/drawing/2014/main" id="{321A753A-1618-4DA6-AE16-126CB7976ECC}"/>
+              </a:ext>
+            </a:extLst>
+          </p:cNvPr>
+          <p:cNvSpPr>
+            <a:spLocks noGrp="1"/>
+          </p:cNvSpPr>
+          <p:nvPr>
+            <p:ph type="title"/>
+          </p:nvPr>
+        </p:nvSpPr>
+        <p:spPr/>
+        <p:txBody>
+          <a:bodyPr/>
+          <a:lstStyle/>
+          <a:p>
+            <a:r>
+              <a:rPr lang="en-US" dirty="0"/>
               <a:t>Typical program flow</a:t>
             </a:r>
           </a:p>
@@ -4750,7 +4813,7 @@
           <p:cNvPr id="3" name="Content Placeholder 2">
             <a:extLst>
               <a:ext uri="{FF2B5EF4-FFF2-40B4-BE49-F238E27FC236}">
-                <a16:creationId xmlns:a16="http://schemas.microsoft.com/office/drawing/2014/main" xmlns="" id="{C51D41EF-77C9-4EDA-B2A4-FEF815B9F617}"/>
+                <a16:creationId xmlns:a16="http://schemas.microsoft.com/office/drawing/2014/main" id="{C51D41EF-77C9-4EDA-B2A4-FEF815B9F617}"/>
               </a:ext>
             </a:extLst>
           </p:cNvPr>
@@ -4908,7 +4971,7 @@
 </p:sld>
 </file>
 
-<file path=ppt/slides/slide12.xml><?xml version="1.0" encoding="utf-8"?>
+<file path=ppt/slides/slide13.xml><?xml version="1.0" encoding="utf-8"?>
 <p:sld xmlns:a="http://schemas.openxmlformats.org/drawingml/2006/main" xmlns:r="http://schemas.openxmlformats.org/officeDocument/2006/relationships" xmlns:p="http://schemas.openxmlformats.org/presentationml/2006/main">
   <p:cSld>
     <p:spTree>
@@ -4961,7 +5024,7 @@
 </p:sld>
 </file>
 
-<file path=ppt/slides/slide13.xml><?xml version="1.0" encoding="utf-8"?>
+<file path=ppt/slides/slide14.xml><?xml version="1.0" encoding="utf-8"?>
 <p:sld xmlns:a="http://schemas.openxmlformats.org/drawingml/2006/main" xmlns:r="http://schemas.openxmlformats.org/officeDocument/2006/relationships" xmlns:p="http://schemas.openxmlformats.org/presentationml/2006/main">
   <p:cSld>
     <p:spTree>
@@ -4983,7 +5046,7 @@
           <p:cNvPr id="6" name="Title 5">
             <a:extLst>
               <a:ext uri="{FF2B5EF4-FFF2-40B4-BE49-F238E27FC236}">
-                <a16:creationId xmlns:a16="http://schemas.microsoft.com/office/drawing/2014/main" xmlns="" id="{C2B99157-DA0D-4841-A580-62EFB758DA8C}"/>
+                <a16:creationId xmlns:a16="http://schemas.microsoft.com/office/drawing/2014/main" id="{C2B99157-DA0D-4841-A580-62EFB758DA8C}"/>
               </a:ext>
             </a:extLst>
           </p:cNvPr>
@@ -5011,7 +5074,7 @@
           <p:cNvPr id="7" name="Content Placeholder 6">
             <a:extLst>
               <a:ext uri="{FF2B5EF4-FFF2-40B4-BE49-F238E27FC236}">
-                <a16:creationId xmlns:a16="http://schemas.microsoft.com/office/drawing/2014/main" xmlns="" id="{B3307B35-8D84-4BA2-8128-A71EB12F30AE}"/>
+                <a16:creationId xmlns:a16="http://schemas.microsoft.com/office/drawing/2014/main" id="{B3307B35-8D84-4BA2-8128-A71EB12F30AE}"/>
               </a:ext>
             </a:extLst>
           </p:cNvPr>
@@ -5230,7 +5293,7 @@
 </p:sld>
 </file>
 
-<file path=ppt/slides/slide14.xml><?xml version="1.0" encoding="utf-8"?>
+<file path=ppt/slides/slide15.xml><?xml version="1.0" encoding="utf-8"?>
 <p:sld xmlns:a="http://schemas.openxmlformats.org/drawingml/2006/main" xmlns:r="http://schemas.openxmlformats.org/officeDocument/2006/relationships" xmlns:p="http://schemas.openxmlformats.org/presentationml/2006/main">
   <p:cSld>
     <p:spTree>
@@ -5252,7 +5315,7 @@
           <p:cNvPr id="2" name="Title 1">
             <a:extLst>
               <a:ext uri="{FF2B5EF4-FFF2-40B4-BE49-F238E27FC236}">
-                <a16:creationId xmlns:a16="http://schemas.microsoft.com/office/drawing/2014/main" xmlns="" id="{E62D0150-243D-484C-B3C5-3BEC33D63729}"/>
+                <a16:creationId xmlns:a16="http://schemas.microsoft.com/office/drawing/2014/main" id="{E62D0150-243D-484C-B3C5-3BEC33D63729}"/>
               </a:ext>
             </a:extLst>
           </p:cNvPr>
@@ -5280,7 +5343,7 @@
           <p:cNvPr id="3" name="Content Placeholder 2">
             <a:extLst>
               <a:ext uri="{FF2B5EF4-FFF2-40B4-BE49-F238E27FC236}">
-                <a16:creationId xmlns:a16="http://schemas.microsoft.com/office/drawing/2014/main" xmlns="" id="{78ABF795-1A2F-4998-9877-A5DD4373521C}"/>
+                <a16:creationId xmlns:a16="http://schemas.microsoft.com/office/drawing/2014/main" id="{78ABF795-1A2F-4998-9877-A5DD4373521C}"/>
               </a:ext>
             </a:extLst>
           </p:cNvPr>
@@ -5535,7 +5598,7 @@
           <p:cNvPr id="4" name="Group 3">
             <a:extLst>
               <a:ext uri="{FF2B5EF4-FFF2-40B4-BE49-F238E27FC236}">
-                <a16:creationId xmlns:a16="http://schemas.microsoft.com/office/drawing/2014/main" xmlns="" id="{22174695-89D4-40D3-8FD9-E53B4CA5967B}"/>
+                <a16:creationId xmlns:a16="http://schemas.microsoft.com/office/drawing/2014/main" id="{22174695-89D4-40D3-8FD9-E53B4CA5967B}"/>
               </a:ext>
             </a:extLst>
           </p:cNvPr>
@@ -5555,7 +5618,7 @@
             <p:cNvPr id="5" name="Picture 4">
               <a:extLst>
                 <a:ext uri="{FF2B5EF4-FFF2-40B4-BE49-F238E27FC236}">
-                  <a16:creationId xmlns:a16="http://schemas.microsoft.com/office/drawing/2014/main" xmlns="" id="{A9CB15AE-9E04-4752-9F7A-E88C96D20BF7}"/>
+                  <a16:creationId xmlns:a16="http://schemas.microsoft.com/office/drawing/2014/main" id="{A9CB15AE-9E04-4752-9F7A-E88C96D20BF7}"/>
                 </a:ext>
               </a:extLst>
             </p:cNvPr>
@@ -5585,7 +5648,7 @@
             <p:cNvPr id="6" name="Picture 2" descr="https://sbtc.org/wp-content/uploads/2019/03/nci_case_logo_314056_284_5_v1-1200x600-1200x500.jpg">
               <a:extLst>
                 <a:ext uri="{FF2B5EF4-FFF2-40B4-BE49-F238E27FC236}">
-                  <a16:creationId xmlns:a16="http://schemas.microsoft.com/office/drawing/2014/main" xmlns="" id="{6F4A0FA6-7A66-4D0E-9B3D-0EEF8A0C563E}"/>
+                  <a16:creationId xmlns:a16="http://schemas.microsoft.com/office/drawing/2014/main" id="{6F4A0FA6-7A66-4D0E-9B3D-0EEF8A0C563E}"/>
                 </a:ext>
               </a:extLst>
             </p:cNvPr>
@@ -5630,7 +5693,7 @@
             <p:cNvPr id="7" name="Picture 4" descr="https://www.nsf.gov/images/logos/NSF_4-Color_bitmap_Logo.png">
               <a:extLst>
                 <a:ext uri="{FF2B5EF4-FFF2-40B4-BE49-F238E27FC236}">
-                  <a16:creationId xmlns:a16="http://schemas.microsoft.com/office/drawing/2014/main" xmlns="" id="{06FBA1A6-F77B-43D9-8E4D-307AF2C90044}"/>
+                  <a16:creationId xmlns:a16="http://schemas.microsoft.com/office/drawing/2014/main" id="{06FBA1A6-F77B-43D9-8E4D-307AF2C90044}"/>
                 </a:ext>
               </a:extLst>
             </p:cNvPr>
@@ -5677,7 +5740,7 @@
             <p:cNvPr id="8" name="Picture 2" descr="http://jktgfoundation.org/images/common/logo.jpg">
               <a:extLst>
                 <a:ext uri="{FF2B5EF4-FFF2-40B4-BE49-F238E27FC236}">
-                  <a16:creationId xmlns:a16="http://schemas.microsoft.com/office/drawing/2014/main" xmlns="" id="{17D8E991-8BCE-47B3-8B81-EBAD0454B8EA}"/>
+                  <a16:creationId xmlns:a16="http://schemas.microsoft.com/office/drawing/2014/main" id="{17D8E991-8BCE-47B3-8B81-EBAD0454B8EA}"/>
                 </a:ext>
               </a:extLst>
             </p:cNvPr>
@@ -5750,6 +5813,108 @@
       </p:grpSpPr>
       <p:sp>
         <p:nvSpPr>
+          <p:cNvPr id="2" name="Title 1"/>
+          <p:cNvSpPr>
+            <a:spLocks noGrp="1"/>
+          </p:cNvSpPr>
+          <p:nvPr>
+            <p:ph type="title"/>
+          </p:nvPr>
+        </p:nvSpPr>
+        <p:spPr/>
+        <p:txBody>
+          <a:bodyPr/>
+          <a:lstStyle/>
+          <a:p>
+            <a:r>
+              <a:rPr lang="en-US" dirty="0" smtClean="0"/>
+              <a:t>outline [in progress]</a:t>
+            </a:r>
+            <a:endParaRPr lang="en-US" dirty="0"/>
+          </a:p>
+        </p:txBody>
+      </p:sp>
+      <p:sp>
+        <p:nvSpPr>
+          <p:cNvPr id="3" name="Content Placeholder 2"/>
+          <p:cNvSpPr>
+            <a:spLocks noGrp="1"/>
+          </p:cNvSpPr>
+          <p:nvPr>
+            <p:ph idx="1"/>
+          </p:nvPr>
+        </p:nvSpPr>
+        <p:spPr/>
+        <p:txBody>
+          <a:bodyPr/>
+          <a:lstStyle/>
+          <a:p>
+            <a:r>
+              <a:rPr lang="en-US" dirty="0" smtClean="0"/>
+              <a:t>what is a discrete model? </a:t>
+            </a:r>
+          </a:p>
+          <a:p>
+            <a:r>
+              <a:rPr lang="en-US" dirty="0" smtClean="0"/>
+              <a:t>what is an agent based model? </a:t>
+            </a:r>
+          </a:p>
+          <a:p>
+            <a:r>
+              <a:rPr lang="en-US" dirty="0" smtClean="0"/>
+              <a:t>Examples of approaches</a:t>
+            </a:r>
+          </a:p>
+          <a:p>
+            <a:r>
+              <a:rPr lang="en-US" dirty="0" err="1" smtClean="0"/>
+              <a:t>PhysiCell</a:t>
+            </a:r>
+            <a:r>
+              <a:rPr lang="en-US" dirty="0" smtClean="0"/>
+              <a:t> is </a:t>
+            </a:r>
+            <a:r>
+              <a:rPr lang="en-US" smtClean="0"/>
+              <a:t>a center-based ABM. </a:t>
+            </a:r>
+            <a:endParaRPr lang="en-US" dirty="0" smtClean="0"/>
+          </a:p>
+        </p:txBody>
+      </p:sp>
+    </p:spTree>
+    <p:extLst>
+      <p:ext uri="{BB962C8B-B14F-4D97-AF65-F5344CB8AC3E}">
+        <p14:creationId xmlns:p14="http://schemas.microsoft.com/office/powerpoint/2010/main" val="2204283001"/>
+      </p:ext>
+    </p:extLst>
+  </p:cSld>
+  <p:clrMapOvr>
+    <a:masterClrMapping/>
+  </p:clrMapOvr>
+</p:sld>
+</file>
+
+<file path=ppt/slides/slide3.xml><?xml version="1.0" encoding="utf-8"?>
+<p:sld xmlns:a="http://schemas.openxmlformats.org/drawingml/2006/main" xmlns:r="http://schemas.openxmlformats.org/officeDocument/2006/relationships" xmlns:p="http://schemas.openxmlformats.org/presentationml/2006/main">
+  <p:cSld>
+    <p:spTree>
+      <p:nvGrpSpPr>
+        <p:cNvPr id="1" name=""/>
+        <p:cNvGrpSpPr/>
+        <p:nvPr/>
+      </p:nvGrpSpPr>
+      <p:grpSpPr>
+        <a:xfrm>
+          <a:off x="0" y="0"/>
+          <a:ext cx="0" cy="0"/>
+          <a:chOff x="0" y="0"/>
+          <a:chExt cx="0" cy="0"/>
+        </a:xfrm>
+      </p:grpSpPr>
+      <p:sp>
+        <p:nvSpPr>
           <p:cNvPr id="4" name="Text Placeholder 3"/>
           <p:cNvSpPr>
             <a:spLocks noGrp="1"/>
@@ -5784,7 +5949,7 @@
 </p:sld>
 </file>
 
-<file path=ppt/slides/slide3.xml><?xml version="1.0" encoding="utf-8"?>
+<file path=ppt/slides/slide4.xml><?xml version="1.0" encoding="utf-8"?>
 <p:sld xmlns:a="http://schemas.openxmlformats.org/drawingml/2006/main" xmlns:r="http://schemas.openxmlformats.org/officeDocument/2006/relationships" xmlns:p="http://schemas.openxmlformats.org/presentationml/2006/main">
   <p:cSld>
     <p:spTree>
@@ -5979,7 +6144,7 @@
 </p:sld>
 </file>
 
-<file path=ppt/slides/slide4.xml><?xml version="1.0" encoding="utf-8"?>
+<file path=ppt/slides/slide5.xml><?xml version="1.0" encoding="utf-8"?>
 <p:sld xmlns:a="http://schemas.openxmlformats.org/drawingml/2006/main" xmlns:r="http://schemas.openxmlformats.org/officeDocument/2006/relationships" xmlns:p="http://schemas.openxmlformats.org/presentationml/2006/main">
   <p:cSld>
     <p:spTree>
@@ -6039,7 +6204,7 @@
 </p:sld>
 </file>
 
-<file path=ppt/slides/slide5.xml><?xml version="1.0" encoding="utf-8"?>
+<file path=ppt/slides/slide6.xml><?xml version="1.0" encoding="utf-8"?>
 <p:sld xmlns:a="http://schemas.openxmlformats.org/drawingml/2006/main" xmlns:r="http://schemas.openxmlformats.org/officeDocument/2006/relationships" xmlns:p="http://schemas.openxmlformats.org/presentationml/2006/main">
   <p:cSld>
     <p:spTree>
@@ -7559,7 +7724,7 @@
 </p:sld>
 </file>
 
-<file path=ppt/slides/slide6.xml><?xml version="1.0" encoding="utf-8"?>
+<file path=ppt/slides/slide7.xml><?xml version="1.0" encoding="utf-8"?>
 <p:sld xmlns:a="http://schemas.openxmlformats.org/drawingml/2006/main" xmlns:r="http://schemas.openxmlformats.org/officeDocument/2006/relationships" xmlns:p="http://schemas.openxmlformats.org/presentationml/2006/main">
   <p:cSld>
     <p:spTree>
@@ -9177,7 +9342,7 @@
 </p:sld>
 </file>
 
-<file path=ppt/slides/slide7.xml><?xml version="1.0" encoding="utf-8"?>
+<file path=ppt/slides/slide8.xml><?xml version="1.0" encoding="utf-8"?>
 <p:sld xmlns:a="http://schemas.openxmlformats.org/drawingml/2006/main" xmlns:r="http://schemas.openxmlformats.org/officeDocument/2006/relationships" xmlns:p="http://schemas.openxmlformats.org/presentationml/2006/main">
   <p:cSld>
     <p:spTree>
@@ -10094,7 +10259,7 @@
 </p:sld>
 </file>
 
-<file path=ppt/slides/slide8.xml><?xml version="1.0" encoding="utf-8"?>
+<file path=ppt/slides/slide9.xml><?xml version="1.0" encoding="utf-8"?>
 <p:sld xmlns:a="http://schemas.openxmlformats.org/drawingml/2006/main" xmlns:r="http://schemas.openxmlformats.org/officeDocument/2006/relationships" xmlns:p="http://schemas.openxmlformats.org/presentationml/2006/main">
   <p:cSld>
     <p:spTree>
@@ -10484,8 +10649,8 @@
           </a:ln>
         </p:spPr>
       </p:cxnSp>
-      <mc:AlternateContent xmlns:mc="http://schemas.openxmlformats.org/markup-compatibility/2006">
-        <mc:Choice xmlns:p14="http://schemas.microsoft.com/office/powerpoint/2010/main" Requires="p14">
+      <mc:AlternateContent xmlns:mc="http://schemas.openxmlformats.org/markup-compatibility/2006" xmlns:p14="http://schemas.microsoft.com/office/powerpoint/2010/main">
+        <mc:Choice Requires="p14">
           <p:contentPart p14:bwMode="auto" r:id="rId3">
             <p14:nvContentPartPr>
               <p14:cNvPr id="42" name="Ink 41"/>
@@ -10498,7 +10663,7 @@
             </p14:xfrm>
           </p:contentPart>
         </mc:Choice>
-        <mc:Fallback>
+        <mc:Fallback xmlns="">
           <p:pic>
             <p:nvPicPr>
               <p:cNvPr id="42" name="Ink 41"/>
@@ -10895,8 +11060,8 @@
           </a:ln>
         </p:spPr>
       </p:cxnSp>
-      <mc:AlternateContent xmlns:mc="http://schemas.openxmlformats.org/markup-compatibility/2006">
-        <mc:Choice xmlns:p14="http://schemas.microsoft.com/office/powerpoint/2010/main" Requires="p14">
+      <mc:AlternateContent xmlns:mc="http://schemas.openxmlformats.org/markup-compatibility/2006" xmlns:p14="http://schemas.microsoft.com/office/powerpoint/2010/main">
+        <mc:Choice Requires="p14">
           <p:contentPart p14:bwMode="auto" r:id="rId5">
             <p14:nvContentPartPr>
               <p14:cNvPr id="214" name="Ink 213"/>
@@ -10909,7 +11074,7 @@
             </p14:xfrm>
           </p:contentPart>
         </mc:Choice>
-        <mc:Fallback>
+        <mc:Fallback xmlns="">
           <p:pic>
             <p:nvPicPr>
               <p:cNvPr id="214" name="Ink 213"/>
@@ -11250,63 +11415,6 @@
       </p:par>
     </p:tnLst>
   </p:timing>
-</p:sld>
-</file>
-
-<file path=ppt/slides/slide9.xml><?xml version="1.0" encoding="utf-8"?>
-<p:sld xmlns:a="http://schemas.openxmlformats.org/drawingml/2006/main" xmlns:r="http://schemas.openxmlformats.org/officeDocument/2006/relationships" xmlns:p="http://schemas.openxmlformats.org/presentationml/2006/main">
-  <p:cSld>
-    <p:spTree>
-      <p:nvGrpSpPr>
-        <p:cNvPr id="1" name=""/>
-        <p:cNvGrpSpPr/>
-        <p:nvPr/>
-      </p:nvGrpSpPr>
-      <p:grpSpPr>
-        <a:xfrm>
-          <a:off x="0" y="0"/>
-          <a:ext cx="0" cy="0"/>
-          <a:chOff x="0" y="0"/>
-          <a:chExt cx="0" cy="0"/>
-        </a:xfrm>
-      </p:grpSpPr>
-      <p:sp>
-        <p:nvSpPr>
-          <p:cNvPr id="4" name="Text Placeholder 3"/>
-          <p:cNvSpPr>
-            <a:spLocks noGrp="1"/>
-          </p:cNvSpPr>
-          <p:nvPr>
-            <p:ph type="body" sz="quarter" idx="10"/>
-          </p:nvPr>
-        </p:nvSpPr>
-        <p:spPr/>
-        <p:txBody>
-          <a:bodyPr/>
-          <a:lstStyle/>
-          <a:p>
-            <a:r>
-              <a:rPr lang="en-US" dirty="0" smtClean="0"/>
-              <a:t>from </a:t>
-            </a:r>
-            <a:r>
-              <a:rPr lang="en-US" dirty="0" err="1" smtClean="0"/>
-              <a:t>mcsb</a:t>
-            </a:r>
-            <a:endParaRPr lang="en-US" dirty="0"/>
-          </a:p>
-        </p:txBody>
-      </p:sp>
-    </p:spTree>
-    <p:extLst>
-      <p:ext uri="{BB962C8B-B14F-4D97-AF65-F5344CB8AC3E}">
-        <p14:creationId xmlns:p14="http://schemas.microsoft.com/office/powerpoint/2010/main" val="1353979948"/>
-      </p:ext>
-    </p:extLst>
-  </p:cSld>
-  <p:clrMapOvr>
-    <a:masterClrMapping/>
-  </p:clrMapOvr>
 </p:sld>
 </file>
 
